--- a/InstalaciónCargador.pptx
+++ b/InstalaciónCargador.pptx
@@ -2569,18 +2569,18 @@
 </file>
 
 <file path=ppt/diagrams/colors4.xml><?xml version="1.0" encoding="utf-8"?>
-<dgm:colorsDef xmlns:dgm="http://schemas.openxmlformats.org/drawingml/2006/diagram" xmlns:a="http://schemas.openxmlformats.org/drawingml/2006/main" uniqueId="urn:microsoft.com/office/officeart/2005/8/colors/accent0_3">
+<dgm:colorsDef xmlns:dgm="http://schemas.openxmlformats.org/drawingml/2006/diagram" xmlns:a="http://schemas.openxmlformats.org/drawingml/2006/main" uniqueId="urn:microsoft.com/office/officeart/2005/8/colors/accent1_2">
   <dgm:title val=""/>
   <dgm:desc val=""/>
   <dgm:catLst>
-    <dgm:cat type="mainScheme" pri="10300"/>
+    <dgm:cat type="accent1" pri="11200"/>
   </dgm:catLst>
   <dgm:styleLbl name="node0">
     <dgm:fillClrLst meth="repeat">
-      <a:schemeClr val="dk2"/>
+      <a:schemeClr val="accent1"/>
     </dgm:fillClrLst>
     <dgm:linClrLst meth="repeat">
-      <a:schemeClr val="lt2"/>
+      <a:schemeClr val="lt1"/>
     </dgm:linClrLst>
     <dgm:effectClrLst/>
     <dgm:txLinClrLst/>
@@ -2589,10 +2589,10 @@
   </dgm:styleLbl>
   <dgm:styleLbl name="alignNode1">
     <dgm:fillClrLst meth="repeat">
-      <a:schemeClr val="dk2"/>
+      <a:schemeClr val="accent1"/>
     </dgm:fillClrLst>
     <dgm:linClrLst meth="repeat">
-      <a:schemeClr val="dk2"/>
+      <a:schemeClr val="accent1"/>
     </dgm:linClrLst>
     <dgm:effectClrLst/>
     <dgm:txLinClrLst/>
@@ -2601,10 +2601,10 @@
   </dgm:styleLbl>
   <dgm:styleLbl name="node1">
     <dgm:fillClrLst meth="repeat">
-      <a:schemeClr val="dk2"/>
+      <a:schemeClr val="accent1"/>
     </dgm:fillClrLst>
     <dgm:linClrLst meth="repeat">
-      <a:schemeClr val="lt2"/>
+      <a:schemeClr val="lt1"/>
     </dgm:linClrLst>
     <dgm:effectClrLst/>
     <dgm:txLinClrLst/>
@@ -2613,10 +2613,10 @@
   </dgm:styleLbl>
   <dgm:styleLbl name="lnNode1">
     <dgm:fillClrLst meth="repeat">
-      <a:schemeClr val="dk2"/>
+      <a:schemeClr val="accent1"/>
     </dgm:fillClrLst>
     <dgm:linClrLst meth="repeat">
-      <a:schemeClr val="lt2"/>
+      <a:schemeClr val="lt1"/>
     </dgm:linClrLst>
     <dgm:effectClrLst/>
     <dgm:txLinClrLst/>
@@ -2625,12 +2625,12 @@
   </dgm:styleLbl>
   <dgm:styleLbl name="vennNode1">
     <dgm:fillClrLst meth="repeat">
-      <a:schemeClr val="dk2">
+      <a:schemeClr val="accent1">
         <a:alpha val="50000"/>
       </a:schemeClr>
     </dgm:fillClrLst>
     <dgm:linClrLst meth="repeat">
-      <a:schemeClr val="lt2"/>
+      <a:schemeClr val="lt1"/>
     </dgm:linClrLst>
     <dgm:effectClrLst/>
     <dgm:txLinClrLst/>
@@ -2639,10 +2639,10 @@
   </dgm:styleLbl>
   <dgm:styleLbl name="node2">
     <dgm:fillClrLst meth="repeat">
-      <a:schemeClr val="dk2"/>
+      <a:schemeClr val="accent1"/>
     </dgm:fillClrLst>
     <dgm:linClrLst meth="repeat">
-      <a:schemeClr val="lt2"/>
+      <a:schemeClr val="lt1"/>
     </dgm:linClrLst>
     <dgm:effectClrLst/>
     <dgm:txLinClrLst/>
@@ -2651,10 +2651,10 @@
   </dgm:styleLbl>
   <dgm:styleLbl name="node3">
     <dgm:fillClrLst meth="repeat">
-      <a:schemeClr val="dk2"/>
+      <a:schemeClr val="accent1"/>
     </dgm:fillClrLst>
     <dgm:linClrLst meth="repeat">
-      <a:schemeClr val="lt2"/>
+      <a:schemeClr val="lt1"/>
     </dgm:linClrLst>
     <dgm:effectClrLst/>
     <dgm:txLinClrLst/>
@@ -2663,10 +2663,10 @@
   </dgm:styleLbl>
   <dgm:styleLbl name="node4">
     <dgm:fillClrLst meth="repeat">
-      <a:schemeClr val="dk2"/>
+      <a:schemeClr val="accent1"/>
     </dgm:fillClrLst>
     <dgm:linClrLst meth="repeat">
-      <a:schemeClr val="lt2"/>
+      <a:schemeClr val="lt1"/>
     </dgm:linClrLst>
     <dgm:effectClrLst/>
     <dgm:txLinClrLst/>
@@ -2675,64 +2675,60 @@
   </dgm:styleLbl>
   <dgm:styleLbl name="fgImgPlace1">
     <dgm:fillClrLst meth="repeat">
-      <a:schemeClr val="dk2">
+      <a:schemeClr val="accent1">
         <a:tint val="50000"/>
       </a:schemeClr>
     </dgm:fillClrLst>
     <dgm:linClrLst meth="repeat">
-      <a:schemeClr val="lt2"/>
+      <a:schemeClr val="lt1"/>
     </dgm:linClrLst>
     <dgm:effectClrLst/>
     <dgm:txLinClrLst/>
     <dgm:txFillClrLst meth="repeat">
-      <a:schemeClr val="lt2"/>
+      <a:schemeClr val="lt1"/>
     </dgm:txFillClrLst>
     <dgm:txEffectClrLst/>
   </dgm:styleLbl>
   <dgm:styleLbl name="alignImgPlace1">
     <dgm:fillClrLst meth="repeat">
-      <a:schemeClr val="dk2">
+      <a:schemeClr val="accent1">
         <a:tint val="50000"/>
       </a:schemeClr>
     </dgm:fillClrLst>
     <dgm:linClrLst meth="repeat">
-      <a:schemeClr val="dk2">
-        <a:shade val="80000"/>
-      </a:schemeClr>
+      <a:schemeClr val="lt1"/>
     </dgm:linClrLst>
     <dgm:effectClrLst/>
     <dgm:txLinClrLst/>
     <dgm:txFillClrLst meth="repeat">
-      <a:schemeClr val="lt2"/>
+      <a:schemeClr val="lt1"/>
     </dgm:txFillClrLst>
     <dgm:txEffectClrLst/>
   </dgm:styleLbl>
   <dgm:styleLbl name="bgImgPlace1">
     <dgm:fillClrLst meth="repeat">
-      <a:schemeClr val="dk2">
+      <a:schemeClr val="accent1">
         <a:tint val="50000"/>
       </a:schemeClr>
     </dgm:fillClrLst>
     <dgm:linClrLst meth="repeat">
-      <a:schemeClr val="dk2">
-        <a:shade val="80000"/>
-      </a:schemeClr>
+      <a:schemeClr val="lt1"/>
     </dgm:linClrLst>
     <dgm:effectClrLst/>
     <dgm:txLinClrLst/>
     <dgm:txFillClrLst meth="repeat">
-      <a:schemeClr val="lt2"/>
+      <a:schemeClr val="lt1"/>
     </dgm:txFillClrLst>
     <dgm:txEffectClrLst/>
   </dgm:styleLbl>
   <dgm:styleLbl name="sibTrans2D1">
     <dgm:fillClrLst meth="repeat">
-      <a:schemeClr val="dk2">
+      <a:schemeClr val="accent1">
         <a:tint val="60000"/>
       </a:schemeClr>
     </dgm:fillClrLst>
     <dgm:linClrLst meth="repeat">
-      <a:schemeClr val="dk2">
+      <a:schemeClr val="accent1">
         <a:tint val="60000"/>
       </a:schemeClr>
     </dgm:linClrLst>
@@ -2743,12 +2739,12 @@
   </dgm:styleLbl>
   <dgm:styleLbl name="fgSibTrans2D1">
     <dgm:fillClrLst meth="repeat">
-      <a:schemeClr val="dk2">
+      <a:schemeClr val="accent1">
         <a:tint val="60000"/>
       </a:schemeClr>
     </dgm:fillClrLst>
     <dgm:linClrLst meth="repeat">
-      <a:schemeClr val="dk2">
+      <a:schemeClr val="accent1">
         <a:tint val="60000"/>
       </a:schemeClr>
     </dgm:linClrLst>
@@ -2759,12 +2755,12 @@
   </dgm:styleLbl>
   <dgm:styleLbl name="bgSibTrans2D1">
     <dgm:fillClrLst meth="repeat">
-      <a:schemeClr val="dk2">
+      <a:schemeClr val="accent1">
         <a:tint val="60000"/>
       </a:schemeClr>
     </dgm:fillClrLst>
     <dgm:linClrLst meth="repeat">
-      <a:schemeClr val="dk2">
+      <a:schemeClr val="accent1">
         <a:tint val="60000"/>
       </a:schemeClr>
     </dgm:linClrLst>
@@ -2775,162 +2771,10 @@
   </dgm:styleLbl>
   <dgm:styleLbl name="sibTrans1D1">
     <dgm:fillClrLst meth="repeat">
-      <a:schemeClr val="dk2"/>
+      <a:schemeClr val="accent1"/>
     </dgm:fillClrLst>
     <dgm:linClrLst meth="repeat">
-      <a:schemeClr val="dk2"/>
-    </dgm:linClrLst>
-    <dgm:effectClrLst/>
-    <dgm:txLinClrLst/>
-    <dgm:txFillClrLst meth="repeat">
-      <a:schemeClr val="lt2"/>
-    </dgm:txFillClrLst>
-    <dgm:txEffectClrLst/>
-  </dgm:styleLbl>
-  <dgm:styleLbl name="callout">
-    <dgm:fillClrLst meth="repeat">
-      <a:schemeClr val="dk2"/>
-    </dgm:fillClrLst>
-    <dgm:linClrLst meth="repeat">
-      <a:schemeClr val="dk2">
-        <a:tint val="50000"/>
-      </a:schemeClr>
-    </dgm:linClrLst>
-    <dgm:effectClrLst/>
-    <dgm:txLinClrLst/>
-    <dgm:txFillClrLst meth="repeat">
-      <a:schemeClr val="lt2"/>
-    </dgm:txFillClrLst>
-    <dgm:txEffectClrLst/>
-  </dgm:styleLbl>
-  <dgm:styleLbl name="asst0">
-    <dgm:fillClrLst meth="repeat">
-      <a:schemeClr val="dk2"/>
-    </dgm:fillClrLst>
-    <dgm:linClrLst meth="repeat">
-      <a:schemeClr val="lt2"/>
-    </dgm:linClrLst>
-    <dgm:effectClrLst/>
-    <dgm:txLinClrLst/>
-    <dgm:txFillClrLst/>
-    <dgm:txEffectClrLst/>
-  </dgm:styleLbl>
-  <dgm:styleLbl name="asst1">
-    <dgm:fillClrLst meth="repeat">
-      <a:schemeClr val="dk2"/>
-    </dgm:fillClrLst>
-    <dgm:linClrLst meth="repeat">
-      <a:schemeClr val="lt2"/>
-    </dgm:linClrLst>
-    <dgm:effectClrLst/>
-    <dgm:txLinClrLst/>
-    <dgm:txFillClrLst/>
-    <dgm:txEffectClrLst/>
-  </dgm:styleLbl>
-  <dgm:styleLbl name="asst2">
-    <dgm:fillClrLst meth="repeat">
-      <a:schemeClr val="dk2"/>
-    </dgm:fillClrLst>
-    <dgm:linClrLst meth="repeat">
-      <a:schemeClr val="lt2"/>
-    </dgm:linClrLst>
-    <dgm:effectClrLst/>
-    <dgm:txLinClrLst/>
-    <dgm:txFillClrLst/>
-    <dgm:txEffectClrLst/>
-  </dgm:styleLbl>
-  <dgm:styleLbl name="asst3">
-    <dgm:fillClrLst meth="repeat">
-      <a:schemeClr val="dk2"/>
-    </dgm:fillClrLst>
-    <dgm:linClrLst meth="repeat">
-      <a:schemeClr val="lt2"/>
-    </dgm:linClrLst>
-    <dgm:effectClrLst/>
-    <dgm:txLinClrLst/>
-    <dgm:txFillClrLst/>
-    <dgm:txEffectClrLst/>
-  </dgm:styleLbl>
-  <dgm:styleLbl name="asst4">
-    <dgm:fillClrLst meth="repeat">
-      <a:schemeClr val="dk2"/>
-    </dgm:fillClrLst>
-    <dgm:linClrLst meth="repeat">
-      <a:schemeClr val="lt2"/>
-    </dgm:linClrLst>
-    <dgm:effectClrLst/>
-    <dgm:txLinClrLst/>
-    <dgm:txFillClrLst/>
-    <dgm:txEffectClrLst/>
-  </dgm:styleLbl>
-  <dgm:styleLbl name="parChTrans2D1">
-    <dgm:fillClrLst meth="repeat">
-      <a:schemeClr val="dk2">
-        <a:tint val="60000"/>
-      </a:schemeClr>
-    </dgm:fillClrLst>
-    <dgm:linClrLst meth="repeat">
-      <a:schemeClr val="dk2">
-        <a:tint val="60000"/>
-      </a:schemeClr>
-    </dgm:linClrLst>
-    <dgm:effectClrLst/>
-    <dgm:txLinClrLst/>
-    <dgm:txFillClrLst meth="repeat">
-      <a:schemeClr val="lt2"/>
-    </dgm:txFillClrLst>
-    <dgm:txEffectClrLst/>
-  </dgm:styleLbl>
-  <dgm:styleLbl name="parChTrans2D2">
-    <dgm:fillClrLst meth="repeat">
-      <a:schemeClr val="dk2"/>
-    </dgm:fillClrLst>
-    <dgm:linClrLst meth="repeat">
-      <a:schemeClr val="dk2"/>
-    </dgm:linClrLst>
-    <dgm:effectClrLst/>
-    <dgm:txLinClrLst/>
-    <dgm:txFillClrLst meth="repeat">
-      <a:schemeClr val="lt2"/>
-    </dgm:txFillClrLst>
-    <dgm:txEffectClrLst/>
-  </dgm:styleLbl>
-  <dgm:styleLbl name="parChTrans2D3">
-    <dgm:fillClrLst meth="repeat">
-      <a:schemeClr val="dk2"/>
-    </dgm:fillClrLst>
-    <dgm:linClrLst meth="repeat">
-      <a:schemeClr val="dk2"/>
-    </dgm:linClrLst>
-    <dgm:effectClrLst/>
-    <dgm:txLinClrLst/>
-    <dgm:txFillClrLst meth="repeat">
-      <a:schemeClr val="lt2"/>
-    </dgm:txFillClrLst>
-    <dgm:txEffectClrLst/>
-  </dgm:styleLbl>
-  <dgm:styleLbl name="parChTrans2D4">
-    <dgm:fillClrLst meth="repeat">
-      <a:schemeClr val="dk2"/>
-    </dgm:fillClrLst>
-    <dgm:linClrLst meth="repeat">
-      <a:schemeClr val="dk2"/>
-    </dgm:linClrLst>
-    <dgm:effectClrLst/>
-    <dgm:txLinClrLst/>
-    <dgm:txFillClrLst meth="repeat">
-      <a:schemeClr val="lt2"/>
-    </dgm:txFillClrLst>
-    <dgm:txEffectClrLst/>
-  </dgm:styleLbl>
-  <dgm:styleLbl name="parChTrans1D1">
-    <dgm:fillClrLst meth="repeat">
-      <a:schemeClr val="dk2"/>
-    </dgm:fillClrLst>
-    <dgm:linClrLst meth="repeat">
-      <a:schemeClr val="dk2">
-        <a:shade val="60000"/>
-      </a:schemeClr>
+      <a:schemeClr val="accent1"/>
     </dgm:linClrLst>
     <dgm:effectClrLst/>
     <dgm:txLinClrLst/>
@@ -2939,13 +2783,13 @@
     </dgm:txFillClrLst>
     <dgm:txEffectClrLst/>
   </dgm:styleLbl>
-  <dgm:styleLbl name="parChTrans1D2">
+  <dgm:styleLbl name="callout">
     <dgm:fillClrLst meth="repeat">
-      <a:schemeClr val="dk2"/>
+      <a:schemeClr val="accent1"/>
     </dgm:fillClrLst>
     <dgm:linClrLst meth="repeat">
-      <a:schemeClr val="dk2">
-        <a:shade val="60000"/>
+      <a:schemeClr val="accent1">
+        <a:tint val="50000"/>
       </a:schemeClr>
     </dgm:linClrLst>
     <dgm:effectClrLst/>
@@ -2955,13 +2799,133 @@
     </dgm:txFillClrLst>
     <dgm:txEffectClrLst/>
   </dgm:styleLbl>
-  <dgm:styleLbl name="parChTrans1D3">
+  <dgm:styleLbl name="asst0">
     <dgm:fillClrLst meth="repeat">
-      <a:schemeClr val="dk2"/>
+      <a:schemeClr val="accent1"/>
     </dgm:fillClrLst>
     <dgm:linClrLst meth="repeat">
-      <a:schemeClr val="dk2">
-        <a:shade val="80000"/>
+      <a:schemeClr val="lt1"/>
+    </dgm:linClrLst>
+    <dgm:effectClrLst/>
+    <dgm:txLinClrLst/>
+    <dgm:txFillClrLst/>
+    <dgm:txEffectClrLst/>
+  </dgm:styleLbl>
+  <dgm:styleLbl name="asst1">
+    <dgm:fillClrLst meth="repeat">
+      <a:schemeClr val="accent1"/>
+    </dgm:fillClrLst>
+    <dgm:linClrLst meth="repeat">
+      <a:schemeClr val="lt1"/>
+    </dgm:linClrLst>
+    <dgm:effectClrLst/>
+    <dgm:txLinClrLst/>
+    <dgm:txFillClrLst/>
+    <dgm:txEffectClrLst/>
+  </dgm:styleLbl>
+  <dgm:styleLbl name="asst2">
+    <dgm:fillClrLst meth="repeat">
+      <a:schemeClr val="accent1"/>
+    </dgm:fillClrLst>
+    <dgm:linClrLst meth="repeat">
+      <a:schemeClr val="lt1"/>
+    </dgm:linClrLst>
+    <dgm:effectClrLst/>
+    <dgm:txLinClrLst/>
+    <dgm:txFillClrLst/>
+    <dgm:txEffectClrLst/>
+  </dgm:styleLbl>
+  <dgm:styleLbl name="asst3">
+    <dgm:fillClrLst meth="repeat">
+      <a:schemeClr val="accent1"/>
+    </dgm:fillClrLst>
+    <dgm:linClrLst meth="repeat">
+      <a:schemeClr val="lt1"/>
+    </dgm:linClrLst>
+    <dgm:effectClrLst/>
+    <dgm:txLinClrLst/>
+    <dgm:txFillClrLst/>
+    <dgm:txEffectClrLst/>
+  </dgm:styleLbl>
+  <dgm:styleLbl name="asst4">
+    <dgm:fillClrLst meth="repeat">
+      <a:schemeClr val="accent1"/>
+    </dgm:fillClrLst>
+    <dgm:linClrLst meth="repeat">
+      <a:schemeClr val="lt1"/>
+    </dgm:linClrLst>
+    <dgm:effectClrLst/>
+    <dgm:txLinClrLst/>
+    <dgm:txFillClrLst/>
+    <dgm:txEffectClrLst/>
+  </dgm:styleLbl>
+  <dgm:styleLbl name="parChTrans2D1">
+    <dgm:fillClrLst meth="repeat">
+      <a:schemeClr val="accent1">
+        <a:tint val="60000"/>
+      </a:schemeClr>
+    </dgm:fillClrLst>
+    <dgm:linClrLst meth="repeat">
+      <a:schemeClr val="accent1">
+        <a:tint val="60000"/>
+      </a:schemeClr>
+    </dgm:linClrLst>
+    <dgm:effectClrLst/>
+    <dgm:txLinClrLst/>
+    <dgm:txFillClrLst meth="repeat">
+      <a:schemeClr val="lt1"/>
+    </dgm:txFillClrLst>
+    <dgm:txEffectClrLst/>
+  </dgm:styleLbl>
+  <dgm:styleLbl name="parChTrans2D2">
+    <dgm:fillClrLst meth="repeat">
+      <a:schemeClr val="accent1"/>
+    </dgm:fillClrLst>
+    <dgm:linClrLst meth="repeat">
+      <a:schemeClr val="accent1"/>
+    </dgm:linClrLst>
+    <dgm:effectClrLst/>
+    <dgm:txLinClrLst/>
+    <dgm:txFillClrLst meth="repeat">
+      <a:schemeClr val="lt1"/>
+    </dgm:txFillClrLst>
+    <dgm:txEffectClrLst/>
+  </dgm:styleLbl>
+  <dgm:styleLbl name="parChTrans2D3">
+    <dgm:fillClrLst meth="repeat">
+      <a:schemeClr val="accent1"/>
+    </dgm:fillClrLst>
+    <dgm:linClrLst meth="repeat">
+      <a:schemeClr val="accent1"/>
+    </dgm:linClrLst>
+    <dgm:effectClrLst/>
+    <dgm:txLinClrLst/>
+    <dgm:txFillClrLst meth="repeat">
+      <a:schemeClr val="lt1"/>
+    </dgm:txFillClrLst>
+    <dgm:txEffectClrLst/>
+  </dgm:styleLbl>
+  <dgm:styleLbl name="parChTrans2D4">
+    <dgm:fillClrLst meth="repeat">
+      <a:schemeClr val="accent1"/>
+    </dgm:fillClrLst>
+    <dgm:linClrLst meth="repeat">
+      <a:schemeClr val="accent1"/>
+    </dgm:linClrLst>
+    <dgm:effectClrLst/>
+    <dgm:txLinClrLst/>
+    <dgm:txFillClrLst meth="repeat">
+      <a:schemeClr val="lt1"/>
+    </dgm:txFillClrLst>
+    <dgm:txEffectClrLst/>
+  </dgm:styleLbl>
+  <dgm:styleLbl name="parChTrans1D1">
+    <dgm:fillClrLst meth="repeat">
+      <a:schemeClr val="accent1"/>
+    </dgm:fillClrLst>
+    <dgm:linClrLst meth="repeat">
+      <a:schemeClr val="accent1">
+        <a:shade val="60000"/>
       </a:schemeClr>
     </dgm:linClrLst>
     <dgm:effectClrLst/>
@@ -2971,13 +2935,13 @@
     </dgm:txFillClrLst>
     <dgm:txEffectClrLst/>
   </dgm:styleLbl>
-  <dgm:styleLbl name="parChTrans1D4">
+  <dgm:styleLbl name="parChTrans1D2">
     <dgm:fillClrLst meth="repeat">
-      <a:schemeClr val="dk2"/>
+      <a:schemeClr val="accent1"/>
     </dgm:fillClrLst>
     <dgm:linClrLst meth="repeat">
-      <a:schemeClr val="dk2">
-        <a:shade val="80000"/>
+      <a:schemeClr val="accent1">
+        <a:shade val="60000"/>
       </a:schemeClr>
     </dgm:linClrLst>
     <dgm:effectClrLst/>
@@ -2987,14 +2951,46 @@
     </dgm:txFillClrLst>
     <dgm:txEffectClrLst/>
   </dgm:styleLbl>
+  <dgm:styleLbl name="parChTrans1D3">
+    <dgm:fillClrLst meth="repeat">
+      <a:schemeClr val="accent1"/>
+    </dgm:fillClrLst>
+    <dgm:linClrLst meth="repeat">
+      <a:schemeClr val="accent1">
+        <a:shade val="80000"/>
+      </a:schemeClr>
+    </dgm:linClrLst>
+    <dgm:effectClrLst/>
+    <dgm:txLinClrLst/>
+    <dgm:txFillClrLst meth="repeat">
+      <a:schemeClr val="tx1"/>
+    </dgm:txFillClrLst>
+    <dgm:txEffectClrLst/>
+  </dgm:styleLbl>
+  <dgm:styleLbl name="parChTrans1D4">
+    <dgm:fillClrLst meth="repeat">
+      <a:schemeClr val="accent1"/>
+    </dgm:fillClrLst>
+    <dgm:linClrLst meth="repeat">
+      <a:schemeClr val="accent1">
+        <a:shade val="80000"/>
+      </a:schemeClr>
+    </dgm:linClrLst>
+    <dgm:effectClrLst/>
+    <dgm:txLinClrLst/>
+    <dgm:txFillClrLst meth="repeat">
+      <a:schemeClr val="tx1"/>
+    </dgm:txFillClrLst>
+    <dgm:txEffectClrLst/>
+  </dgm:styleLbl>
   <dgm:styleLbl name="fgAcc1">
     <dgm:fillClrLst meth="repeat">
-      <a:schemeClr val="lt2">
+      <a:schemeClr val="lt1">
         <a:alpha val="90000"/>
       </a:schemeClr>
     </dgm:fillClrLst>
     <dgm:linClrLst meth="repeat">
-      <a:schemeClr val="dk2"/>
+      <a:schemeClr val="accent1"/>
     </dgm:linClrLst>
     <dgm:effectClrLst/>
     <dgm:txLinClrLst/>
@@ -3005,12 +3001,12 @@
   </dgm:styleLbl>
   <dgm:styleLbl name="conFgAcc1">
     <dgm:fillClrLst meth="repeat">
-      <a:schemeClr val="lt2">
+      <a:schemeClr val="lt1">
         <a:alpha val="90000"/>
       </a:schemeClr>
     </dgm:fillClrLst>
     <dgm:linClrLst meth="repeat">
-      <a:schemeClr val="dk2"/>
+      <a:schemeClr val="accent1"/>
     </dgm:linClrLst>
     <dgm:effectClrLst/>
     <dgm:txLinClrLst/>
@@ -3021,12 +3017,12 @@
   </dgm:styleLbl>
   <dgm:styleLbl name="alignAcc1">
     <dgm:fillClrLst meth="repeat">
-      <a:schemeClr val="lt2">
+      <a:schemeClr val="lt1">
         <a:alpha val="90000"/>
       </a:schemeClr>
     </dgm:fillClrLst>
     <dgm:linClrLst meth="repeat">
-      <a:schemeClr val="dk2"/>
+      <a:schemeClr val="accent1"/>
     </dgm:linClrLst>
     <dgm:effectClrLst/>
     <dgm:txLinClrLst/>
@@ -3037,12 +3033,12 @@
   </dgm:styleLbl>
   <dgm:styleLbl name="trAlignAcc1">
     <dgm:fillClrLst meth="repeat">
-      <a:schemeClr val="lt2">
+      <a:schemeClr val="lt1">
         <a:alpha val="40000"/>
       </a:schemeClr>
     </dgm:fillClrLst>
     <dgm:linClrLst meth="repeat">
-      <a:schemeClr val="dk2"/>
+      <a:schemeClr val="accent1"/>
     </dgm:linClrLst>
     <dgm:effectClrLst/>
     <dgm:txLinClrLst/>
@@ -3053,12 +3049,12 @@
   </dgm:styleLbl>
   <dgm:styleLbl name="bgAcc1">
     <dgm:fillClrLst meth="repeat">
-      <a:schemeClr val="lt2">
+      <a:schemeClr val="lt1">
         <a:alpha val="90000"/>
       </a:schemeClr>
     </dgm:fillClrLst>
     <dgm:linClrLst meth="repeat">
-      <a:schemeClr val="dk2"/>
+      <a:schemeClr val="accent1"/>
     </dgm:linClrLst>
     <dgm:effectClrLst/>
     <dgm:txLinClrLst/>
@@ -3069,10 +3065,10 @@
   </dgm:styleLbl>
   <dgm:styleLbl name="solidFgAcc1">
     <dgm:fillClrLst meth="repeat">
-      <a:schemeClr val="lt2"/>
+      <a:schemeClr val="lt1"/>
     </dgm:fillClrLst>
     <dgm:linClrLst meth="repeat">
-      <a:schemeClr val="dk2"/>
+      <a:schemeClr val="accent1"/>
     </dgm:linClrLst>
     <dgm:effectClrLst/>
     <dgm:txLinClrLst/>
@@ -3083,10 +3079,10 @@
   </dgm:styleLbl>
   <dgm:styleLbl name="solidAlignAcc1">
     <dgm:fillClrLst meth="repeat">
-      <a:schemeClr val="lt2"/>
+      <a:schemeClr val="lt1"/>
     </dgm:fillClrLst>
     <dgm:linClrLst meth="repeat">
-      <a:schemeClr val="dk2"/>
+      <a:schemeClr val="accent1"/>
     </dgm:linClrLst>
     <dgm:effectClrLst/>
     <dgm:txLinClrLst/>
@@ -3097,10 +3093,10 @@
   </dgm:styleLbl>
   <dgm:styleLbl name="solidBgAcc1">
     <dgm:fillClrLst meth="repeat">
-      <a:schemeClr val="lt2"/>
+      <a:schemeClr val="lt1"/>
     </dgm:fillClrLst>
     <dgm:linClrLst meth="repeat">
-      <a:schemeClr val="dk2"/>
+      <a:schemeClr val="accent1"/>
     </dgm:linClrLst>
     <dgm:effectClrLst/>
     <dgm:txLinClrLst/>
@@ -3111,13 +3107,13 @@
   </dgm:styleLbl>
   <dgm:styleLbl name="fgAccFollowNode1">
     <dgm:fillClrLst meth="repeat">
-      <a:schemeClr val="dk2">
+      <a:schemeClr val="accent1">
         <a:alpha val="90000"/>
         <a:tint val="40000"/>
       </a:schemeClr>
     </dgm:fillClrLst>
     <dgm:linClrLst meth="repeat">
-      <a:schemeClr val="dk2">
+      <a:schemeClr val="accent1">
         <a:alpha val="90000"/>
         <a:tint val="40000"/>
       </a:schemeClr>
@@ -3131,13 +3127,13 @@
   </dgm:styleLbl>
   <dgm:styleLbl name="alignAccFollowNode1">
     <dgm:fillClrLst meth="repeat">
-      <a:schemeClr val="dk2">
+      <a:schemeClr val="accent1">
         <a:alpha val="90000"/>
         <a:tint val="40000"/>
       </a:schemeClr>
     </dgm:fillClrLst>
     <dgm:linClrLst meth="repeat">
-      <a:schemeClr val="dk2">
+      <a:schemeClr val="accent1">
         <a:alpha val="90000"/>
         <a:tint val="40000"/>
       </a:schemeClr>
@@ -3151,13 +3147,13 @@
   </dgm:styleLbl>
   <dgm:styleLbl name="bgAccFollowNode1">
     <dgm:fillClrLst meth="repeat">
-      <a:schemeClr val="dk2">
+      <a:schemeClr val="accent1">
         <a:alpha val="90000"/>
         <a:tint val="40000"/>
       </a:schemeClr>
     </dgm:fillClrLst>
     <dgm:linClrLst meth="repeat">
-      <a:schemeClr val="dk2">
+      <a:schemeClr val="accent1">
         <a:alpha val="90000"/>
         <a:tint val="40000"/>
       </a:schemeClr>
@@ -3171,12 +3167,12 @@
   </dgm:styleLbl>
   <dgm:styleLbl name="fgAcc0">
     <dgm:fillClrLst meth="repeat">
-      <a:schemeClr val="lt2">
+      <a:schemeClr val="lt1">
         <a:alpha val="90000"/>
       </a:schemeClr>
     </dgm:fillClrLst>
     <dgm:linClrLst meth="repeat">
-      <a:schemeClr val="dk2"/>
+      <a:schemeClr val="accent1"/>
     </dgm:linClrLst>
     <dgm:effectClrLst/>
     <dgm:txLinClrLst/>
@@ -3187,12 +3183,12 @@
   </dgm:styleLbl>
   <dgm:styleLbl name="fgAcc2">
     <dgm:fillClrLst meth="repeat">
-      <a:schemeClr val="lt2">
+      <a:schemeClr val="lt1">
         <a:alpha val="90000"/>
       </a:schemeClr>
     </dgm:fillClrLst>
     <dgm:linClrLst meth="repeat">
-      <a:schemeClr val="dk2"/>
+      <a:schemeClr val="accent1"/>
     </dgm:linClrLst>
     <dgm:effectClrLst/>
     <dgm:txLinClrLst/>
@@ -3203,12 +3199,12 @@
   </dgm:styleLbl>
   <dgm:styleLbl name="fgAcc3">
     <dgm:fillClrLst meth="repeat">
-      <a:schemeClr val="lt2">
+      <a:schemeClr val="lt1">
         <a:alpha val="90000"/>
       </a:schemeClr>
     </dgm:fillClrLst>
     <dgm:linClrLst meth="repeat">
-      <a:schemeClr val="dk2"/>
+      <a:schemeClr val="accent1"/>
     </dgm:linClrLst>
     <dgm:effectClrLst/>
     <dgm:txLinClrLst/>
@@ -3219,12 +3215,12 @@
   </dgm:styleLbl>
   <dgm:styleLbl name="fgAcc4">
     <dgm:fillClrLst meth="repeat">
-      <a:schemeClr val="lt2">
+      <a:schemeClr val="lt1">
         <a:alpha val="90000"/>
       </a:schemeClr>
     </dgm:fillClrLst>
     <dgm:linClrLst meth="repeat">
-      <a:schemeClr val="dk2"/>
+      <a:schemeClr val="accent1"/>
     </dgm:linClrLst>
     <dgm:effectClrLst/>
     <dgm:txLinClrLst/>
@@ -3235,12 +3231,12 @@
   </dgm:styleLbl>
   <dgm:styleLbl name="bgShp">
     <dgm:fillClrLst meth="repeat">
-      <a:schemeClr val="dk2">
+      <a:schemeClr val="accent1">
         <a:tint val="40000"/>
       </a:schemeClr>
     </dgm:fillClrLst>
     <dgm:linClrLst meth="repeat">
-      <a:schemeClr val="dk2"/>
+      <a:schemeClr val="accent1"/>
     </dgm:linClrLst>
     <dgm:effectClrLst/>
     <dgm:txLinClrLst/>
@@ -3251,12 +3247,12 @@
   </dgm:styleLbl>
   <dgm:styleLbl name="dkBgShp">
     <dgm:fillClrLst meth="repeat">
-      <a:schemeClr val="dk2">
+      <a:schemeClr val="accent1">
         <a:shade val="80000"/>
       </a:schemeClr>
     </dgm:fillClrLst>
     <dgm:linClrLst meth="repeat">
-      <a:schemeClr val="dk2"/>
+      <a:schemeClr val="accent1"/>
     </dgm:linClrLst>
     <dgm:effectClrLst/>
     <dgm:txLinClrLst/>
@@ -3267,13 +3263,13 @@
   </dgm:styleLbl>
   <dgm:styleLbl name="trBgShp">
     <dgm:fillClrLst meth="repeat">
-      <a:schemeClr val="dk2">
+      <a:schemeClr val="accent1">
         <a:tint val="50000"/>
         <a:alpha val="40000"/>
       </a:schemeClr>
     </dgm:fillClrLst>
     <dgm:linClrLst meth="repeat">
-      <a:schemeClr val="dk2"/>
+      <a:schemeClr val="accent1"/>
     </dgm:linClrLst>
     <dgm:effectClrLst/>
     <dgm:txLinClrLst/>
@@ -3284,12 +3280,12 @@
   </dgm:styleLbl>
   <dgm:styleLbl name="fgShp">
     <dgm:fillClrLst meth="repeat">
-      <a:schemeClr val="dk2">
+      <a:schemeClr val="accent1">
         <a:tint val="60000"/>
       </a:schemeClr>
     </dgm:fillClrLst>
     <dgm:linClrLst meth="repeat">
-      <a:schemeClr val="lt2"/>
+      <a:schemeClr val="lt1"/>
     </dgm:linClrLst>
     <dgm:effectClrLst/>
     <dgm:txLinClrLst/>
@@ -3300,7 +3296,7 @@
   </dgm:styleLbl>
   <dgm:styleLbl name="revTx">
     <dgm:fillClrLst meth="repeat">
-      <a:schemeClr val="lt2">
+      <a:schemeClr val="lt1">
         <a:alpha val="0"/>
       </a:schemeClr>
     </dgm:fillClrLst>
@@ -3320,6 +3316,753 @@
 </file>
 
 <file path=ppt/diagrams/colors5.xml><?xml version="1.0" encoding="utf-8"?>
+<dgm:colorsDef xmlns:dgm="http://schemas.openxmlformats.org/drawingml/2006/diagram" xmlns:a="http://schemas.openxmlformats.org/drawingml/2006/main" uniqueId="urn:microsoft.com/office/officeart/2005/8/colors/accent1_2">
+  <dgm:title val=""/>
+  <dgm:desc val=""/>
+  <dgm:catLst>
+    <dgm:cat type="accent1" pri="11200"/>
+  </dgm:catLst>
+  <dgm:styleLbl name="node0">
+    <dgm:fillClrLst meth="repeat">
+      <a:schemeClr val="accent1"/>
+    </dgm:fillClrLst>
+    <dgm:linClrLst meth="repeat">
+      <a:schemeClr val="lt1"/>
+    </dgm:linClrLst>
+    <dgm:effectClrLst/>
+    <dgm:txLinClrLst/>
+    <dgm:txFillClrLst/>
+    <dgm:txEffectClrLst/>
+  </dgm:styleLbl>
+  <dgm:styleLbl name="alignNode1">
+    <dgm:fillClrLst meth="repeat">
+      <a:schemeClr val="accent1"/>
+    </dgm:fillClrLst>
+    <dgm:linClrLst meth="repeat">
+      <a:schemeClr val="accent1"/>
+    </dgm:linClrLst>
+    <dgm:effectClrLst/>
+    <dgm:txLinClrLst/>
+    <dgm:txFillClrLst/>
+    <dgm:txEffectClrLst/>
+  </dgm:styleLbl>
+  <dgm:styleLbl name="node1">
+    <dgm:fillClrLst meth="repeat">
+      <a:schemeClr val="accent1"/>
+    </dgm:fillClrLst>
+    <dgm:linClrLst meth="repeat">
+      <a:schemeClr val="lt1"/>
+    </dgm:linClrLst>
+    <dgm:effectClrLst/>
+    <dgm:txLinClrLst/>
+    <dgm:txFillClrLst/>
+    <dgm:txEffectClrLst/>
+  </dgm:styleLbl>
+  <dgm:styleLbl name="lnNode1">
+    <dgm:fillClrLst meth="repeat">
+      <a:schemeClr val="accent1"/>
+    </dgm:fillClrLst>
+    <dgm:linClrLst meth="repeat">
+      <a:schemeClr val="lt1"/>
+    </dgm:linClrLst>
+    <dgm:effectClrLst/>
+    <dgm:txLinClrLst/>
+    <dgm:txFillClrLst/>
+    <dgm:txEffectClrLst/>
+  </dgm:styleLbl>
+  <dgm:styleLbl name="vennNode1">
+    <dgm:fillClrLst meth="repeat">
+      <a:schemeClr val="accent1">
+        <a:alpha val="50000"/>
+      </a:schemeClr>
+    </dgm:fillClrLst>
+    <dgm:linClrLst meth="repeat">
+      <a:schemeClr val="lt1"/>
+    </dgm:linClrLst>
+    <dgm:effectClrLst/>
+    <dgm:txLinClrLst/>
+    <dgm:txFillClrLst/>
+    <dgm:txEffectClrLst/>
+  </dgm:styleLbl>
+  <dgm:styleLbl name="node2">
+    <dgm:fillClrLst meth="repeat">
+      <a:schemeClr val="accent1"/>
+    </dgm:fillClrLst>
+    <dgm:linClrLst meth="repeat">
+      <a:schemeClr val="lt1"/>
+    </dgm:linClrLst>
+    <dgm:effectClrLst/>
+    <dgm:txLinClrLst/>
+    <dgm:txFillClrLst/>
+    <dgm:txEffectClrLst/>
+  </dgm:styleLbl>
+  <dgm:styleLbl name="node3">
+    <dgm:fillClrLst meth="repeat">
+      <a:schemeClr val="accent1"/>
+    </dgm:fillClrLst>
+    <dgm:linClrLst meth="repeat">
+      <a:schemeClr val="lt1"/>
+    </dgm:linClrLst>
+    <dgm:effectClrLst/>
+    <dgm:txLinClrLst/>
+    <dgm:txFillClrLst/>
+    <dgm:txEffectClrLst/>
+  </dgm:styleLbl>
+  <dgm:styleLbl name="node4">
+    <dgm:fillClrLst meth="repeat">
+      <a:schemeClr val="accent1"/>
+    </dgm:fillClrLst>
+    <dgm:linClrLst meth="repeat">
+      <a:schemeClr val="lt1"/>
+    </dgm:linClrLst>
+    <dgm:effectClrLst/>
+    <dgm:txLinClrLst/>
+    <dgm:txFillClrLst/>
+    <dgm:txEffectClrLst/>
+  </dgm:styleLbl>
+  <dgm:styleLbl name="fgImgPlace1">
+    <dgm:fillClrLst meth="repeat">
+      <a:schemeClr val="accent1">
+        <a:tint val="50000"/>
+      </a:schemeClr>
+    </dgm:fillClrLst>
+    <dgm:linClrLst meth="repeat">
+      <a:schemeClr val="lt1"/>
+    </dgm:linClrLst>
+    <dgm:effectClrLst/>
+    <dgm:txLinClrLst/>
+    <dgm:txFillClrLst meth="repeat">
+      <a:schemeClr val="lt1"/>
+    </dgm:txFillClrLst>
+    <dgm:txEffectClrLst/>
+  </dgm:styleLbl>
+  <dgm:styleLbl name="alignImgPlace1">
+    <dgm:fillClrLst meth="repeat">
+      <a:schemeClr val="accent1">
+        <a:tint val="50000"/>
+      </a:schemeClr>
+    </dgm:fillClrLst>
+    <dgm:linClrLst meth="repeat">
+      <a:schemeClr val="lt1"/>
+    </dgm:linClrLst>
+    <dgm:effectClrLst/>
+    <dgm:txLinClrLst/>
+    <dgm:txFillClrLst meth="repeat">
+      <a:schemeClr val="lt1"/>
+    </dgm:txFillClrLst>
+    <dgm:txEffectClrLst/>
+  </dgm:styleLbl>
+  <dgm:styleLbl name="bgImgPlace1">
+    <dgm:fillClrLst meth="repeat">
+      <a:schemeClr val="accent1">
+        <a:tint val="50000"/>
+      </a:schemeClr>
+    </dgm:fillClrLst>
+    <dgm:linClrLst meth="repeat">
+      <a:schemeClr val="lt1"/>
+    </dgm:linClrLst>
+    <dgm:effectClrLst/>
+    <dgm:txLinClrLst/>
+    <dgm:txFillClrLst meth="repeat">
+      <a:schemeClr val="lt1"/>
+    </dgm:txFillClrLst>
+    <dgm:txEffectClrLst/>
+  </dgm:styleLbl>
+  <dgm:styleLbl name="sibTrans2D1">
+    <dgm:fillClrLst meth="repeat">
+      <a:schemeClr val="accent1">
+        <a:tint val="60000"/>
+      </a:schemeClr>
+    </dgm:fillClrLst>
+    <dgm:linClrLst meth="repeat">
+      <a:schemeClr val="accent1">
+        <a:tint val="60000"/>
+      </a:schemeClr>
+    </dgm:linClrLst>
+    <dgm:effectClrLst/>
+    <dgm:txLinClrLst/>
+    <dgm:txFillClrLst/>
+    <dgm:txEffectClrLst/>
+  </dgm:styleLbl>
+  <dgm:styleLbl name="fgSibTrans2D1">
+    <dgm:fillClrLst meth="repeat">
+      <a:schemeClr val="accent1">
+        <a:tint val="60000"/>
+      </a:schemeClr>
+    </dgm:fillClrLst>
+    <dgm:linClrLst meth="repeat">
+      <a:schemeClr val="accent1">
+        <a:tint val="60000"/>
+      </a:schemeClr>
+    </dgm:linClrLst>
+    <dgm:effectClrLst/>
+    <dgm:txLinClrLst/>
+    <dgm:txFillClrLst/>
+    <dgm:txEffectClrLst/>
+  </dgm:styleLbl>
+  <dgm:styleLbl name="bgSibTrans2D1">
+    <dgm:fillClrLst meth="repeat">
+      <a:schemeClr val="accent1">
+        <a:tint val="60000"/>
+      </a:schemeClr>
+    </dgm:fillClrLst>
+    <dgm:linClrLst meth="repeat">
+      <a:schemeClr val="accent1">
+        <a:tint val="60000"/>
+      </a:schemeClr>
+    </dgm:linClrLst>
+    <dgm:effectClrLst/>
+    <dgm:txLinClrLst/>
+    <dgm:txFillClrLst/>
+    <dgm:txEffectClrLst/>
+  </dgm:styleLbl>
+  <dgm:styleLbl name="sibTrans1D1">
+    <dgm:fillClrLst meth="repeat">
+      <a:schemeClr val="accent1"/>
+    </dgm:fillClrLst>
+    <dgm:linClrLst meth="repeat">
+      <a:schemeClr val="accent1"/>
+    </dgm:linClrLst>
+    <dgm:effectClrLst/>
+    <dgm:txLinClrLst/>
+    <dgm:txFillClrLst meth="repeat">
+      <a:schemeClr val="tx1"/>
+    </dgm:txFillClrLst>
+    <dgm:txEffectClrLst/>
+  </dgm:styleLbl>
+  <dgm:styleLbl name="callout">
+    <dgm:fillClrLst meth="repeat">
+      <a:schemeClr val="accent1"/>
+    </dgm:fillClrLst>
+    <dgm:linClrLst meth="repeat">
+      <a:schemeClr val="accent1">
+        <a:tint val="50000"/>
+      </a:schemeClr>
+    </dgm:linClrLst>
+    <dgm:effectClrLst/>
+    <dgm:txLinClrLst/>
+    <dgm:txFillClrLst meth="repeat">
+      <a:schemeClr val="tx1"/>
+    </dgm:txFillClrLst>
+    <dgm:txEffectClrLst/>
+  </dgm:styleLbl>
+  <dgm:styleLbl name="asst0">
+    <dgm:fillClrLst meth="repeat">
+      <a:schemeClr val="accent1"/>
+    </dgm:fillClrLst>
+    <dgm:linClrLst meth="repeat">
+      <a:schemeClr val="lt1"/>
+    </dgm:linClrLst>
+    <dgm:effectClrLst/>
+    <dgm:txLinClrLst/>
+    <dgm:txFillClrLst/>
+    <dgm:txEffectClrLst/>
+  </dgm:styleLbl>
+  <dgm:styleLbl name="asst1">
+    <dgm:fillClrLst meth="repeat">
+      <a:schemeClr val="accent1"/>
+    </dgm:fillClrLst>
+    <dgm:linClrLst meth="repeat">
+      <a:schemeClr val="lt1"/>
+    </dgm:linClrLst>
+    <dgm:effectClrLst/>
+    <dgm:txLinClrLst/>
+    <dgm:txFillClrLst/>
+    <dgm:txEffectClrLst/>
+  </dgm:styleLbl>
+  <dgm:styleLbl name="asst2">
+    <dgm:fillClrLst meth="repeat">
+      <a:schemeClr val="accent1"/>
+    </dgm:fillClrLst>
+    <dgm:linClrLst meth="repeat">
+      <a:schemeClr val="lt1"/>
+    </dgm:linClrLst>
+    <dgm:effectClrLst/>
+    <dgm:txLinClrLst/>
+    <dgm:txFillClrLst/>
+    <dgm:txEffectClrLst/>
+  </dgm:styleLbl>
+  <dgm:styleLbl name="asst3">
+    <dgm:fillClrLst meth="repeat">
+      <a:schemeClr val="accent1"/>
+    </dgm:fillClrLst>
+    <dgm:linClrLst meth="repeat">
+      <a:schemeClr val="lt1"/>
+    </dgm:linClrLst>
+    <dgm:effectClrLst/>
+    <dgm:txLinClrLst/>
+    <dgm:txFillClrLst/>
+    <dgm:txEffectClrLst/>
+  </dgm:styleLbl>
+  <dgm:styleLbl name="asst4">
+    <dgm:fillClrLst meth="repeat">
+      <a:schemeClr val="accent1"/>
+    </dgm:fillClrLst>
+    <dgm:linClrLst meth="repeat">
+      <a:schemeClr val="lt1"/>
+    </dgm:linClrLst>
+    <dgm:effectClrLst/>
+    <dgm:txLinClrLst/>
+    <dgm:txFillClrLst/>
+    <dgm:txEffectClrLst/>
+  </dgm:styleLbl>
+  <dgm:styleLbl name="parChTrans2D1">
+    <dgm:fillClrLst meth="repeat">
+      <a:schemeClr val="accent1">
+        <a:tint val="60000"/>
+      </a:schemeClr>
+    </dgm:fillClrLst>
+    <dgm:linClrLst meth="repeat">
+      <a:schemeClr val="accent1">
+        <a:tint val="60000"/>
+      </a:schemeClr>
+    </dgm:linClrLst>
+    <dgm:effectClrLst/>
+    <dgm:txLinClrLst/>
+    <dgm:txFillClrLst meth="repeat">
+      <a:schemeClr val="lt1"/>
+    </dgm:txFillClrLst>
+    <dgm:txEffectClrLst/>
+  </dgm:styleLbl>
+  <dgm:styleLbl name="parChTrans2D2">
+    <dgm:fillClrLst meth="repeat">
+      <a:schemeClr val="accent1"/>
+    </dgm:fillClrLst>
+    <dgm:linClrLst meth="repeat">
+      <a:schemeClr val="accent1"/>
+    </dgm:linClrLst>
+    <dgm:effectClrLst/>
+    <dgm:txLinClrLst/>
+    <dgm:txFillClrLst meth="repeat">
+      <a:schemeClr val="lt1"/>
+    </dgm:txFillClrLst>
+    <dgm:txEffectClrLst/>
+  </dgm:styleLbl>
+  <dgm:styleLbl name="parChTrans2D3">
+    <dgm:fillClrLst meth="repeat">
+      <a:schemeClr val="accent1"/>
+    </dgm:fillClrLst>
+    <dgm:linClrLst meth="repeat">
+      <a:schemeClr val="accent1"/>
+    </dgm:linClrLst>
+    <dgm:effectClrLst/>
+    <dgm:txLinClrLst/>
+    <dgm:txFillClrLst meth="repeat">
+      <a:schemeClr val="lt1"/>
+    </dgm:txFillClrLst>
+    <dgm:txEffectClrLst/>
+  </dgm:styleLbl>
+  <dgm:styleLbl name="parChTrans2D4">
+    <dgm:fillClrLst meth="repeat">
+      <a:schemeClr val="accent1"/>
+    </dgm:fillClrLst>
+    <dgm:linClrLst meth="repeat">
+      <a:schemeClr val="accent1"/>
+    </dgm:linClrLst>
+    <dgm:effectClrLst/>
+    <dgm:txLinClrLst/>
+    <dgm:txFillClrLst meth="repeat">
+      <a:schemeClr val="lt1"/>
+    </dgm:txFillClrLst>
+    <dgm:txEffectClrLst/>
+  </dgm:styleLbl>
+  <dgm:styleLbl name="parChTrans1D1">
+    <dgm:fillClrLst meth="repeat">
+      <a:schemeClr val="accent1"/>
+    </dgm:fillClrLst>
+    <dgm:linClrLst meth="repeat">
+      <a:schemeClr val="accent1">
+        <a:shade val="60000"/>
+      </a:schemeClr>
+    </dgm:linClrLst>
+    <dgm:effectClrLst/>
+    <dgm:txLinClrLst/>
+    <dgm:txFillClrLst meth="repeat">
+      <a:schemeClr val="tx1"/>
+    </dgm:txFillClrLst>
+    <dgm:txEffectClrLst/>
+  </dgm:styleLbl>
+  <dgm:styleLbl name="parChTrans1D2">
+    <dgm:fillClrLst meth="repeat">
+      <a:schemeClr val="accent1"/>
+    </dgm:fillClrLst>
+    <dgm:linClrLst meth="repeat">
+      <a:schemeClr val="accent1">
+        <a:shade val="60000"/>
+      </a:schemeClr>
+    </dgm:linClrLst>
+    <dgm:effectClrLst/>
+    <dgm:txLinClrLst/>
+    <dgm:txFillClrLst meth="repeat">
+      <a:schemeClr val="tx1"/>
+    </dgm:txFillClrLst>
+    <dgm:txEffectClrLst/>
+  </dgm:styleLbl>
+  <dgm:styleLbl name="parChTrans1D3">
+    <dgm:fillClrLst meth="repeat">
+      <a:schemeClr val="accent1"/>
+    </dgm:fillClrLst>
+    <dgm:linClrLst meth="repeat">
+      <a:schemeClr val="accent1">
+        <a:shade val="80000"/>
+      </a:schemeClr>
+    </dgm:linClrLst>
+    <dgm:effectClrLst/>
+    <dgm:txLinClrLst/>
+    <dgm:txFillClrLst meth="repeat">
+      <a:schemeClr val="tx1"/>
+    </dgm:txFillClrLst>
+    <dgm:txEffectClrLst/>
+  </dgm:styleLbl>
+  <dgm:styleLbl name="parChTrans1D4">
+    <dgm:fillClrLst meth="repeat">
+      <a:schemeClr val="accent1"/>
+    </dgm:fillClrLst>
+    <dgm:linClrLst meth="repeat">
+      <a:schemeClr val="accent1">
+        <a:shade val="80000"/>
+      </a:schemeClr>
+    </dgm:linClrLst>
+    <dgm:effectClrLst/>
+    <dgm:txLinClrLst/>
+    <dgm:txFillClrLst meth="repeat">
+      <a:schemeClr val="tx1"/>
+    </dgm:txFillClrLst>
+    <dgm:txEffectClrLst/>
+  </dgm:styleLbl>
+  <dgm:styleLbl name="fgAcc1">
+    <dgm:fillClrLst meth="repeat">
+      <a:schemeClr val="lt1">
+        <a:alpha val="90000"/>
+      </a:schemeClr>
+    </dgm:fillClrLst>
+    <dgm:linClrLst meth="repeat">
+      <a:schemeClr val="accent1"/>
+    </dgm:linClrLst>
+    <dgm:effectClrLst/>
+    <dgm:txLinClrLst/>
+    <dgm:txFillClrLst meth="repeat">
+      <a:schemeClr val="dk1"/>
+    </dgm:txFillClrLst>
+    <dgm:txEffectClrLst/>
+  </dgm:styleLbl>
+  <dgm:styleLbl name="conFgAcc1">
+    <dgm:fillClrLst meth="repeat">
+      <a:schemeClr val="lt1">
+        <a:alpha val="90000"/>
+      </a:schemeClr>
+    </dgm:fillClrLst>
+    <dgm:linClrLst meth="repeat">
+      <a:schemeClr val="accent1"/>
+    </dgm:linClrLst>
+    <dgm:effectClrLst/>
+    <dgm:txLinClrLst/>
+    <dgm:txFillClrLst meth="repeat">
+      <a:schemeClr val="dk1"/>
+    </dgm:txFillClrLst>
+    <dgm:txEffectClrLst/>
+  </dgm:styleLbl>
+  <dgm:styleLbl name="alignAcc1">
+    <dgm:fillClrLst meth="repeat">
+      <a:schemeClr val="lt1">
+        <a:alpha val="90000"/>
+      </a:schemeClr>
+    </dgm:fillClrLst>
+    <dgm:linClrLst meth="repeat">
+      <a:schemeClr val="accent1"/>
+    </dgm:linClrLst>
+    <dgm:effectClrLst/>
+    <dgm:txLinClrLst/>
+    <dgm:txFillClrLst meth="repeat">
+      <a:schemeClr val="dk1"/>
+    </dgm:txFillClrLst>
+    <dgm:txEffectClrLst/>
+  </dgm:styleLbl>
+  <dgm:styleLbl name="trAlignAcc1">
+    <dgm:fillClrLst meth="repeat">
+      <a:schemeClr val="lt1">
+        <a:alpha val="40000"/>
+      </a:schemeClr>
+    </dgm:fillClrLst>
+    <dgm:linClrLst meth="repeat">
+      <a:schemeClr val="accent1"/>
+    </dgm:linClrLst>
+    <dgm:effectClrLst/>
+    <dgm:txLinClrLst/>
+    <dgm:txFillClrLst meth="repeat">
+      <a:schemeClr val="dk1"/>
+    </dgm:txFillClrLst>
+    <dgm:txEffectClrLst/>
+  </dgm:styleLbl>
+  <dgm:styleLbl name="bgAcc1">
+    <dgm:fillClrLst meth="repeat">
+      <a:schemeClr val="lt1">
+        <a:alpha val="90000"/>
+      </a:schemeClr>
+    </dgm:fillClrLst>
+    <dgm:linClrLst meth="repeat">
+      <a:schemeClr val="accent1"/>
+    </dgm:linClrLst>
+    <dgm:effectClrLst/>
+    <dgm:txLinClrLst/>
+    <dgm:txFillClrLst meth="repeat">
+      <a:schemeClr val="dk1"/>
+    </dgm:txFillClrLst>
+    <dgm:txEffectClrLst/>
+  </dgm:styleLbl>
+  <dgm:styleLbl name="solidFgAcc1">
+    <dgm:fillClrLst meth="repeat">
+      <a:schemeClr val="lt1"/>
+    </dgm:fillClrLst>
+    <dgm:linClrLst meth="repeat">
+      <a:schemeClr val="accent1"/>
+    </dgm:linClrLst>
+    <dgm:effectClrLst/>
+    <dgm:txLinClrLst/>
+    <dgm:txFillClrLst meth="repeat">
+      <a:schemeClr val="dk1"/>
+    </dgm:txFillClrLst>
+    <dgm:txEffectClrLst/>
+  </dgm:styleLbl>
+  <dgm:styleLbl name="solidAlignAcc1">
+    <dgm:fillClrLst meth="repeat">
+      <a:schemeClr val="lt1"/>
+    </dgm:fillClrLst>
+    <dgm:linClrLst meth="repeat">
+      <a:schemeClr val="accent1"/>
+    </dgm:linClrLst>
+    <dgm:effectClrLst/>
+    <dgm:txLinClrLst/>
+    <dgm:txFillClrLst meth="repeat">
+      <a:schemeClr val="dk1"/>
+    </dgm:txFillClrLst>
+    <dgm:txEffectClrLst/>
+  </dgm:styleLbl>
+  <dgm:styleLbl name="solidBgAcc1">
+    <dgm:fillClrLst meth="repeat">
+      <a:schemeClr val="lt1"/>
+    </dgm:fillClrLst>
+    <dgm:linClrLst meth="repeat">
+      <a:schemeClr val="accent1"/>
+    </dgm:linClrLst>
+    <dgm:effectClrLst/>
+    <dgm:txLinClrLst/>
+    <dgm:txFillClrLst meth="repeat">
+      <a:schemeClr val="dk1"/>
+    </dgm:txFillClrLst>
+    <dgm:txEffectClrLst/>
+  </dgm:styleLbl>
+  <dgm:styleLbl name="fgAccFollowNode1">
+    <dgm:fillClrLst meth="repeat">
+      <a:schemeClr val="accent1">
+        <a:alpha val="90000"/>
+        <a:tint val="40000"/>
+      </a:schemeClr>
+    </dgm:fillClrLst>
+    <dgm:linClrLst meth="repeat">
+      <a:schemeClr val="accent1">
+        <a:alpha val="90000"/>
+        <a:tint val="40000"/>
+      </a:schemeClr>
+    </dgm:linClrLst>
+    <dgm:effectClrLst/>
+    <dgm:txLinClrLst/>
+    <dgm:txFillClrLst meth="repeat">
+      <a:schemeClr val="dk1"/>
+    </dgm:txFillClrLst>
+    <dgm:txEffectClrLst/>
+  </dgm:styleLbl>
+  <dgm:styleLbl name="alignAccFollowNode1">
+    <dgm:fillClrLst meth="repeat">
+      <a:schemeClr val="accent1">
+        <a:alpha val="90000"/>
+        <a:tint val="40000"/>
+      </a:schemeClr>
+    </dgm:fillClrLst>
+    <dgm:linClrLst meth="repeat">
+      <a:schemeClr val="accent1">
+        <a:alpha val="90000"/>
+        <a:tint val="40000"/>
+      </a:schemeClr>
+    </dgm:linClrLst>
+    <dgm:effectClrLst/>
+    <dgm:txLinClrLst/>
+    <dgm:txFillClrLst meth="repeat">
+      <a:schemeClr val="dk1"/>
+    </dgm:txFillClrLst>
+    <dgm:txEffectClrLst/>
+  </dgm:styleLbl>
+  <dgm:styleLbl name="bgAccFollowNode1">
+    <dgm:fillClrLst meth="repeat">
+      <a:schemeClr val="accent1">
+        <a:alpha val="90000"/>
+        <a:tint val="40000"/>
+      </a:schemeClr>
+    </dgm:fillClrLst>
+    <dgm:linClrLst meth="repeat">
+      <a:schemeClr val="accent1">
+        <a:alpha val="90000"/>
+        <a:tint val="40000"/>
+      </a:schemeClr>
+    </dgm:linClrLst>
+    <dgm:effectClrLst/>
+    <dgm:txLinClrLst/>
+    <dgm:txFillClrLst meth="repeat">
+      <a:schemeClr val="dk1"/>
+    </dgm:txFillClrLst>
+    <dgm:txEffectClrLst/>
+  </dgm:styleLbl>
+  <dgm:styleLbl name="fgAcc0">
+    <dgm:fillClrLst meth="repeat">
+      <a:schemeClr val="lt1">
+        <a:alpha val="90000"/>
+      </a:schemeClr>
+    </dgm:fillClrLst>
+    <dgm:linClrLst meth="repeat">
+      <a:schemeClr val="accent1"/>
+    </dgm:linClrLst>
+    <dgm:effectClrLst/>
+    <dgm:txLinClrLst/>
+    <dgm:txFillClrLst meth="repeat">
+      <a:schemeClr val="dk1"/>
+    </dgm:txFillClrLst>
+    <dgm:txEffectClrLst/>
+  </dgm:styleLbl>
+  <dgm:styleLbl name="fgAcc2">
+    <dgm:fillClrLst meth="repeat">
+      <a:schemeClr val="lt1">
+        <a:alpha val="90000"/>
+      </a:schemeClr>
+    </dgm:fillClrLst>
+    <dgm:linClrLst meth="repeat">
+      <a:schemeClr val="accent1"/>
+    </dgm:linClrLst>
+    <dgm:effectClrLst/>
+    <dgm:txLinClrLst/>
+    <dgm:txFillClrLst meth="repeat">
+      <a:schemeClr val="dk1"/>
+    </dgm:txFillClrLst>
+    <dgm:txEffectClrLst/>
+  </dgm:styleLbl>
+  <dgm:styleLbl name="fgAcc3">
+    <dgm:fillClrLst meth="repeat">
+      <a:schemeClr val="lt1">
+        <a:alpha val="90000"/>
+      </a:schemeClr>
+    </dgm:fillClrLst>
+    <dgm:linClrLst meth="repeat">
+      <a:schemeClr val="accent1"/>
+    </dgm:linClrLst>
+    <dgm:effectClrLst/>
+    <dgm:txLinClrLst/>
+    <dgm:txFillClrLst meth="repeat">
+      <a:schemeClr val="dk1"/>
+    </dgm:txFillClrLst>
+    <dgm:txEffectClrLst/>
+  </dgm:styleLbl>
+  <dgm:styleLbl name="fgAcc4">
+    <dgm:fillClrLst meth="repeat">
+      <a:schemeClr val="lt1">
+        <a:alpha val="90000"/>
+      </a:schemeClr>
+    </dgm:fillClrLst>
+    <dgm:linClrLst meth="repeat">
+      <a:schemeClr val="accent1"/>
+    </dgm:linClrLst>
+    <dgm:effectClrLst/>
+    <dgm:txLinClrLst/>
+    <dgm:txFillClrLst meth="repeat">
+      <a:schemeClr val="dk1"/>
+    </dgm:txFillClrLst>
+    <dgm:txEffectClrLst/>
+  </dgm:styleLbl>
+  <dgm:styleLbl name="bgShp">
+    <dgm:fillClrLst meth="repeat">
+      <a:schemeClr val="accent1">
+        <a:tint val="40000"/>
+      </a:schemeClr>
+    </dgm:fillClrLst>
+    <dgm:linClrLst meth="repeat">
+      <a:schemeClr val="accent1"/>
+    </dgm:linClrLst>
+    <dgm:effectClrLst/>
+    <dgm:txLinClrLst/>
+    <dgm:txFillClrLst meth="repeat">
+      <a:schemeClr val="dk1"/>
+    </dgm:txFillClrLst>
+    <dgm:txEffectClrLst/>
+  </dgm:styleLbl>
+  <dgm:styleLbl name="dkBgShp">
+    <dgm:fillClrLst meth="repeat">
+      <a:schemeClr val="accent1">
+        <a:shade val="80000"/>
+      </a:schemeClr>
+    </dgm:fillClrLst>
+    <dgm:linClrLst meth="repeat">
+      <a:schemeClr val="accent1"/>
+    </dgm:linClrLst>
+    <dgm:effectClrLst/>
+    <dgm:txLinClrLst/>
+    <dgm:txFillClrLst meth="repeat">
+      <a:schemeClr val="lt1"/>
+    </dgm:txFillClrLst>
+    <dgm:txEffectClrLst/>
+  </dgm:styleLbl>
+  <dgm:styleLbl name="trBgShp">
+    <dgm:fillClrLst meth="repeat">
+      <a:schemeClr val="accent1">
+        <a:tint val="50000"/>
+        <a:alpha val="40000"/>
+      </a:schemeClr>
+    </dgm:fillClrLst>
+    <dgm:linClrLst meth="repeat">
+      <a:schemeClr val="accent1"/>
+    </dgm:linClrLst>
+    <dgm:effectClrLst/>
+    <dgm:txLinClrLst/>
+    <dgm:txFillClrLst meth="repeat">
+      <a:schemeClr val="lt1"/>
+    </dgm:txFillClrLst>
+    <dgm:txEffectClrLst/>
+  </dgm:styleLbl>
+  <dgm:styleLbl name="fgShp">
+    <dgm:fillClrLst meth="repeat">
+      <a:schemeClr val="accent1">
+        <a:tint val="60000"/>
+      </a:schemeClr>
+    </dgm:fillClrLst>
+    <dgm:linClrLst meth="repeat">
+      <a:schemeClr val="lt1"/>
+    </dgm:linClrLst>
+    <dgm:effectClrLst/>
+    <dgm:txLinClrLst/>
+    <dgm:txFillClrLst meth="repeat">
+      <a:schemeClr val="dk1"/>
+    </dgm:txFillClrLst>
+    <dgm:txEffectClrLst/>
+  </dgm:styleLbl>
+  <dgm:styleLbl name="revTx">
+    <dgm:fillClrLst meth="repeat">
+      <a:schemeClr val="lt1">
+        <a:alpha val="0"/>
+      </a:schemeClr>
+    </dgm:fillClrLst>
+    <dgm:linClrLst meth="repeat">
+      <a:schemeClr val="dk1">
+        <a:alpha val="0"/>
+      </a:schemeClr>
+    </dgm:linClrLst>
+    <dgm:effectClrLst/>
+    <dgm:txLinClrLst/>
+    <dgm:txFillClrLst meth="repeat">
+      <a:schemeClr val="tx1"/>
+    </dgm:txFillClrLst>
+    <dgm:txEffectClrLst/>
+  </dgm:styleLbl>
+</dgm:colorsDef>
+</file>
+
+<file path=ppt/diagrams/colors6.xml><?xml version="1.0" encoding="utf-8"?>
 <dgm:colorsDef xmlns:dgm="http://schemas.openxmlformats.org/drawingml/2006/diagram" xmlns:a="http://schemas.openxmlformats.org/drawingml/2006/main" uniqueId="urn:microsoft.com/office/officeart/2005/8/colors/colorful5">
   <dgm:title val=""/>
   <dgm:desc val=""/>
@@ -4996,7 +5739,7 @@
 <dgm:dataModel xmlns:dgm="http://schemas.openxmlformats.org/drawingml/2006/diagram" xmlns:a="http://schemas.openxmlformats.org/drawingml/2006/main">
   <dgm:ptLst>
     <dgm:pt modelId="{6FE7CBD0-530C-4B8C-836A-325FBD703967}" type="doc">
-      <dgm:prSet loTypeId="urn:microsoft.com/office/officeart/2005/8/layout/hierarchy1" loCatId="hierarchy" qsTypeId="urn:microsoft.com/office/officeart/2005/8/quickstyle/simple1" qsCatId="simple" csTypeId="urn:microsoft.com/office/officeart/2005/8/colors/accent0_3" csCatId="mainScheme"/>
+      <dgm:prSet loTypeId="urn:microsoft.com/office/officeart/2016/7/layout/BasicLinearProcessNumbered" loCatId="process" qsTypeId="urn:microsoft.com/office/officeart/2005/8/quickstyle/simple1" qsCatId="simple" csTypeId="urn:microsoft.com/office/officeart/2005/8/colors/accent1_2" csCatId="accent1" phldr="1"/>
       <dgm:spPr/>
       <dgm:t>
         <a:bodyPr/>
@@ -5014,8 +5757,44 @@
         <a:lstStyle/>
         <a:p>
           <a:r>
-            <a:rPr lang="en-US"/>
-            <a:t>Apoyo en la transición energética.</a:t>
+            <a:rPr lang="en-US" dirty="0" err="1"/>
+            <a:t>Apoyo</a:t>
+          </a:r>
+          <a:r>
+            <a:rPr lang="en-US" dirty="0"/>
+            <a:t> </a:t>
+          </a:r>
+          <a:r>
+            <a:rPr lang="en-US" dirty="0" err="1"/>
+            <a:t>en</a:t>
+          </a:r>
+          <a:r>
+            <a:rPr lang="en-US" dirty="0"/>
+            <a:t> la </a:t>
+          </a:r>
+          <a:r>
+            <a:rPr lang="en-US" dirty="0" err="1"/>
+            <a:t>transición</a:t>
+          </a:r>
+          <a:r>
+            <a:rPr lang="en-US" dirty="0"/>
+            <a:t> </a:t>
+          </a:r>
+          <a:r>
+            <a:rPr lang="en-US" dirty="0" err="1"/>
+            <a:t>energética</a:t>
+          </a:r>
+          <a:r>
+            <a:rPr lang="en-US" dirty="0"/>
+            <a:t> y </a:t>
+          </a:r>
+          <a:r>
+            <a:rPr lang="en-US" dirty="0" err="1"/>
+            <a:t>sostenibilidad</a:t>
+          </a:r>
+          <a:r>
+            <a:rPr lang="en-US" dirty="0"/>
+            <a:t>.</a:t>
           </a:r>
         </a:p>
       </dgm:t>
@@ -5032,13 +5811,16 @@
       </dgm:t>
     </dgm:pt>
     <dgm:pt modelId="{B83E9261-AA5C-4009-ADBD-86BACF09B415}" type="sibTrans" cxnId="{B9C52B2A-B10D-4BBA-99DA-3779A0CF9681}">
-      <dgm:prSet/>
+      <dgm:prSet phldrT="1"/>
       <dgm:spPr/>
       <dgm:t>
         <a:bodyPr/>
         <a:lstStyle/>
         <a:p>
-          <a:endParaRPr lang="en-US"/>
+          <a:r>
+            <a:rPr lang="en-US"/>
+            <a:t>1</a:t>
+          </a:r>
         </a:p>
       </dgm:t>
     </dgm:pt>
@@ -5068,93 +5850,324 @@
       </dgm:t>
     </dgm:pt>
     <dgm:pt modelId="{CC5CD4C4-9723-490F-9D98-33633C92CAD5}" type="sibTrans" cxnId="{E60FBE74-17D0-45D3-8D34-268ABD1D555E}">
+      <dgm:prSet phldrT="4"/>
+      <dgm:spPr/>
+      <dgm:t>
+        <a:bodyPr/>
+        <a:lstStyle/>
+        <a:p>
+          <a:r>
+            <a:rPr lang="en-US"/>
+            <a:t>4</a:t>
+          </a:r>
+        </a:p>
+      </dgm:t>
+    </dgm:pt>
+    <dgm:pt modelId="{2EF58998-7761-204D-BFE3-0807E4145416}">
       <dgm:prSet/>
       <dgm:spPr/>
       <dgm:t>
         <a:bodyPr/>
         <a:lstStyle/>
         <a:p>
+          <a:r>
+            <a:rPr lang="en-US" dirty="0" err="1"/>
+            <a:t>Atracción</a:t>
+          </a:r>
+          <a:r>
+            <a:rPr lang="en-US" dirty="0"/>
+            <a:t> a </a:t>
+          </a:r>
+          <a:r>
+            <a:rPr lang="en-US" dirty="0" err="1"/>
+            <a:t>residentes</a:t>
+          </a:r>
+          <a:r>
+            <a:rPr lang="en-US" dirty="0"/>
+            <a:t> </a:t>
+          </a:r>
+          <a:r>
+            <a:rPr lang="en-US" dirty="0" err="1"/>
+            <a:t>modernos</a:t>
+          </a:r>
+          <a:r>
+            <a:rPr lang="en-US" dirty="0"/>
+            <a:t>.</a:t>
+          </a:r>
+        </a:p>
+      </dgm:t>
+    </dgm:pt>
+    <dgm:pt modelId="{8288CC48-CD1C-314E-A011-425573769001}" type="parTrans" cxnId="{656BE645-FEA5-5A49-A22C-C93D87229AE0}">
+      <dgm:prSet/>
+      <dgm:spPr/>
+    </dgm:pt>
+    <dgm:pt modelId="{5BB1EDC3-DAE8-5844-88CF-8E7B82669758}" type="sibTrans" cxnId="{656BE645-FEA5-5A49-A22C-C93D87229AE0}">
+      <dgm:prSet phldrT="3"/>
+      <dgm:spPr/>
+      <dgm:t>
+        <a:bodyPr/>
+        <a:lstStyle/>
+        <a:p>
+          <a:r>
+            <a:rPr lang="en-US"/>
+            <a:t>3</a:t>
+          </a:r>
+        </a:p>
+        <a:p>
           <a:endParaRPr lang="en-US"/>
         </a:p>
       </dgm:t>
     </dgm:pt>
-    <dgm:pt modelId="{54E8ED2F-8878-1D43-BD75-69104695205C}" type="pres">
-      <dgm:prSet presAssocID="{6FE7CBD0-530C-4B8C-836A-325FBD703967}" presName="hierChild1" presStyleCnt="0">
+    <dgm:pt modelId="{C73F14D8-28C2-4140-8EAB-6FA4030538D5}">
+      <dgm:prSet/>
+      <dgm:spPr/>
+      <dgm:t>
+        <a:bodyPr/>
+        <a:lstStyle/>
+        <a:p>
+          <a:r>
+            <a:rPr lang="en-US" dirty="0" err="1"/>
+            <a:t>Aumento</a:t>
+          </a:r>
+          <a:r>
+            <a:rPr lang="en-US" dirty="0"/>
+            <a:t> valor </a:t>
+          </a:r>
+          <a:r>
+            <a:rPr lang="en-US" dirty="0" err="1"/>
+            <a:t>inmobiliario</a:t>
+          </a:r>
+          <a:r>
+            <a:rPr lang="en-US" dirty="0"/>
+            <a:t>.</a:t>
+          </a:r>
+        </a:p>
+      </dgm:t>
+    </dgm:pt>
+    <dgm:pt modelId="{94FD871E-EDEB-D844-9758-A5BEC9F49CFE}" type="parTrans" cxnId="{875DC661-0D60-7148-9C30-B34AD7519475}">
+      <dgm:prSet/>
+      <dgm:spPr/>
+    </dgm:pt>
+    <dgm:pt modelId="{5B6AA40C-A37A-A341-861E-3169A27179B1}" type="sibTrans" cxnId="{875DC661-0D60-7148-9C30-B34AD7519475}">
+      <dgm:prSet phldrT="2"/>
+      <dgm:spPr/>
+      <dgm:t>
+        <a:bodyPr/>
+        <a:lstStyle/>
+        <a:p>
+          <a:r>
+            <a:rPr lang="en-US"/>
+            <a:t>2</a:t>
+          </a:r>
+        </a:p>
+        <a:p>
+          <a:endParaRPr lang="en-US"/>
+        </a:p>
+      </dgm:t>
+    </dgm:pt>
+    <dgm:pt modelId="{8E6F8B46-C127-3742-BF85-8D21EEBC41DD}" type="pres">
+      <dgm:prSet presAssocID="{6FE7CBD0-530C-4B8C-836A-325FBD703967}" presName="Name0" presStyleCnt="0">
         <dgm:presLayoutVars>
-          <dgm:chPref val="1"/>
-          <dgm:dir/>
-          <dgm:animOne val="branch"/>
           <dgm:animLvl val="lvl"/>
-          <dgm:resizeHandles/>
+          <dgm:resizeHandles val="exact"/>
         </dgm:presLayoutVars>
       </dgm:prSet>
       <dgm:spPr/>
     </dgm:pt>
-    <dgm:pt modelId="{5A523B9E-138C-514B-846D-5D0AA924A1E7}" type="pres">
-      <dgm:prSet presAssocID="{7E5BE717-9605-42A1-853C-639CC4225940}" presName="hierRoot1" presStyleCnt="0"/>
-      <dgm:spPr/>
-    </dgm:pt>
-    <dgm:pt modelId="{D4D2C898-4B81-0E49-A00E-6798858DA78C}" type="pres">
-      <dgm:prSet presAssocID="{7E5BE717-9605-42A1-853C-639CC4225940}" presName="composite" presStyleCnt="0"/>
-      <dgm:spPr/>
-    </dgm:pt>
-    <dgm:pt modelId="{610110F1-BC04-0C4A-B5E1-F4AF1BC901F0}" type="pres">
-      <dgm:prSet presAssocID="{7E5BE717-9605-42A1-853C-639CC4225940}" presName="background" presStyleLbl="node0" presStyleIdx="0" presStyleCnt="2"/>
-      <dgm:spPr/>
-    </dgm:pt>
-    <dgm:pt modelId="{1B054CE3-EE43-BD4B-9B43-308898FBB50B}" type="pres">
-      <dgm:prSet presAssocID="{7E5BE717-9605-42A1-853C-639CC4225940}" presName="text" presStyleLbl="fgAcc0" presStyleIdx="0" presStyleCnt="2">
+    <dgm:pt modelId="{5433FA39-FC42-3240-BFC5-D2135E015133}" type="pres">
+      <dgm:prSet presAssocID="{7E5BE717-9605-42A1-853C-639CC4225940}" presName="compositeNode" presStyleCnt="0">
         <dgm:presLayoutVars>
-          <dgm:chPref val="3"/>
+          <dgm:bulletEnabled val="1"/>
         </dgm:presLayoutVars>
       </dgm:prSet>
       <dgm:spPr/>
     </dgm:pt>
-    <dgm:pt modelId="{4CDAE588-39F4-D74C-82D3-EC4369D747E9}" type="pres">
-      <dgm:prSet presAssocID="{7E5BE717-9605-42A1-853C-639CC4225940}" presName="hierChild2" presStyleCnt="0"/>
+    <dgm:pt modelId="{5B02EEED-7D9A-CB44-A572-2703FF355176}" type="pres">
+      <dgm:prSet presAssocID="{7E5BE717-9605-42A1-853C-639CC4225940}" presName="bgRect" presStyleLbl="bgAccFollowNode1" presStyleIdx="0" presStyleCnt="4"/>
       <dgm:spPr/>
     </dgm:pt>
-    <dgm:pt modelId="{171D8D6D-25BC-CA47-B12B-C533B9349C02}" type="pres">
-      <dgm:prSet presAssocID="{E5255CA7-A7E1-4091-819D-33FD94213CC2}" presName="hierRoot1" presStyleCnt="0"/>
-      <dgm:spPr/>
-    </dgm:pt>
-    <dgm:pt modelId="{ECBB14CB-E577-F940-B5B1-2D68B8A87AE9}" type="pres">
-      <dgm:prSet presAssocID="{E5255CA7-A7E1-4091-819D-33FD94213CC2}" presName="composite" presStyleCnt="0"/>
-      <dgm:spPr/>
-    </dgm:pt>
-    <dgm:pt modelId="{777E837B-196F-424A-8271-A8F9A921CA5D}" type="pres">
-      <dgm:prSet presAssocID="{E5255CA7-A7E1-4091-819D-33FD94213CC2}" presName="background" presStyleLbl="node0" presStyleIdx="1" presStyleCnt="2"/>
-      <dgm:spPr/>
-    </dgm:pt>
-    <dgm:pt modelId="{1573AEF5-EEC2-DE4D-9753-EDF8B2D5A09E}" type="pres">
-      <dgm:prSet presAssocID="{E5255CA7-A7E1-4091-819D-33FD94213CC2}" presName="text" presStyleLbl="fgAcc0" presStyleIdx="1" presStyleCnt="2">
+    <dgm:pt modelId="{738590FF-DAF3-CB4E-AD93-DECA29932DE5}" type="pres">
+      <dgm:prSet presAssocID="{B83E9261-AA5C-4009-ADBD-86BACF09B415}" presName="sibTransNodeCircle" presStyleLbl="alignNode1" presStyleIdx="0" presStyleCnt="8">
         <dgm:presLayoutVars>
-          <dgm:chPref val="3"/>
+          <dgm:chMax val="0"/>
+          <dgm:bulletEnabled/>
         </dgm:presLayoutVars>
       </dgm:prSet>
       <dgm:spPr/>
     </dgm:pt>
-    <dgm:pt modelId="{60624E4B-8A8E-AE4F-B517-C43BADD3D2A7}" type="pres">
-      <dgm:prSet presAssocID="{E5255CA7-A7E1-4091-819D-33FD94213CC2}" presName="hierChild2" presStyleCnt="0"/>
+    <dgm:pt modelId="{FF40DA37-5786-D744-889C-5F560A441FDD}" type="pres">
+      <dgm:prSet presAssocID="{7E5BE717-9605-42A1-853C-639CC4225940}" presName="bottomLine" presStyleLbl="alignNode1" presStyleIdx="1" presStyleCnt="8">
+        <dgm:presLayoutVars/>
+      </dgm:prSet>
+      <dgm:spPr/>
+    </dgm:pt>
+    <dgm:pt modelId="{80A175DB-D102-C842-8D63-C9ECE468C7D0}" type="pres">
+      <dgm:prSet presAssocID="{7E5BE717-9605-42A1-853C-639CC4225940}" presName="nodeText" presStyleLbl="bgAccFollowNode1" presStyleIdx="0" presStyleCnt="4">
+        <dgm:presLayoutVars>
+          <dgm:bulletEnabled val="1"/>
+        </dgm:presLayoutVars>
+      </dgm:prSet>
+      <dgm:spPr/>
+    </dgm:pt>
+    <dgm:pt modelId="{D012250A-E385-AC48-B602-CE3C23CB1895}" type="pres">
+      <dgm:prSet presAssocID="{B83E9261-AA5C-4009-ADBD-86BACF09B415}" presName="sibTrans" presStyleCnt="0"/>
+      <dgm:spPr/>
+    </dgm:pt>
+    <dgm:pt modelId="{33DBA313-B732-5B44-A8DB-8D72527774F0}" type="pres">
+      <dgm:prSet presAssocID="{C73F14D8-28C2-4140-8EAB-6FA4030538D5}" presName="compositeNode" presStyleCnt="0">
+        <dgm:presLayoutVars>
+          <dgm:bulletEnabled val="1"/>
+        </dgm:presLayoutVars>
+      </dgm:prSet>
+      <dgm:spPr/>
+    </dgm:pt>
+    <dgm:pt modelId="{9DBBA437-9D5F-C844-B647-2A82D79B6C44}" type="pres">
+      <dgm:prSet presAssocID="{C73F14D8-28C2-4140-8EAB-6FA4030538D5}" presName="bgRect" presStyleLbl="bgAccFollowNode1" presStyleIdx="1" presStyleCnt="4"/>
+      <dgm:spPr/>
+    </dgm:pt>
+    <dgm:pt modelId="{FBC33A23-9DF0-234B-BCFC-38FE793418DE}" type="pres">
+      <dgm:prSet presAssocID="{5B6AA40C-A37A-A341-861E-3169A27179B1}" presName="sibTransNodeCircle" presStyleLbl="alignNode1" presStyleIdx="2" presStyleCnt="8">
+        <dgm:presLayoutVars>
+          <dgm:chMax val="0"/>
+          <dgm:bulletEnabled/>
+        </dgm:presLayoutVars>
+      </dgm:prSet>
+      <dgm:spPr/>
+    </dgm:pt>
+    <dgm:pt modelId="{102AA415-DAD1-5848-94A8-218C0A9E3989}" type="pres">
+      <dgm:prSet presAssocID="{C73F14D8-28C2-4140-8EAB-6FA4030538D5}" presName="bottomLine" presStyleLbl="alignNode1" presStyleIdx="3" presStyleCnt="8">
+        <dgm:presLayoutVars/>
+      </dgm:prSet>
+      <dgm:spPr/>
+    </dgm:pt>
+    <dgm:pt modelId="{EE5D10BD-A56F-D34A-8837-2F03751EA436}" type="pres">
+      <dgm:prSet presAssocID="{C73F14D8-28C2-4140-8EAB-6FA4030538D5}" presName="nodeText" presStyleLbl="bgAccFollowNode1" presStyleIdx="1" presStyleCnt="4">
+        <dgm:presLayoutVars>
+          <dgm:bulletEnabled val="1"/>
+        </dgm:presLayoutVars>
+      </dgm:prSet>
+      <dgm:spPr/>
+    </dgm:pt>
+    <dgm:pt modelId="{7D48C1DA-5B2D-094E-A490-9735FE2EED0F}" type="pres">
+      <dgm:prSet presAssocID="{5B6AA40C-A37A-A341-861E-3169A27179B1}" presName="sibTrans" presStyleCnt="0"/>
+      <dgm:spPr/>
+    </dgm:pt>
+    <dgm:pt modelId="{8F6497A1-73BD-E744-B54C-A8B7854B8AA5}" type="pres">
+      <dgm:prSet presAssocID="{2EF58998-7761-204D-BFE3-0807E4145416}" presName="compositeNode" presStyleCnt="0">
+        <dgm:presLayoutVars>
+          <dgm:bulletEnabled val="1"/>
+        </dgm:presLayoutVars>
+      </dgm:prSet>
+      <dgm:spPr/>
+    </dgm:pt>
+    <dgm:pt modelId="{51DE225C-A122-164C-AF1F-73119648D8D6}" type="pres">
+      <dgm:prSet presAssocID="{2EF58998-7761-204D-BFE3-0807E4145416}" presName="bgRect" presStyleLbl="bgAccFollowNode1" presStyleIdx="2" presStyleCnt="4"/>
+      <dgm:spPr/>
+    </dgm:pt>
+    <dgm:pt modelId="{9D211554-1485-6346-9EBA-511BF00B61A8}" type="pres">
+      <dgm:prSet presAssocID="{5BB1EDC3-DAE8-5844-88CF-8E7B82669758}" presName="sibTransNodeCircle" presStyleLbl="alignNode1" presStyleIdx="4" presStyleCnt="8">
+        <dgm:presLayoutVars>
+          <dgm:chMax val="0"/>
+          <dgm:bulletEnabled/>
+        </dgm:presLayoutVars>
+      </dgm:prSet>
+      <dgm:spPr/>
+    </dgm:pt>
+    <dgm:pt modelId="{B0BFFE26-ABEA-764A-A098-DB5E50E76DB7}" type="pres">
+      <dgm:prSet presAssocID="{2EF58998-7761-204D-BFE3-0807E4145416}" presName="bottomLine" presStyleLbl="alignNode1" presStyleIdx="5" presStyleCnt="8">
+        <dgm:presLayoutVars/>
+      </dgm:prSet>
+      <dgm:spPr/>
+    </dgm:pt>
+    <dgm:pt modelId="{C8CED34C-6E0B-D64E-BB9F-F46CE3CFE2F8}" type="pres">
+      <dgm:prSet presAssocID="{2EF58998-7761-204D-BFE3-0807E4145416}" presName="nodeText" presStyleLbl="bgAccFollowNode1" presStyleIdx="2" presStyleCnt="4">
+        <dgm:presLayoutVars>
+          <dgm:bulletEnabled val="1"/>
+        </dgm:presLayoutVars>
+      </dgm:prSet>
+      <dgm:spPr/>
+    </dgm:pt>
+    <dgm:pt modelId="{D8093F9A-F994-164D-BBC4-CCF902E304E7}" type="pres">
+      <dgm:prSet presAssocID="{5BB1EDC3-DAE8-5844-88CF-8E7B82669758}" presName="sibTrans" presStyleCnt="0"/>
+      <dgm:spPr/>
+    </dgm:pt>
+    <dgm:pt modelId="{67B5AB6A-84D2-464B-B988-3EA650FC1AF1}" type="pres">
+      <dgm:prSet presAssocID="{E5255CA7-A7E1-4091-819D-33FD94213CC2}" presName="compositeNode" presStyleCnt="0">
+        <dgm:presLayoutVars>
+          <dgm:bulletEnabled val="1"/>
+        </dgm:presLayoutVars>
+      </dgm:prSet>
+      <dgm:spPr/>
+    </dgm:pt>
+    <dgm:pt modelId="{7F12DA96-D81C-1542-BFB9-D8EF99992F69}" type="pres">
+      <dgm:prSet presAssocID="{E5255CA7-A7E1-4091-819D-33FD94213CC2}" presName="bgRect" presStyleLbl="bgAccFollowNode1" presStyleIdx="3" presStyleCnt="4"/>
+      <dgm:spPr/>
+    </dgm:pt>
+    <dgm:pt modelId="{BBDDCB1F-6E68-BE40-82B4-C243C41810C3}" type="pres">
+      <dgm:prSet presAssocID="{CC5CD4C4-9723-490F-9D98-33633C92CAD5}" presName="sibTransNodeCircle" presStyleLbl="alignNode1" presStyleIdx="6" presStyleCnt="8">
+        <dgm:presLayoutVars>
+          <dgm:chMax val="0"/>
+          <dgm:bulletEnabled/>
+        </dgm:presLayoutVars>
+      </dgm:prSet>
+      <dgm:spPr/>
+    </dgm:pt>
+    <dgm:pt modelId="{9FCA5014-2C84-5C40-8A7A-52CEA4F8B62C}" type="pres">
+      <dgm:prSet presAssocID="{E5255CA7-A7E1-4091-819D-33FD94213CC2}" presName="bottomLine" presStyleLbl="alignNode1" presStyleIdx="7" presStyleCnt="8">
+        <dgm:presLayoutVars/>
+      </dgm:prSet>
+      <dgm:spPr/>
+    </dgm:pt>
+    <dgm:pt modelId="{AD8AC8BA-6742-F141-852B-F2FD51EB38BE}" type="pres">
+      <dgm:prSet presAssocID="{E5255CA7-A7E1-4091-819D-33FD94213CC2}" presName="nodeText" presStyleLbl="bgAccFollowNode1" presStyleIdx="3" presStyleCnt="4">
+        <dgm:presLayoutVars>
+          <dgm:bulletEnabled val="1"/>
+        </dgm:presLayoutVars>
+      </dgm:prSet>
       <dgm:spPr/>
     </dgm:pt>
   </dgm:ptLst>
   <dgm:cxnLst>
+    <dgm:cxn modelId="{37784125-4FFE-E64A-8DEC-FC4AA4AA6178}" type="presOf" srcId="{2EF58998-7761-204D-BFE3-0807E4145416}" destId="{C8CED34C-6E0B-D64E-BB9F-F46CE3CFE2F8}" srcOrd="1" destOrd="0" presId="urn:microsoft.com/office/officeart/2016/7/layout/BasicLinearProcessNumbered"/>
     <dgm:cxn modelId="{B9C52B2A-B10D-4BBA-99DA-3779A0CF9681}" srcId="{6FE7CBD0-530C-4B8C-836A-325FBD703967}" destId="{7E5BE717-9605-42A1-853C-639CC4225940}" srcOrd="0" destOrd="0" parTransId="{5A737450-3BCE-43F6-B30F-C5BDE611E902}" sibTransId="{B83E9261-AA5C-4009-ADBD-86BACF09B415}"/>
-    <dgm:cxn modelId="{E60FBE74-17D0-45D3-8D34-268ABD1D555E}" srcId="{6FE7CBD0-530C-4B8C-836A-325FBD703967}" destId="{E5255CA7-A7E1-4091-819D-33FD94213CC2}" srcOrd="1" destOrd="0" parTransId="{5759B32E-BF5F-4FE3-B365-28F29C731E4E}" sibTransId="{CC5CD4C4-9723-490F-9D98-33633C92CAD5}"/>
-    <dgm:cxn modelId="{1511AF7B-7D8E-7041-94AA-A11585CB7D9B}" type="presOf" srcId="{E5255CA7-A7E1-4091-819D-33FD94213CC2}" destId="{1573AEF5-EEC2-DE4D-9753-EDF8B2D5A09E}" srcOrd="0" destOrd="0" presId="urn:microsoft.com/office/officeart/2005/8/layout/hierarchy1"/>
-    <dgm:cxn modelId="{6DC51BB7-0914-7E49-88FB-930C9E013430}" type="presOf" srcId="{7E5BE717-9605-42A1-853C-639CC4225940}" destId="{1B054CE3-EE43-BD4B-9B43-308898FBB50B}" srcOrd="0" destOrd="0" presId="urn:microsoft.com/office/officeart/2005/8/layout/hierarchy1"/>
-    <dgm:cxn modelId="{75C123CF-CB65-0242-923E-89CE728A09D5}" type="presOf" srcId="{6FE7CBD0-530C-4B8C-836A-325FBD703967}" destId="{54E8ED2F-8878-1D43-BD75-69104695205C}" srcOrd="0" destOrd="0" presId="urn:microsoft.com/office/officeart/2005/8/layout/hierarchy1"/>
-    <dgm:cxn modelId="{B1E07469-C42C-C740-9B07-CF2C3A886754}" type="presParOf" srcId="{54E8ED2F-8878-1D43-BD75-69104695205C}" destId="{5A523B9E-138C-514B-846D-5D0AA924A1E7}" srcOrd="0" destOrd="0" presId="urn:microsoft.com/office/officeart/2005/8/layout/hierarchy1"/>
-    <dgm:cxn modelId="{39AE186B-19EC-E041-B749-3E7F5EBDC86E}" type="presParOf" srcId="{5A523B9E-138C-514B-846D-5D0AA924A1E7}" destId="{D4D2C898-4B81-0E49-A00E-6798858DA78C}" srcOrd="0" destOrd="0" presId="urn:microsoft.com/office/officeart/2005/8/layout/hierarchy1"/>
-    <dgm:cxn modelId="{3A13945F-50EE-DC41-860A-BA4CC241673B}" type="presParOf" srcId="{D4D2C898-4B81-0E49-A00E-6798858DA78C}" destId="{610110F1-BC04-0C4A-B5E1-F4AF1BC901F0}" srcOrd="0" destOrd="0" presId="urn:microsoft.com/office/officeart/2005/8/layout/hierarchy1"/>
-    <dgm:cxn modelId="{B9AD95F3-BA81-0F49-8731-30F150071BB1}" type="presParOf" srcId="{D4D2C898-4B81-0E49-A00E-6798858DA78C}" destId="{1B054CE3-EE43-BD4B-9B43-308898FBB50B}" srcOrd="1" destOrd="0" presId="urn:microsoft.com/office/officeart/2005/8/layout/hierarchy1"/>
-    <dgm:cxn modelId="{FC44F27C-B36A-C447-A217-2D943E3CD05C}" type="presParOf" srcId="{5A523B9E-138C-514B-846D-5D0AA924A1E7}" destId="{4CDAE588-39F4-D74C-82D3-EC4369D747E9}" srcOrd="1" destOrd="0" presId="urn:microsoft.com/office/officeart/2005/8/layout/hierarchy1"/>
-    <dgm:cxn modelId="{313A3BB3-50BB-4540-9483-F79E19DA0F16}" type="presParOf" srcId="{54E8ED2F-8878-1D43-BD75-69104695205C}" destId="{171D8D6D-25BC-CA47-B12B-C533B9349C02}" srcOrd="1" destOrd="0" presId="urn:microsoft.com/office/officeart/2005/8/layout/hierarchy1"/>
-    <dgm:cxn modelId="{F8634E7A-ABC3-D843-A855-1570F0642162}" type="presParOf" srcId="{171D8D6D-25BC-CA47-B12B-C533B9349C02}" destId="{ECBB14CB-E577-F940-B5B1-2D68B8A87AE9}" srcOrd="0" destOrd="0" presId="urn:microsoft.com/office/officeart/2005/8/layout/hierarchy1"/>
-    <dgm:cxn modelId="{C215A7E3-79DC-7547-A416-676E9547367F}" type="presParOf" srcId="{ECBB14CB-E577-F940-B5B1-2D68B8A87AE9}" destId="{777E837B-196F-424A-8271-A8F9A921CA5D}" srcOrd="0" destOrd="0" presId="urn:microsoft.com/office/officeart/2005/8/layout/hierarchy1"/>
-    <dgm:cxn modelId="{855BC49C-81BB-4B4F-8A80-78DB131AF985}" type="presParOf" srcId="{ECBB14CB-E577-F940-B5B1-2D68B8A87AE9}" destId="{1573AEF5-EEC2-DE4D-9753-EDF8B2D5A09E}" srcOrd="1" destOrd="0" presId="urn:microsoft.com/office/officeart/2005/8/layout/hierarchy1"/>
-    <dgm:cxn modelId="{57A60C40-47E0-AE4B-9C85-AD42C157395B}" type="presParOf" srcId="{171D8D6D-25BC-CA47-B12B-C533B9349C02}" destId="{60624E4B-8A8E-AE4F-B517-C43BADD3D2A7}" srcOrd="1" destOrd="0" presId="urn:microsoft.com/office/officeart/2005/8/layout/hierarchy1"/>
+    <dgm:cxn modelId="{14FA4134-432C-BF4B-8D80-8DABA8A94629}" type="presOf" srcId="{CC5CD4C4-9723-490F-9D98-33633C92CAD5}" destId="{BBDDCB1F-6E68-BE40-82B4-C243C41810C3}" srcOrd="0" destOrd="0" presId="urn:microsoft.com/office/officeart/2016/7/layout/BasicLinearProcessNumbered"/>
+    <dgm:cxn modelId="{656BE645-FEA5-5A49-A22C-C93D87229AE0}" srcId="{6FE7CBD0-530C-4B8C-836A-325FBD703967}" destId="{2EF58998-7761-204D-BFE3-0807E4145416}" srcOrd="2" destOrd="0" parTransId="{8288CC48-CD1C-314E-A011-425573769001}" sibTransId="{5BB1EDC3-DAE8-5844-88CF-8E7B82669758}"/>
+    <dgm:cxn modelId="{EA2EF851-2CA7-8C44-9BDC-CBE4631A30DC}" type="presOf" srcId="{7E5BE717-9605-42A1-853C-639CC4225940}" destId="{5B02EEED-7D9A-CB44-A572-2703FF355176}" srcOrd="0" destOrd="0" presId="urn:microsoft.com/office/officeart/2016/7/layout/BasicLinearProcessNumbered"/>
+    <dgm:cxn modelId="{DF9FC556-5F6A-0A43-B65D-36CC3CA48C78}" type="presOf" srcId="{B83E9261-AA5C-4009-ADBD-86BACF09B415}" destId="{738590FF-DAF3-CB4E-AD93-DECA29932DE5}" srcOrd="0" destOrd="0" presId="urn:microsoft.com/office/officeart/2016/7/layout/BasicLinearProcessNumbered"/>
+    <dgm:cxn modelId="{875DC661-0D60-7148-9C30-B34AD7519475}" srcId="{6FE7CBD0-530C-4B8C-836A-325FBD703967}" destId="{C73F14D8-28C2-4140-8EAB-6FA4030538D5}" srcOrd="1" destOrd="0" parTransId="{94FD871E-EDEB-D844-9758-A5BEC9F49CFE}" sibTransId="{5B6AA40C-A37A-A341-861E-3169A27179B1}"/>
+    <dgm:cxn modelId="{C5A9C569-800C-F94A-864C-EB4C796B0A6F}" type="presOf" srcId="{6FE7CBD0-530C-4B8C-836A-325FBD703967}" destId="{8E6F8B46-C127-3742-BF85-8D21EEBC41DD}" srcOrd="0" destOrd="0" presId="urn:microsoft.com/office/officeart/2016/7/layout/BasicLinearProcessNumbered"/>
+    <dgm:cxn modelId="{E60FBE74-17D0-45D3-8D34-268ABD1D555E}" srcId="{6FE7CBD0-530C-4B8C-836A-325FBD703967}" destId="{E5255CA7-A7E1-4091-819D-33FD94213CC2}" srcOrd="3" destOrd="0" parTransId="{5759B32E-BF5F-4FE3-B365-28F29C731E4E}" sibTransId="{CC5CD4C4-9723-490F-9D98-33633C92CAD5}"/>
+    <dgm:cxn modelId="{F0EF7F85-34B9-394C-9B57-AED57C4F7554}" type="presOf" srcId="{C73F14D8-28C2-4140-8EAB-6FA4030538D5}" destId="{9DBBA437-9D5F-C844-B647-2A82D79B6C44}" srcOrd="0" destOrd="0" presId="urn:microsoft.com/office/officeart/2016/7/layout/BasicLinearProcessNumbered"/>
+    <dgm:cxn modelId="{BD43AC94-0CC9-3840-BAB6-69F77053FE24}" type="presOf" srcId="{5BB1EDC3-DAE8-5844-88CF-8E7B82669758}" destId="{9D211554-1485-6346-9EBA-511BF00B61A8}" srcOrd="0" destOrd="0" presId="urn:microsoft.com/office/officeart/2016/7/layout/BasicLinearProcessNumbered"/>
+    <dgm:cxn modelId="{1CAC81AB-253C-2346-B4B4-E3EEC365CAD4}" type="presOf" srcId="{C73F14D8-28C2-4140-8EAB-6FA4030538D5}" destId="{EE5D10BD-A56F-D34A-8837-2F03751EA436}" srcOrd="1" destOrd="0" presId="urn:microsoft.com/office/officeart/2016/7/layout/BasicLinearProcessNumbered"/>
+    <dgm:cxn modelId="{A6F0F2B4-2B5C-EA40-958A-5C02BCBC76FB}" type="presOf" srcId="{2EF58998-7761-204D-BFE3-0807E4145416}" destId="{51DE225C-A122-164C-AF1F-73119648D8D6}" srcOrd="0" destOrd="0" presId="urn:microsoft.com/office/officeart/2016/7/layout/BasicLinearProcessNumbered"/>
+    <dgm:cxn modelId="{75540FC1-060A-9843-8F16-C41AF87AF85C}" type="presOf" srcId="{5B6AA40C-A37A-A341-861E-3169A27179B1}" destId="{FBC33A23-9DF0-234B-BCFC-38FE793418DE}" srcOrd="0" destOrd="0" presId="urn:microsoft.com/office/officeart/2016/7/layout/BasicLinearProcessNumbered"/>
+    <dgm:cxn modelId="{2E7151C5-90BD-6B49-907A-8BE7DB8DF3E6}" type="presOf" srcId="{E5255CA7-A7E1-4091-819D-33FD94213CC2}" destId="{7F12DA96-D81C-1542-BFB9-D8EF99992F69}" srcOrd="0" destOrd="0" presId="urn:microsoft.com/office/officeart/2016/7/layout/BasicLinearProcessNumbered"/>
+    <dgm:cxn modelId="{A19A53E6-347A-B44D-9565-D5E67B6C835A}" type="presOf" srcId="{7E5BE717-9605-42A1-853C-639CC4225940}" destId="{80A175DB-D102-C842-8D63-C9ECE468C7D0}" srcOrd="1" destOrd="0" presId="urn:microsoft.com/office/officeart/2016/7/layout/BasicLinearProcessNumbered"/>
+    <dgm:cxn modelId="{BF48DEFC-EDFA-7044-8960-65948689CAC7}" type="presOf" srcId="{E5255CA7-A7E1-4091-819D-33FD94213CC2}" destId="{AD8AC8BA-6742-F141-852B-F2FD51EB38BE}" srcOrd="1" destOrd="0" presId="urn:microsoft.com/office/officeart/2016/7/layout/BasicLinearProcessNumbered"/>
+    <dgm:cxn modelId="{52BB2F19-E65F-1940-A6AB-933FA2A48739}" type="presParOf" srcId="{8E6F8B46-C127-3742-BF85-8D21EEBC41DD}" destId="{5433FA39-FC42-3240-BFC5-D2135E015133}" srcOrd="0" destOrd="0" presId="urn:microsoft.com/office/officeart/2016/7/layout/BasicLinearProcessNumbered"/>
+    <dgm:cxn modelId="{2166321F-B8D1-114A-A75C-8046B5D45ECF}" type="presParOf" srcId="{5433FA39-FC42-3240-BFC5-D2135E015133}" destId="{5B02EEED-7D9A-CB44-A572-2703FF355176}" srcOrd="0" destOrd="0" presId="urn:microsoft.com/office/officeart/2016/7/layout/BasicLinearProcessNumbered"/>
+    <dgm:cxn modelId="{AD031346-0270-214D-83B9-B986FEEA1C0D}" type="presParOf" srcId="{5433FA39-FC42-3240-BFC5-D2135E015133}" destId="{738590FF-DAF3-CB4E-AD93-DECA29932DE5}" srcOrd="1" destOrd="0" presId="urn:microsoft.com/office/officeart/2016/7/layout/BasicLinearProcessNumbered"/>
+    <dgm:cxn modelId="{72E03F88-E93E-F943-A89F-A735DC76A275}" type="presParOf" srcId="{5433FA39-FC42-3240-BFC5-D2135E015133}" destId="{FF40DA37-5786-D744-889C-5F560A441FDD}" srcOrd="2" destOrd="0" presId="urn:microsoft.com/office/officeart/2016/7/layout/BasicLinearProcessNumbered"/>
+    <dgm:cxn modelId="{ED420A1C-09B4-D741-B398-48CDD8E3F42A}" type="presParOf" srcId="{5433FA39-FC42-3240-BFC5-D2135E015133}" destId="{80A175DB-D102-C842-8D63-C9ECE468C7D0}" srcOrd="3" destOrd="0" presId="urn:microsoft.com/office/officeart/2016/7/layout/BasicLinearProcessNumbered"/>
+    <dgm:cxn modelId="{CF5E394C-8902-1441-B8B4-BDA5914C17BA}" type="presParOf" srcId="{8E6F8B46-C127-3742-BF85-8D21EEBC41DD}" destId="{D012250A-E385-AC48-B602-CE3C23CB1895}" srcOrd="1" destOrd="0" presId="urn:microsoft.com/office/officeart/2016/7/layout/BasicLinearProcessNumbered"/>
+    <dgm:cxn modelId="{20C5D995-E252-2444-AAE4-FB5019939665}" type="presParOf" srcId="{8E6F8B46-C127-3742-BF85-8D21EEBC41DD}" destId="{33DBA313-B732-5B44-A8DB-8D72527774F0}" srcOrd="2" destOrd="0" presId="urn:microsoft.com/office/officeart/2016/7/layout/BasicLinearProcessNumbered"/>
+    <dgm:cxn modelId="{4F888AA8-EE97-0E45-A544-B9840252E16A}" type="presParOf" srcId="{33DBA313-B732-5B44-A8DB-8D72527774F0}" destId="{9DBBA437-9D5F-C844-B647-2A82D79B6C44}" srcOrd="0" destOrd="0" presId="urn:microsoft.com/office/officeart/2016/7/layout/BasicLinearProcessNumbered"/>
+    <dgm:cxn modelId="{0B3B6AC4-A443-1547-8060-B9D6D087C78C}" type="presParOf" srcId="{33DBA313-B732-5B44-A8DB-8D72527774F0}" destId="{FBC33A23-9DF0-234B-BCFC-38FE793418DE}" srcOrd="1" destOrd="0" presId="urn:microsoft.com/office/officeart/2016/7/layout/BasicLinearProcessNumbered"/>
+    <dgm:cxn modelId="{A3C6E851-A0B4-5B4C-AC1B-C699C6E5FBF5}" type="presParOf" srcId="{33DBA313-B732-5B44-A8DB-8D72527774F0}" destId="{102AA415-DAD1-5848-94A8-218C0A9E3989}" srcOrd="2" destOrd="0" presId="urn:microsoft.com/office/officeart/2016/7/layout/BasicLinearProcessNumbered"/>
+    <dgm:cxn modelId="{E1396887-8686-E345-A2C1-36A7C0C1FC3F}" type="presParOf" srcId="{33DBA313-B732-5B44-A8DB-8D72527774F0}" destId="{EE5D10BD-A56F-D34A-8837-2F03751EA436}" srcOrd="3" destOrd="0" presId="urn:microsoft.com/office/officeart/2016/7/layout/BasicLinearProcessNumbered"/>
+    <dgm:cxn modelId="{BAA67773-1C8F-D54C-92D9-0D02F2E51F11}" type="presParOf" srcId="{8E6F8B46-C127-3742-BF85-8D21EEBC41DD}" destId="{7D48C1DA-5B2D-094E-A490-9735FE2EED0F}" srcOrd="3" destOrd="0" presId="urn:microsoft.com/office/officeart/2016/7/layout/BasicLinearProcessNumbered"/>
+    <dgm:cxn modelId="{0AB2CD4D-8EA5-7C4C-9E0E-9412518E3368}" type="presParOf" srcId="{8E6F8B46-C127-3742-BF85-8D21EEBC41DD}" destId="{8F6497A1-73BD-E744-B54C-A8B7854B8AA5}" srcOrd="4" destOrd="0" presId="urn:microsoft.com/office/officeart/2016/7/layout/BasicLinearProcessNumbered"/>
+    <dgm:cxn modelId="{ACA821AC-1EBC-6140-AF56-04CB38184161}" type="presParOf" srcId="{8F6497A1-73BD-E744-B54C-A8B7854B8AA5}" destId="{51DE225C-A122-164C-AF1F-73119648D8D6}" srcOrd="0" destOrd="0" presId="urn:microsoft.com/office/officeart/2016/7/layout/BasicLinearProcessNumbered"/>
+    <dgm:cxn modelId="{29469AA6-BB61-B341-B8DA-C14E28EAEEDA}" type="presParOf" srcId="{8F6497A1-73BD-E744-B54C-A8B7854B8AA5}" destId="{9D211554-1485-6346-9EBA-511BF00B61A8}" srcOrd="1" destOrd="0" presId="urn:microsoft.com/office/officeart/2016/7/layout/BasicLinearProcessNumbered"/>
+    <dgm:cxn modelId="{A646101E-D427-1542-867A-E368A52123D9}" type="presParOf" srcId="{8F6497A1-73BD-E744-B54C-A8B7854B8AA5}" destId="{B0BFFE26-ABEA-764A-A098-DB5E50E76DB7}" srcOrd="2" destOrd="0" presId="urn:microsoft.com/office/officeart/2016/7/layout/BasicLinearProcessNumbered"/>
+    <dgm:cxn modelId="{8060FE0C-1B51-204A-950F-4F208529F489}" type="presParOf" srcId="{8F6497A1-73BD-E744-B54C-A8B7854B8AA5}" destId="{C8CED34C-6E0B-D64E-BB9F-F46CE3CFE2F8}" srcOrd="3" destOrd="0" presId="urn:microsoft.com/office/officeart/2016/7/layout/BasicLinearProcessNumbered"/>
+    <dgm:cxn modelId="{BFA45EEA-FAB7-3B46-9EF4-68B29209AE13}" type="presParOf" srcId="{8E6F8B46-C127-3742-BF85-8D21EEBC41DD}" destId="{D8093F9A-F994-164D-BBC4-CCF902E304E7}" srcOrd="5" destOrd="0" presId="urn:microsoft.com/office/officeart/2016/7/layout/BasicLinearProcessNumbered"/>
+    <dgm:cxn modelId="{F1A4FFFA-2F65-FC47-B092-BF008B9F9429}" type="presParOf" srcId="{8E6F8B46-C127-3742-BF85-8D21EEBC41DD}" destId="{67B5AB6A-84D2-464B-B988-3EA650FC1AF1}" srcOrd="6" destOrd="0" presId="urn:microsoft.com/office/officeart/2016/7/layout/BasicLinearProcessNumbered"/>
+    <dgm:cxn modelId="{7AA6DA50-6D96-0046-B59A-D78737102B63}" type="presParOf" srcId="{67B5AB6A-84D2-464B-B988-3EA650FC1AF1}" destId="{7F12DA96-D81C-1542-BFB9-D8EF99992F69}" srcOrd="0" destOrd="0" presId="urn:microsoft.com/office/officeart/2016/7/layout/BasicLinearProcessNumbered"/>
+    <dgm:cxn modelId="{5E92D1EA-E966-B742-AA2A-16188D90859B}" type="presParOf" srcId="{67B5AB6A-84D2-464B-B988-3EA650FC1AF1}" destId="{BBDDCB1F-6E68-BE40-82B4-C243C41810C3}" srcOrd="1" destOrd="0" presId="urn:microsoft.com/office/officeart/2016/7/layout/BasicLinearProcessNumbered"/>
+    <dgm:cxn modelId="{398F8042-86CF-374D-9C71-E0EBAAB2A4CA}" type="presParOf" srcId="{67B5AB6A-84D2-464B-B988-3EA650FC1AF1}" destId="{9FCA5014-2C84-5C40-8A7A-52CEA4F8B62C}" srcOrd="2" destOrd="0" presId="urn:microsoft.com/office/officeart/2016/7/layout/BasicLinearProcessNumbered"/>
+    <dgm:cxn modelId="{6D9F0002-9616-4C44-8968-82FBAE11B398}" type="presParOf" srcId="{67B5AB6A-84D2-464B-B988-3EA650FC1AF1}" destId="{AD8AC8BA-6742-F141-852B-F2FD51EB38BE}" srcOrd="3" destOrd="0" presId="urn:microsoft.com/office/officeart/2016/7/layout/BasicLinearProcessNumbered"/>
   </dgm:cxnLst>
   <dgm:bg/>
   <dgm:whole/>
@@ -5167,6 +6180,251 @@
 </file>
 
 <file path=ppt/diagrams/data5.xml><?xml version="1.0" encoding="utf-8"?>
+<dgm:dataModel xmlns:dgm="http://schemas.openxmlformats.org/drawingml/2006/diagram" xmlns:a="http://schemas.openxmlformats.org/drawingml/2006/main">
+  <dgm:ptLst>
+    <dgm:pt modelId="{874A92ED-4038-4CD0-AAF9-70167A558C0B}" type="doc">
+      <dgm:prSet loTypeId="urn:microsoft.com/office/officeart/2005/8/layout/hList1" loCatId="list" qsTypeId="urn:microsoft.com/office/officeart/2005/8/quickstyle/simple1" qsCatId="simple" csTypeId="urn:microsoft.com/office/officeart/2005/8/colors/accent1_2" csCatId="accent1"/>
+      <dgm:spPr/>
+      <dgm:t>
+        <a:bodyPr/>
+        <a:lstStyle/>
+        <a:p>
+          <a:endParaRPr lang="en-US"/>
+        </a:p>
+      </dgm:t>
+    </dgm:pt>
+    <dgm:pt modelId="{667ACE5E-6F07-4F17-AFDB-A39663BC0612}">
+      <dgm:prSet/>
+      <dgm:spPr/>
+      <dgm:t>
+        <a:bodyPr/>
+        <a:lstStyle/>
+        <a:p>
+          <a:r>
+            <a:rPr lang="en-US"/>
+            <a:t>Todo el costo de la instalación y adecuación la asume el propietario del inmueble.</a:t>
+          </a:r>
+        </a:p>
+      </dgm:t>
+    </dgm:pt>
+    <dgm:pt modelId="{7D3BD534-BCEF-414D-AC83-F9D0256C3B2C}" type="parTrans" cxnId="{335FF718-2778-4AAD-9B3D-304439E4FE99}">
+      <dgm:prSet/>
+      <dgm:spPr/>
+      <dgm:t>
+        <a:bodyPr/>
+        <a:lstStyle/>
+        <a:p>
+          <a:endParaRPr lang="en-US"/>
+        </a:p>
+      </dgm:t>
+    </dgm:pt>
+    <dgm:pt modelId="{E8301CFE-613A-4A12-B19C-0048A1C1AC79}" type="sibTrans" cxnId="{335FF718-2778-4AAD-9B3D-304439E4FE99}">
+      <dgm:prSet/>
+      <dgm:spPr/>
+      <dgm:t>
+        <a:bodyPr/>
+        <a:lstStyle/>
+        <a:p>
+          <a:endParaRPr lang="en-US"/>
+        </a:p>
+      </dgm:t>
+    </dgm:pt>
+    <dgm:pt modelId="{3146B23D-E475-439E-8048-C7DC7DCB4952}">
+      <dgm:prSet/>
+      <dgm:spPr/>
+      <dgm:t>
+        <a:bodyPr/>
+        <a:lstStyle/>
+        <a:p>
+          <a:r>
+            <a:rPr lang="en-US"/>
+            <a:t>No la copropiedad.</a:t>
+          </a:r>
+        </a:p>
+      </dgm:t>
+    </dgm:pt>
+    <dgm:pt modelId="{803F9E2A-EE5F-48B5-B723-0AD22EE6B7D8}" type="parTrans" cxnId="{9E79A719-E1A4-4B1A-88F3-67544153157D}">
+      <dgm:prSet/>
+      <dgm:spPr/>
+      <dgm:t>
+        <a:bodyPr/>
+        <a:lstStyle/>
+        <a:p>
+          <a:endParaRPr lang="en-US"/>
+        </a:p>
+      </dgm:t>
+    </dgm:pt>
+    <dgm:pt modelId="{FC747258-CE1D-4633-A685-1FC091D5ECFE}" type="sibTrans" cxnId="{9E79A719-E1A4-4B1A-88F3-67544153157D}">
+      <dgm:prSet/>
+      <dgm:spPr/>
+      <dgm:t>
+        <a:bodyPr/>
+        <a:lstStyle/>
+        <a:p>
+          <a:endParaRPr lang="en-US"/>
+        </a:p>
+      </dgm:t>
+    </dgm:pt>
+    <dgm:pt modelId="{60FC8B8F-7127-42A5-8A36-21AF4FC7C47B}">
+      <dgm:prSet/>
+      <dgm:spPr/>
+      <dgm:t>
+        <a:bodyPr/>
+        <a:lstStyle/>
+        <a:p>
+          <a:r>
+            <a:rPr lang="en-US"/>
+            <a:t>Electricidad es un bien común esencial, el cual no puede ser negado en un momento dado.</a:t>
+          </a:r>
+        </a:p>
+      </dgm:t>
+    </dgm:pt>
+    <dgm:pt modelId="{D723996A-8794-4BA4-A4FA-BEC117154B61}" type="parTrans" cxnId="{8183689D-5B4C-4792-81E2-B2922F0EB2F8}">
+      <dgm:prSet/>
+      <dgm:spPr/>
+      <dgm:t>
+        <a:bodyPr/>
+        <a:lstStyle/>
+        <a:p>
+          <a:endParaRPr lang="en-US"/>
+        </a:p>
+      </dgm:t>
+    </dgm:pt>
+    <dgm:pt modelId="{65D9A4AA-8E78-4B3A-A4F6-1035B4454252}" type="sibTrans" cxnId="{8183689D-5B4C-4792-81E2-B2922F0EB2F8}">
+      <dgm:prSet/>
+      <dgm:spPr/>
+      <dgm:t>
+        <a:bodyPr/>
+        <a:lstStyle/>
+        <a:p>
+          <a:endParaRPr lang="en-US"/>
+        </a:p>
+      </dgm:t>
+    </dgm:pt>
+    <dgm:pt modelId="{7400BB03-C26B-4F0C-80AC-4A61BBA24DC1}">
+      <dgm:prSet/>
+      <dgm:spPr/>
+      <dgm:t>
+        <a:bodyPr/>
+        <a:lstStyle/>
+        <a:p>
+          <a:r>
+            <a:rPr lang="en-US"/>
+            <a:t>Ley de servicios públicos - Ley 142 de 1994.</a:t>
+          </a:r>
+        </a:p>
+      </dgm:t>
+    </dgm:pt>
+    <dgm:pt modelId="{D21D7DDD-017B-4214-8DA7-8F03DA47F7F0}" type="parTrans" cxnId="{2A3084D0-021B-4213-885D-0CE144556D0A}">
+      <dgm:prSet/>
+      <dgm:spPr/>
+      <dgm:t>
+        <a:bodyPr/>
+        <a:lstStyle/>
+        <a:p>
+          <a:endParaRPr lang="en-US"/>
+        </a:p>
+      </dgm:t>
+    </dgm:pt>
+    <dgm:pt modelId="{C5FD6239-39B4-4810-82FD-E50C54649CAB}" type="sibTrans" cxnId="{2A3084D0-021B-4213-885D-0CE144556D0A}">
+      <dgm:prSet/>
+      <dgm:spPr/>
+      <dgm:t>
+        <a:bodyPr/>
+        <a:lstStyle/>
+        <a:p>
+          <a:endParaRPr lang="en-US"/>
+        </a:p>
+      </dgm:t>
+    </dgm:pt>
+    <dgm:pt modelId="{385CA54B-A7F7-8742-A6E7-1B26B3AD1712}" type="pres">
+      <dgm:prSet presAssocID="{874A92ED-4038-4CD0-AAF9-70167A558C0B}" presName="Name0" presStyleCnt="0">
+        <dgm:presLayoutVars>
+          <dgm:dir/>
+          <dgm:animLvl val="lvl"/>
+          <dgm:resizeHandles val="exact"/>
+        </dgm:presLayoutVars>
+      </dgm:prSet>
+      <dgm:spPr/>
+    </dgm:pt>
+    <dgm:pt modelId="{F21EE635-039D-814A-8412-04DB64D72303}" type="pres">
+      <dgm:prSet presAssocID="{667ACE5E-6F07-4F17-AFDB-A39663BC0612}" presName="composite" presStyleCnt="0"/>
+      <dgm:spPr/>
+    </dgm:pt>
+    <dgm:pt modelId="{815FFB00-E717-2847-8741-87448DC76FEA}" type="pres">
+      <dgm:prSet presAssocID="{667ACE5E-6F07-4F17-AFDB-A39663BC0612}" presName="parTx" presStyleLbl="alignNode1" presStyleIdx="0" presStyleCnt="2">
+        <dgm:presLayoutVars>
+          <dgm:chMax val="0"/>
+          <dgm:chPref val="0"/>
+          <dgm:bulletEnabled val="1"/>
+        </dgm:presLayoutVars>
+      </dgm:prSet>
+      <dgm:spPr/>
+    </dgm:pt>
+    <dgm:pt modelId="{A87E276B-1424-974B-B9B8-03888DC1CAEC}" type="pres">
+      <dgm:prSet presAssocID="{667ACE5E-6F07-4F17-AFDB-A39663BC0612}" presName="desTx" presStyleLbl="alignAccFollowNode1" presStyleIdx="0" presStyleCnt="2">
+        <dgm:presLayoutVars>
+          <dgm:bulletEnabled val="1"/>
+        </dgm:presLayoutVars>
+      </dgm:prSet>
+      <dgm:spPr/>
+    </dgm:pt>
+    <dgm:pt modelId="{E8E91296-1863-E849-AAD3-6DC67D1A8E68}" type="pres">
+      <dgm:prSet presAssocID="{E8301CFE-613A-4A12-B19C-0048A1C1AC79}" presName="space" presStyleCnt="0"/>
+      <dgm:spPr/>
+    </dgm:pt>
+    <dgm:pt modelId="{9E61DD3A-7B04-3541-813D-0AE20F50D4F4}" type="pres">
+      <dgm:prSet presAssocID="{60FC8B8F-7127-42A5-8A36-21AF4FC7C47B}" presName="composite" presStyleCnt="0"/>
+      <dgm:spPr/>
+    </dgm:pt>
+    <dgm:pt modelId="{0278CAAD-1DDD-4B4A-BAB3-C45AAC88F917}" type="pres">
+      <dgm:prSet presAssocID="{60FC8B8F-7127-42A5-8A36-21AF4FC7C47B}" presName="parTx" presStyleLbl="alignNode1" presStyleIdx="1" presStyleCnt="2">
+        <dgm:presLayoutVars>
+          <dgm:chMax val="0"/>
+          <dgm:chPref val="0"/>
+          <dgm:bulletEnabled val="1"/>
+        </dgm:presLayoutVars>
+      </dgm:prSet>
+      <dgm:spPr/>
+    </dgm:pt>
+    <dgm:pt modelId="{BBC7B82E-A4EB-714A-ACA3-EB70B545B1AB}" type="pres">
+      <dgm:prSet presAssocID="{60FC8B8F-7127-42A5-8A36-21AF4FC7C47B}" presName="desTx" presStyleLbl="alignAccFollowNode1" presStyleIdx="1" presStyleCnt="2">
+        <dgm:presLayoutVars>
+          <dgm:bulletEnabled val="1"/>
+        </dgm:presLayoutVars>
+      </dgm:prSet>
+      <dgm:spPr/>
+    </dgm:pt>
+  </dgm:ptLst>
+  <dgm:cxnLst>
+    <dgm:cxn modelId="{3FE7BD15-35F3-F04B-AFA0-E1A9FAD9113A}" type="presOf" srcId="{874A92ED-4038-4CD0-AAF9-70167A558C0B}" destId="{385CA54B-A7F7-8742-A6E7-1B26B3AD1712}" srcOrd="0" destOrd="0" presId="urn:microsoft.com/office/officeart/2005/8/layout/hList1"/>
+    <dgm:cxn modelId="{335FF718-2778-4AAD-9B3D-304439E4FE99}" srcId="{874A92ED-4038-4CD0-AAF9-70167A558C0B}" destId="{667ACE5E-6F07-4F17-AFDB-A39663BC0612}" srcOrd="0" destOrd="0" parTransId="{7D3BD534-BCEF-414D-AC83-F9D0256C3B2C}" sibTransId="{E8301CFE-613A-4A12-B19C-0048A1C1AC79}"/>
+    <dgm:cxn modelId="{9E79A719-E1A4-4B1A-88F3-67544153157D}" srcId="{667ACE5E-6F07-4F17-AFDB-A39663BC0612}" destId="{3146B23D-E475-439E-8048-C7DC7DCB4952}" srcOrd="0" destOrd="0" parTransId="{803F9E2A-EE5F-48B5-B723-0AD22EE6B7D8}" sibTransId="{FC747258-CE1D-4633-A685-1FC091D5ECFE}"/>
+    <dgm:cxn modelId="{4FDF5677-C169-C94C-B504-DBB6B79A8FCC}" type="presOf" srcId="{3146B23D-E475-439E-8048-C7DC7DCB4952}" destId="{A87E276B-1424-974B-B9B8-03888DC1CAEC}" srcOrd="0" destOrd="0" presId="urn:microsoft.com/office/officeart/2005/8/layout/hList1"/>
+    <dgm:cxn modelId="{46B84499-0ED8-D640-81A0-8A1C7EC55A97}" type="presOf" srcId="{667ACE5E-6F07-4F17-AFDB-A39663BC0612}" destId="{815FFB00-E717-2847-8741-87448DC76FEA}" srcOrd="0" destOrd="0" presId="urn:microsoft.com/office/officeart/2005/8/layout/hList1"/>
+    <dgm:cxn modelId="{8183689D-5B4C-4792-81E2-B2922F0EB2F8}" srcId="{874A92ED-4038-4CD0-AAF9-70167A558C0B}" destId="{60FC8B8F-7127-42A5-8A36-21AF4FC7C47B}" srcOrd="1" destOrd="0" parTransId="{D723996A-8794-4BA4-A4FA-BEC117154B61}" sibTransId="{65D9A4AA-8E78-4B3A-A4F6-1035B4454252}"/>
+    <dgm:cxn modelId="{5DEB43A3-80D4-3D4C-9C7D-2102FF1E5AEB}" type="presOf" srcId="{7400BB03-C26B-4F0C-80AC-4A61BBA24DC1}" destId="{BBC7B82E-A4EB-714A-ACA3-EB70B545B1AB}" srcOrd="0" destOrd="0" presId="urn:microsoft.com/office/officeart/2005/8/layout/hList1"/>
+    <dgm:cxn modelId="{2A3084D0-021B-4213-885D-0CE144556D0A}" srcId="{60FC8B8F-7127-42A5-8A36-21AF4FC7C47B}" destId="{7400BB03-C26B-4F0C-80AC-4A61BBA24DC1}" srcOrd="0" destOrd="0" parTransId="{D21D7DDD-017B-4214-8DA7-8F03DA47F7F0}" sibTransId="{C5FD6239-39B4-4810-82FD-E50C54649CAB}"/>
+    <dgm:cxn modelId="{910737E2-484C-5C44-A59E-5190325609EB}" type="presOf" srcId="{60FC8B8F-7127-42A5-8A36-21AF4FC7C47B}" destId="{0278CAAD-1DDD-4B4A-BAB3-C45AAC88F917}" srcOrd="0" destOrd="0" presId="urn:microsoft.com/office/officeart/2005/8/layout/hList1"/>
+    <dgm:cxn modelId="{69F6C289-63FC-124A-BA7A-9517F0709BFD}" type="presParOf" srcId="{385CA54B-A7F7-8742-A6E7-1B26B3AD1712}" destId="{F21EE635-039D-814A-8412-04DB64D72303}" srcOrd="0" destOrd="0" presId="urn:microsoft.com/office/officeart/2005/8/layout/hList1"/>
+    <dgm:cxn modelId="{7BF54118-D0EA-EE40-9E30-C4E0C0153CA6}" type="presParOf" srcId="{F21EE635-039D-814A-8412-04DB64D72303}" destId="{815FFB00-E717-2847-8741-87448DC76FEA}" srcOrd="0" destOrd="0" presId="urn:microsoft.com/office/officeart/2005/8/layout/hList1"/>
+    <dgm:cxn modelId="{9BEAAD77-AAFC-254A-8062-B131695C4929}" type="presParOf" srcId="{F21EE635-039D-814A-8412-04DB64D72303}" destId="{A87E276B-1424-974B-B9B8-03888DC1CAEC}" srcOrd="1" destOrd="0" presId="urn:microsoft.com/office/officeart/2005/8/layout/hList1"/>
+    <dgm:cxn modelId="{70D2BC3E-B19C-6A47-A3F6-F5B0492607F1}" type="presParOf" srcId="{385CA54B-A7F7-8742-A6E7-1B26B3AD1712}" destId="{E8E91296-1863-E849-AAD3-6DC67D1A8E68}" srcOrd="1" destOrd="0" presId="urn:microsoft.com/office/officeart/2005/8/layout/hList1"/>
+    <dgm:cxn modelId="{87965E47-892C-F24C-9CA9-17AA07F00EA2}" type="presParOf" srcId="{385CA54B-A7F7-8742-A6E7-1B26B3AD1712}" destId="{9E61DD3A-7B04-3541-813D-0AE20F50D4F4}" srcOrd="2" destOrd="0" presId="urn:microsoft.com/office/officeart/2005/8/layout/hList1"/>
+    <dgm:cxn modelId="{8B2CDCA3-5D48-4D41-A158-9E8A923F3B1F}" type="presParOf" srcId="{9E61DD3A-7B04-3541-813D-0AE20F50D4F4}" destId="{0278CAAD-1DDD-4B4A-BAB3-C45AAC88F917}" srcOrd="0" destOrd="0" presId="urn:microsoft.com/office/officeart/2005/8/layout/hList1"/>
+    <dgm:cxn modelId="{02F4FF9D-8AEE-504A-925D-E964A978E899}" type="presParOf" srcId="{9E61DD3A-7B04-3541-813D-0AE20F50D4F4}" destId="{BBC7B82E-A4EB-714A-ACA3-EB70B545B1AB}" srcOrd="1" destOrd="0" presId="urn:microsoft.com/office/officeart/2005/8/layout/hList1"/>
+  </dgm:cxnLst>
+  <dgm:bg/>
+  <dgm:whole/>
+  <dgm:extLst>
+    <a:ext uri="http://schemas.microsoft.com/office/drawing/2008/diagram">
+      <dsp:dataModelExt xmlns:dsp="http://schemas.microsoft.com/office/drawing/2008/diagram" relId="rId7" minVer="http://schemas.openxmlformats.org/drawingml/2006/diagram"/>
+    </a:ext>
+  </dgm:extLst>
+</dgm:dataModel>
+</file>
+
+<file path=ppt/diagrams/data6.xml><?xml version="1.0" encoding="utf-8"?>
 <dgm:dataModel xmlns:dgm="http://schemas.openxmlformats.org/drawingml/2006/diagram" xmlns:a="http://schemas.openxmlformats.org/drawingml/2006/main">
   <dgm:ptLst>
     <dgm:pt modelId="{1485150B-8EB7-4554-9FAA-DD0D95F480E6}" type="doc">
@@ -6778,23 +8036,23 @@
       <dsp:cNvGrpSpPr/>
     </dsp:nvGrpSpPr>
     <dsp:grpSpPr/>
-    <dsp:sp modelId="{610110F1-BC04-0C4A-B5E1-F4AF1BC901F0}">
+    <dsp:sp modelId="{5B02EEED-7D9A-CB44-A572-2703FF355176}">
       <dsp:nvSpPr>
         <dsp:cNvPr id="0" name=""/>
         <dsp:cNvSpPr/>
       </dsp:nvSpPr>
       <dsp:spPr>
         <a:xfrm>
-          <a:off x="134291" y="612"/>
-          <a:ext cx="4332795" cy="2751325"/>
+          <a:off x="3201" y="318495"/>
+          <a:ext cx="2539866" cy="3555813"/>
         </a:xfrm>
-        <a:prstGeom prst="roundRect">
-          <a:avLst>
-            <a:gd name="adj" fmla="val 10000"/>
-          </a:avLst>
+        <a:prstGeom prst="rect">
+          <a:avLst/>
         </a:prstGeom>
         <a:solidFill>
-          <a:schemeClr val="dk2">
+          <a:schemeClr val="accent1">
+            <a:alpha val="90000"/>
+            <a:tint val="40000"/>
             <a:hueOff val="0"/>
             <a:satOff val="0"/>
             <a:lumOff val="0"/>
@@ -6803,7 +8061,199 @@
         </a:solidFill>
         <a:ln w="19050" cap="flat" cmpd="sng" algn="ctr">
           <a:solidFill>
-            <a:schemeClr val="lt2">
+            <a:schemeClr val="accent1">
+              <a:alpha val="90000"/>
+              <a:tint val="40000"/>
+              <a:hueOff val="0"/>
+              <a:satOff val="0"/>
+              <a:lumOff val="0"/>
+              <a:alphaOff val="0"/>
+            </a:schemeClr>
+          </a:solidFill>
+          <a:prstDash val="solid"/>
+          <a:miter lim="800000"/>
+        </a:ln>
+        <a:effectLst/>
+      </dsp:spPr>
+      <dsp:style>
+        <a:lnRef idx="2">
+          <a:scrgbClr r="0" g="0" b="0"/>
+        </a:lnRef>
+        <a:fillRef idx="1">
+          <a:scrgbClr r="0" g="0" b="0"/>
+        </a:fillRef>
+        <a:effectRef idx="0">
+          <a:scrgbClr r="0" g="0" b="0"/>
+        </a:effectRef>
+        <a:fontRef idx="minor"/>
+      </dsp:style>
+      <dsp:txBody>
+        <a:bodyPr spcFirstLastPara="0" vert="horz" wrap="square" lIns="198018" tIns="330200" rIns="198018" bIns="330200" numCol="1" spcCol="1270" anchor="t" anchorCtr="0">
+          <a:noAutofit/>
+        </a:bodyPr>
+        <a:lstStyle/>
+        <a:p>
+          <a:pPr marL="0" lvl="0" indent="0" algn="l" defTabSz="1155700">
+            <a:lnSpc>
+              <a:spcPct val="90000"/>
+            </a:lnSpc>
+            <a:spcBef>
+              <a:spcPct val="0"/>
+            </a:spcBef>
+            <a:spcAft>
+              <a:spcPct val="35000"/>
+            </a:spcAft>
+            <a:buNone/>
+          </a:pPr>
+          <a:r>
+            <a:rPr lang="en-US" sz="2600" kern="1200" dirty="0" err="1"/>
+            <a:t>Apoyo</a:t>
+          </a:r>
+          <a:r>
+            <a:rPr lang="en-US" sz="2600" kern="1200" dirty="0"/>
+            <a:t> </a:t>
+          </a:r>
+          <a:r>
+            <a:rPr lang="en-US" sz="2600" kern="1200" dirty="0" err="1"/>
+            <a:t>en</a:t>
+          </a:r>
+          <a:r>
+            <a:rPr lang="en-US" sz="2600" kern="1200" dirty="0"/>
+            <a:t> la </a:t>
+          </a:r>
+          <a:r>
+            <a:rPr lang="en-US" sz="2600" kern="1200" dirty="0" err="1"/>
+            <a:t>transición</a:t>
+          </a:r>
+          <a:r>
+            <a:rPr lang="en-US" sz="2600" kern="1200" dirty="0"/>
+            <a:t> </a:t>
+          </a:r>
+          <a:r>
+            <a:rPr lang="en-US" sz="2600" kern="1200" dirty="0" err="1"/>
+            <a:t>energética</a:t>
+          </a:r>
+          <a:r>
+            <a:rPr lang="en-US" sz="2600" kern="1200" dirty="0"/>
+            <a:t> y </a:t>
+          </a:r>
+          <a:r>
+            <a:rPr lang="en-US" sz="2600" kern="1200" dirty="0" err="1"/>
+            <a:t>sostenibilidad</a:t>
+          </a:r>
+          <a:r>
+            <a:rPr lang="en-US" sz="2600" kern="1200" dirty="0"/>
+            <a:t>.</a:t>
+          </a:r>
+        </a:p>
+      </dsp:txBody>
+      <dsp:txXfrm>
+        <a:off x="3201" y="1669704"/>
+        <a:ext cx="2539866" cy="2133487"/>
+      </dsp:txXfrm>
+    </dsp:sp>
+    <dsp:sp modelId="{738590FF-DAF3-CB4E-AD93-DECA29932DE5}">
+      <dsp:nvSpPr>
+        <dsp:cNvPr id="0" name=""/>
+        <dsp:cNvSpPr/>
+      </dsp:nvSpPr>
+      <dsp:spPr>
+        <a:xfrm>
+          <a:off x="739762" y="674077"/>
+          <a:ext cx="1066743" cy="1066743"/>
+        </a:xfrm>
+        <a:prstGeom prst="ellipse">
+          <a:avLst/>
+        </a:prstGeom>
+        <a:solidFill>
+          <a:schemeClr val="accent1">
+            <a:hueOff val="0"/>
+            <a:satOff val="0"/>
+            <a:lumOff val="0"/>
+            <a:alphaOff val="0"/>
+          </a:schemeClr>
+        </a:solidFill>
+        <a:ln w="19050" cap="flat" cmpd="sng" algn="ctr">
+          <a:solidFill>
+            <a:schemeClr val="accent1">
+              <a:hueOff val="0"/>
+              <a:satOff val="0"/>
+              <a:lumOff val="0"/>
+              <a:alphaOff val="0"/>
+            </a:schemeClr>
+          </a:solidFill>
+          <a:prstDash val="solid"/>
+          <a:miter lim="800000"/>
+        </a:ln>
+        <a:effectLst/>
+      </dsp:spPr>
+      <dsp:style>
+        <a:lnRef idx="2">
+          <a:scrgbClr r="0" g="0" b="0"/>
+        </a:lnRef>
+        <a:fillRef idx="1">
+          <a:scrgbClr r="0" g="0" b="0"/>
+        </a:fillRef>
+        <a:effectRef idx="0">
+          <a:scrgbClr r="0" g="0" b="0"/>
+        </a:effectRef>
+        <a:fontRef idx="minor">
+          <a:schemeClr val="lt1"/>
+        </a:fontRef>
+      </dsp:style>
+      <dsp:txBody>
+        <a:bodyPr spcFirstLastPara="0" vert="horz" wrap="square" lIns="83168" tIns="12700" rIns="83168" bIns="12700" numCol="1" spcCol="1270" anchor="ctr" anchorCtr="0">
+          <a:noAutofit/>
+        </a:bodyPr>
+        <a:lstStyle/>
+        <a:p>
+          <a:pPr marL="0" lvl="0" indent="0" algn="ctr" defTabSz="933450">
+            <a:lnSpc>
+              <a:spcPct val="90000"/>
+            </a:lnSpc>
+            <a:spcBef>
+              <a:spcPct val="0"/>
+            </a:spcBef>
+            <a:spcAft>
+              <a:spcPct val="35000"/>
+            </a:spcAft>
+            <a:buNone/>
+          </a:pPr>
+          <a:r>
+            <a:rPr lang="en-US" sz="2100" kern="1200"/>
+            <a:t>1</a:t>
+          </a:r>
+        </a:p>
+      </dsp:txBody>
+      <dsp:txXfrm>
+        <a:off x="895983" y="830298"/>
+        <a:ext cx="754301" cy="754301"/>
+      </dsp:txXfrm>
+    </dsp:sp>
+    <dsp:sp modelId="{FF40DA37-5786-D744-889C-5F560A441FDD}">
+      <dsp:nvSpPr>
+        <dsp:cNvPr id="0" name=""/>
+        <dsp:cNvSpPr/>
+      </dsp:nvSpPr>
+      <dsp:spPr>
+        <a:xfrm>
+          <a:off x="3201" y="3874237"/>
+          <a:ext cx="2539866" cy="72"/>
+        </a:xfrm>
+        <a:prstGeom prst="rect">
+          <a:avLst/>
+        </a:prstGeom>
+        <a:solidFill>
+          <a:schemeClr val="accent1">
+            <a:hueOff val="0"/>
+            <a:satOff val="0"/>
+            <a:lumOff val="0"/>
+            <a:alphaOff val="0"/>
+          </a:schemeClr>
+        </a:solidFill>
+        <a:ln w="19050" cap="flat" cmpd="sng" algn="ctr">
+          <a:solidFill>
+            <a:schemeClr val="accent1">
               <a:hueOff val="0"/>
               <a:satOff val="0"/>
               <a:lumOff val="0"/>
@@ -6830,24 +8280,23 @@
         </a:fontRef>
       </dsp:style>
     </dsp:sp>
-    <dsp:sp modelId="{1B054CE3-EE43-BD4B-9B43-308898FBB50B}">
+    <dsp:sp modelId="{9DBBA437-9D5F-C844-B647-2A82D79B6C44}">
       <dsp:nvSpPr>
         <dsp:cNvPr id="0" name=""/>
         <dsp:cNvSpPr/>
       </dsp:nvSpPr>
       <dsp:spPr>
         <a:xfrm>
-          <a:off x="615713" y="457963"/>
-          <a:ext cx="4332795" cy="2751325"/>
+          <a:off x="2797054" y="318495"/>
+          <a:ext cx="2539866" cy="3555813"/>
         </a:xfrm>
-        <a:prstGeom prst="roundRect">
-          <a:avLst>
-            <a:gd name="adj" fmla="val 10000"/>
-          </a:avLst>
+        <a:prstGeom prst="rect">
+          <a:avLst/>
         </a:prstGeom>
         <a:solidFill>
-          <a:schemeClr val="lt2">
+          <a:schemeClr val="accent1">
             <a:alpha val="90000"/>
+            <a:tint val="40000"/>
             <a:hueOff val="0"/>
             <a:satOff val="0"/>
             <a:lumOff val="0"/>
@@ -6856,7 +8305,9 @@
         </a:solidFill>
         <a:ln w="19050" cap="flat" cmpd="sng" algn="ctr">
           <a:solidFill>
-            <a:schemeClr val="dk2">
+            <a:schemeClr val="accent1">
+              <a:alpha val="90000"/>
+              <a:tint val="40000"/>
               <a:hueOff val="0"/>
               <a:satOff val="0"/>
               <a:lumOff val="0"/>
@@ -6881,12 +8332,12 @@
         <a:fontRef idx="minor"/>
       </dsp:style>
       <dsp:txBody>
-        <a:bodyPr spcFirstLastPara="0" vert="horz" wrap="square" lIns="198120" tIns="198120" rIns="198120" bIns="198120" numCol="1" spcCol="1270" anchor="ctr" anchorCtr="0">
+        <a:bodyPr spcFirstLastPara="0" vert="horz" wrap="square" lIns="198018" tIns="330200" rIns="198018" bIns="330200" numCol="1" spcCol="1270" anchor="t" anchorCtr="0">
           <a:noAutofit/>
         </a:bodyPr>
         <a:lstStyle/>
         <a:p>
-          <a:pPr marL="0" lvl="0" indent="0" algn="ctr" defTabSz="2311400">
+          <a:pPr marL="0" lvl="0" indent="0" algn="l" defTabSz="1155700">
             <a:lnSpc>
               <a:spcPct val="90000"/>
             </a:lnSpc>
@@ -6899,33 +8350,43 @@
             <a:buNone/>
           </a:pPr>
           <a:r>
-            <a:rPr lang="en-US" sz="5200" kern="1200"/>
-            <a:t>Apoyo en la transición energética.</a:t>
+            <a:rPr lang="en-US" sz="2600" kern="1200" dirty="0" err="1"/>
+            <a:t>Aumento</a:t>
+          </a:r>
+          <a:r>
+            <a:rPr lang="en-US" sz="2600" kern="1200" dirty="0"/>
+            <a:t> valor </a:t>
+          </a:r>
+          <a:r>
+            <a:rPr lang="en-US" sz="2600" kern="1200" dirty="0" err="1"/>
+            <a:t>inmobiliario</a:t>
+          </a:r>
+          <a:r>
+            <a:rPr lang="en-US" sz="2600" kern="1200" dirty="0"/>
+            <a:t>.</a:t>
           </a:r>
         </a:p>
       </dsp:txBody>
       <dsp:txXfrm>
-        <a:off x="696297" y="538547"/>
-        <a:ext cx="4171627" cy="2590157"/>
+        <a:off x="2797054" y="1669704"/>
+        <a:ext cx="2539866" cy="2133487"/>
       </dsp:txXfrm>
     </dsp:sp>
-    <dsp:sp modelId="{777E837B-196F-424A-8271-A8F9A921CA5D}">
+    <dsp:sp modelId="{FBC33A23-9DF0-234B-BCFC-38FE793418DE}">
       <dsp:nvSpPr>
         <dsp:cNvPr id="0" name=""/>
         <dsp:cNvSpPr/>
       </dsp:nvSpPr>
       <dsp:spPr>
         <a:xfrm>
-          <a:off x="5429930" y="612"/>
-          <a:ext cx="4332795" cy="2751325"/>
+          <a:off x="3533615" y="674077"/>
+          <a:ext cx="1066743" cy="1066743"/>
         </a:xfrm>
-        <a:prstGeom prst="roundRect">
-          <a:avLst>
-            <a:gd name="adj" fmla="val 10000"/>
-          </a:avLst>
+        <a:prstGeom prst="ellipse">
+          <a:avLst/>
         </a:prstGeom>
         <a:solidFill>
-          <a:schemeClr val="dk2">
+          <a:schemeClr val="accent1">
             <a:hueOff val="0"/>
             <a:satOff val="0"/>
             <a:lumOff val="0"/>
@@ -6934,7 +8395,100 @@
         </a:solidFill>
         <a:ln w="19050" cap="flat" cmpd="sng" algn="ctr">
           <a:solidFill>
-            <a:schemeClr val="lt2">
+            <a:schemeClr val="accent1">
+              <a:hueOff val="0"/>
+              <a:satOff val="0"/>
+              <a:lumOff val="0"/>
+              <a:alphaOff val="0"/>
+            </a:schemeClr>
+          </a:solidFill>
+          <a:prstDash val="solid"/>
+          <a:miter lim="800000"/>
+        </a:ln>
+        <a:effectLst/>
+      </dsp:spPr>
+      <dsp:style>
+        <a:lnRef idx="2">
+          <a:scrgbClr r="0" g="0" b="0"/>
+        </a:lnRef>
+        <a:fillRef idx="1">
+          <a:scrgbClr r="0" g="0" b="0"/>
+        </a:fillRef>
+        <a:effectRef idx="0">
+          <a:scrgbClr r="0" g="0" b="0"/>
+        </a:effectRef>
+        <a:fontRef idx="minor">
+          <a:schemeClr val="lt1"/>
+        </a:fontRef>
+      </dsp:style>
+      <dsp:txBody>
+        <a:bodyPr spcFirstLastPara="0" vert="horz" wrap="square" lIns="83168" tIns="12700" rIns="83168" bIns="12700" numCol="1" spcCol="1270" anchor="ctr" anchorCtr="0">
+          <a:noAutofit/>
+        </a:bodyPr>
+        <a:lstStyle/>
+        <a:p>
+          <a:pPr marL="0" lvl="0" indent="0" algn="ctr" defTabSz="933450">
+            <a:lnSpc>
+              <a:spcPct val="90000"/>
+            </a:lnSpc>
+            <a:spcBef>
+              <a:spcPct val="0"/>
+            </a:spcBef>
+            <a:spcAft>
+              <a:spcPct val="35000"/>
+            </a:spcAft>
+            <a:buNone/>
+          </a:pPr>
+          <a:r>
+            <a:rPr lang="en-US" sz="2100" kern="1200"/>
+            <a:t>2</a:t>
+          </a:r>
+        </a:p>
+        <a:p>
+          <a:pPr marL="0" lvl="0" indent="0" algn="ctr" defTabSz="933450">
+            <a:lnSpc>
+              <a:spcPct val="90000"/>
+            </a:lnSpc>
+            <a:spcBef>
+              <a:spcPct val="0"/>
+            </a:spcBef>
+            <a:spcAft>
+              <a:spcPct val="35000"/>
+            </a:spcAft>
+            <a:buNone/>
+          </a:pPr>
+          <a:endParaRPr lang="en-US" sz="2100" kern="1200"/>
+        </a:p>
+      </dsp:txBody>
+      <dsp:txXfrm>
+        <a:off x="3689836" y="830298"/>
+        <a:ext cx="754301" cy="754301"/>
+      </dsp:txXfrm>
+    </dsp:sp>
+    <dsp:sp modelId="{102AA415-DAD1-5848-94A8-218C0A9E3989}">
+      <dsp:nvSpPr>
+        <dsp:cNvPr id="0" name=""/>
+        <dsp:cNvSpPr/>
+      </dsp:nvSpPr>
+      <dsp:spPr>
+        <a:xfrm>
+          <a:off x="2797054" y="3874237"/>
+          <a:ext cx="2539866" cy="72"/>
+        </a:xfrm>
+        <a:prstGeom prst="rect">
+          <a:avLst/>
+        </a:prstGeom>
+        <a:solidFill>
+          <a:schemeClr val="accent1">
+            <a:hueOff val="0"/>
+            <a:satOff val="0"/>
+            <a:lumOff val="0"/>
+            <a:alphaOff val="0"/>
+          </a:schemeClr>
+        </a:solidFill>
+        <a:ln w="19050" cap="flat" cmpd="sng" algn="ctr">
+          <a:solidFill>
+            <a:schemeClr val="accent1">
               <a:hueOff val="0"/>
               <a:satOff val="0"/>
               <a:lumOff val="0"/>
@@ -6961,24 +8515,23 @@
         </a:fontRef>
       </dsp:style>
     </dsp:sp>
-    <dsp:sp modelId="{1573AEF5-EEC2-DE4D-9753-EDF8B2D5A09E}">
+    <dsp:sp modelId="{51DE225C-A122-164C-AF1F-73119648D8D6}">
       <dsp:nvSpPr>
         <dsp:cNvPr id="0" name=""/>
         <dsp:cNvSpPr/>
       </dsp:nvSpPr>
       <dsp:spPr>
         <a:xfrm>
-          <a:off x="5911352" y="457963"/>
-          <a:ext cx="4332795" cy="2751325"/>
+          <a:off x="5590907" y="318495"/>
+          <a:ext cx="2539866" cy="3555813"/>
         </a:xfrm>
-        <a:prstGeom prst="roundRect">
-          <a:avLst>
-            <a:gd name="adj" fmla="val 10000"/>
-          </a:avLst>
+        <a:prstGeom prst="rect">
+          <a:avLst/>
         </a:prstGeom>
         <a:solidFill>
-          <a:schemeClr val="lt2">
+          <a:schemeClr val="accent1">
             <a:alpha val="90000"/>
+            <a:tint val="40000"/>
             <a:hueOff val="0"/>
             <a:satOff val="0"/>
             <a:lumOff val="0"/>
@@ -6987,7 +8540,9 @@
         </a:solidFill>
         <a:ln w="19050" cap="flat" cmpd="sng" algn="ctr">
           <a:solidFill>
-            <a:schemeClr val="dk2">
+            <a:schemeClr val="accent1">
+              <a:alpha val="90000"/>
+              <a:tint val="40000"/>
               <a:hueOff val="0"/>
               <a:satOff val="0"/>
               <a:lumOff val="0"/>
@@ -7012,12 +8567,12 @@
         <a:fontRef idx="minor"/>
       </dsp:style>
       <dsp:txBody>
-        <a:bodyPr spcFirstLastPara="0" vert="horz" wrap="square" lIns="198120" tIns="198120" rIns="198120" bIns="198120" numCol="1" spcCol="1270" anchor="ctr" anchorCtr="0">
+        <a:bodyPr spcFirstLastPara="0" vert="horz" wrap="square" lIns="198018" tIns="330200" rIns="198018" bIns="330200" numCol="1" spcCol="1270" anchor="t" anchorCtr="0">
           <a:noAutofit/>
         </a:bodyPr>
         <a:lstStyle/>
         <a:p>
-          <a:pPr marL="0" lvl="0" indent="0" algn="ctr" defTabSz="2311400">
+          <a:pPr marL="0" lvl="0" indent="0" algn="l" defTabSz="1155700">
             <a:lnSpc>
               <a:spcPct val="90000"/>
             </a:lnSpc>
@@ -7030,21 +8585,720 @@
             <a:buNone/>
           </a:pPr>
           <a:r>
-            <a:rPr lang="en-US" sz="5200" kern="1200"/>
+            <a:rPr lang="en-US" sz="2600" kern="1200" dirty="0" err="1"/>
+            <a:t>Atracción</a:t>
+          </a:r>
+          <a:r>
+            <a:rPr lang="en-US" sz="2600" kern="1200" dirty="0"/>
+            <a:t> a </a:t>
+          </a:r>
+          <a:r>
+            <a:rPr lang="en-US" sz="2600" kern="1200" dirty="0" err="1"/>
+            <a:t>residentes</a:t>
+          </a:r>
+          <a:r>
+            <a:rPr lang="en-US" sz="2600" kern="1200" dirty="0"/>
+            <a:t> </a:t>
+          </a:r>
+          <a:r>
+            <a:rPr lang="en-US" sz="2600" kern="1200" dirty="0" err="1"/>
+            <a:t>modernos</a:t>
+          </a:r>
+          <a:r>
+            <a:rPr lang="en-US" sz="2600" kern="1200" dirty="0"/>
+            <a:t>.</a:t>
+          </a:r>
+        </a:p>
+      </dsp:txBody>
+      <dsp:txXfrm>
+        <a:off x="5590907" y="1669704"/>
+        <a:ext cx="2539866" cy="2133487"/>
+      </dsp:txXfrm>
+    </dsp:sp>
+    <dsp:sp modelId="{9D211554-1485-6346-9EBA-511BF00B61A8}">
+      <dsp:nvSpPr>
+        <dsp:cNvPr id="0" name=""/>
+        <dsp:cNvSpPr/>
+      </dsp:nvSpPr>
+      <dsp:spPr>
+        <a:xfrm>
+          <a:off x="6327469" y="674077"/>
+          <a:ext cx="1066743" cy="1066743"/>
+        </a:xfrm>
+        <a:prstGeom prst="ellipse">
+          <a:avLst/>
+        </a:prstGeom>
+        <a:solidFill>
+          <a:schemeClr val="accent1">
+            <a:hueOff val="0"/>
+            <a:satOff val="0"/>
+            <a:lumOff val="0"/>
+            <a:alphaOff val="0"/>
+          </a:schemeClr>
+        </a:solidFill>
+        <a:ln w="19050" cap="flat" cmpd="sng" algn="ctr">
+          <a:solidFill>
+            <a:schemeClr val="accent1">
+              <a:hueOff val="0"/>
+              <a:satOff val="0"/>
+              <a:lumOff val="0"/>
+              <a:alphaOff val="0"/>
+            </a:schemeClr>
+          </a:solidFill>
+          <a:prstDash val="solid"/>
+          <a:miter lim="800000"/>
+        </a:ln>
+        <a:effectLst/>
+      </dsp:spPr>
+      <dsp:style>
+        <a:lnRef idx="2">
+          <a:scrgbClr r="0" g="0" b="0"/>
+        </a:lnRef>
+        <a:fillRef idx="1">
+          <a:scrgbClr r="0" g="0" b="0"/>
+        </a:fillRef>
+        <a:effectRef idx="0">
+          <a:scrgbClr r="0" g="0" b="0"/>
+        </a:effectRef>
+        <a:fontRef idx="minor">
+          <a:schemeClr val="lt1"/>
+        </a:fontRef>
+      </dsp:style>
+      <dsp:txBody>
+        <a:bodyPr spcFirstLastPara="0" vert="horz" wrap="square" lIns="83168" tIns="12700" rIns="83168" bIns="12700" numCol="1" spcCol="1270" anchor="ctr" anchorCtr="0">
+          <a:noAutofit/>
+        </a:bodyPr>
+        <a:lstStyle/>
+        <a:p>
+          <a:pPr marL="0" lvl="0" indent="0" algn="ctr" defTabSz="933450">
+            <a:lnSpc>
+              <a:spcPct val="90000"/>
+            </a:lnSpc>
+            <a:spcBef>
+              <a:spcPct val="0"/>
+            </a:spcBef>
+            <a:spcAft>
+              <a:spcPct val="35000"/>
+            </a:spcAft>
+            <a:buNone/>
+          </a:pPr>
+          <a:r>
+            <a:rPr lang="en-US" sz="2100" kern="1200"/>
+            <a:t>3</a:t>
+          </a:r>
+        </a:p>
+        <a:p>
+          <a:pPr marL="0" lvl="0" indent="0" algn="ctr" defTabSz="933450">
+            <a:lnSpc>
+              <a:spcPct val="90000"/>
+            </a:lnSpc>
+            <a:spcBef>
+              <a:spcPct val="0"/>
+            </a:spcBef>
+            <a:spcAft>
+              <a:spcPct val="35000"/>
+            </a:spcAft>
+            <a:buNone/>
+          </a:pPr>
+          <a:endParaRPr lang="en-US" sz="2100" kern="1200"/>
+        </a:p>
+      </dsp:txBody>
+      <dsp:txXfrm>
+        <a:off x="6483690" y="830298"/>
+        <a:ext cx="754301" cy="754301"/>
+      </dsp:txXfrm>
+    </dsp:sp>
+    <dsp:sp modelId="{B0BFFE26-ABEA-764A-A098-DB5E50E76DB7}">
+      <dsp:nvSpPr>
+        <dsp:cNvPr id="0" name=""/>
+        <dsp:cNvSpPr/>
+      </dsp:nvSpPr>
+      <dsp:spPr>
+        <a:xfrm>
+          <a:off x="5590907" y="3874237"/>
+          <a:ext cx="2539866" cy="72"/>
+        </a:xfrm>
+        <a:prstGeom prst="rect">
+          <a:avLst/>
+        </a:prstGeom>
+        <a:solidFill>
+          <a:schemeClr val="accent1">
+            <a:hueOff val="0"/>
+            <a:satOff val="0"/>
+            <a:lumOff val="0"/>
+            <a:alphaOff val="0"/>
+          </a:schemeClr>
+        </a:solidFill>
+        <a:ln w="19050" cap="flat" cmpd="sng" algn="ctr">
+          <a:solidFill>
+            <a:schemeClr val="accent1">
+              <a:hueOff val="0"/>
+              <a:satOff val="0"/>
+              <a:lumOff val="0"/>
+              <a:alphaOff val="0"/>
+            </a:schemeClr>
+          </a:solidFill>
+          <a:prstDash val="solid"/>
+          <a:miter lim="800000"/>
+        </a:ln>
+        <a:effectLst/>
+      </dsp:spPr>
+      <dsp:style>
+        <a:lnRef idx="2">
+          <a:scrgbClr r="0" g="0" b="0"/>
+        </a:lnRef>
+        <a:fillRef idx="1">
+          <a:scrgbClr r="0" g="0" b="0"/>
+        </a:fillRef>
+        <a:effectRef idx="0">
+          <a:scrgbClr r="0" g="0" b="0"/>
+        </a:effectRef>
+        <a:fontRef idx="minor">
+          <a:schemeClr val="lt1"/>
+        </a:fontRef>
+      </dsp:style>
+    </dsp:sp>
+    <dsp:sp modelId="{7F12DA96-D81C-1542-BFB9-D8EF99992F69}">
+      <dsp:nvSpPr>
+        <dsp:cNvPr id="0" name=""/>
+        <dsp:cNvSpPr/>
+      </dsp:nvSpPr>
+      <dsp:spPr>
+        <a:xfrm>
+          <a:off x="8384760" y="318495"/>
+          <a:ext cx="2539866" cy="3555813"/>
+        </a:xfrm>
+        <a:prstGeom prst="rect">
+          <a:avLst/>
+        </a:prstGeom>
+        <a:solidFill>
+          <a:schemeClr val="accent1">
+            <a:alpha val="90000"/>
+            <a:tint val="40000"/>
+            <a:hueOff val="0"/>
+            <a:satOff val="0"/>
+            <a:lumOff val="0"/>
+            <a:alphaOff val="0"/>
+          </a:schemeClr>
+        </a:solidFill>
+        <a:ln w="19050" cap="flat" cmpd="sng" algn="ctr">
+          <a:solidFill>
+            <a:schemeClr val="accent1">
+              <a:alpha val="90000"/>
+              <a:tint val="40000"/>
+              <a:hueOff val="0"/>
+              <a:satOff val="0"/>
+              <a:lumOff val="0"/>
+              <a:alphaOff val="0"/>
+            </a:schemeClr>
+          </a:solidFill>
+          <a:prstDash val="solid"/>
+          <a:miter lim="800000"/>
+        </a:ln>
+        <a:effectLst/>
+      </dsp:spPr>
+      <dsp:style>
+        <a:lnRef idx="2">
+          <a:scrgbClr r="0" g="0" b="0"/>
+        </a:lnRef>
+        <a:fillRef idx="1">
+          <a:scrgbClr r="0" g="0" b="0"/>
+        </a:fillRef>
+        <a:effectRef idx="0">
+          <a:scrgbClr r="0" g="0" b="0"/>
+        </a:effectRef>
+        <a:fontRef idx="minor"/>
+      </dsp:style>
+      <dsp:txBody>
+        <a:bodyPr spcFirstLastPara="0" vert="horz" wrap="square" lIns="198018" tIns="330200" rIns="198018" bIns="330200" numCol="1" spcCol="1270" anchor="t" anchorCtr="0">
+          <a:noAutofit/>
+        </a:bodyPr>
+        <a:lstStyle/>
+        <a:p>
+          <a:pPr marL="0" lvl="0" indent="0" algn="l" defTabSz="1155700">
+            <a:lnSpc>
+              <a:spcPct val="90000"/>
+            </a:lnSpc>
+            <a:spcBef>
+              <a:spcPct val="0"/>
+            </a:spcBef>
+            <a:spcAft>
+              <a:spcPct val="35000"/>
+            </a:spcAft>
+            <a:buNone/>
+          </a:pPr>
+          <a:r>
+            <a:rPr lang="en-US" sz="2600" kern="1200"/>
             <a:t>Mejora en la calidad del aire.</a:t>
           </a:r>
         </a:p>
       </dsp:txBody>
       <dsp:txXfrm>
-        <a:off x="5991936" y="538547"/>
-        <a:ext cx="4171627" cy="2590157"/>
+        <a:off x="8384760" y="1669704"/>
+        <a:ext cx="2539866" cy="2133487"/>
+      </dsp:txXfrm>
+    </dsp:sp>
+    <dsp:sp modelId="{BBDDCB1F-6E68-BE40-82B4-C243C41810C3}">
+      <dsp:nvSpPr>
+        <dsp:cNvPr id="0" name=""/>
+        <dsp:cNvSpPr/>
+      </dsp:nvSpPr>
+      <dsp:spPr>
+        <a:xfrm>
+          <a:off x="9121322" y="674077"/>
+          <a:ext cx="1066743" cy="1066743"/>
+        </a:xfrm>
+        <a:prstGeom prst="ellipse">
+          <a:avLst/>
+        </a:prstGeom>
+        <a:solidFill>
+          <a:schemeClr val="accent1">
+            <a:hueOff val="0"/>
+            <a:satOff val="0"/>
+            <a:lumOff val="0"/>
+            <a:alphaOff val="0"/>
+          </a:schemeClr>
+        </a:solidFill>
+        <a:ln w="19050" cap="flat" cmpd="sng" algn="ctr">
+          <a:solidFill>
+            <a:schemeClr val="accent1">
+              <a:hueOff val="0"/>
+              <a:satOff val="0"/>
+              <a:lumOff val="0"/>
+              <a:alphaOff val="0"/>
+            </a:schemeClr>
+          </a:solidFill>
+          <a:prstDash val="solid"/>
+          <a:miter lim="800000"/>
+        </a:ln>
+        <a:effectLst/>
+      </dsp:spPr>
+      <dsp:style>
+        <a:lnRef idx="2">
+          <a:scrgbClr r="0" g="0" b="0"/>
+        </a:lnRef>
+        <a:fillRef idx="1">
+          <a:scrgbClr r="0" g="0" b="0"/>
+        </a:fillRef>
+        <a:effectRef idx="0">
+          <a:scrgbClr r="0" g="0" b="0"/>
+        </a:effectRef>
+        <a:fontRef idx="minor">
+          <a:schemeClr val="lt1"/>
+        </a:fontRef>
+      </dsp:style>
+      <dsp:txBody>
+        <a:bodyPr spcFirstLastPara="0" vert="horz" wrap="square" lIns="83168" tIns="12700" rIns="83168" bIns="12700" numCol="1" spcCol="1270" anchor="ctr" anchorCtr="0">
+          <a:noAutofit/>
+        </a:bodyPr>
+        <a:lstStyle/>
+        <a:p>
+          <a:pPr marL="0" lvl="0" indent="0" algn="ctr" defTabSz="933450">
+            <a:lnSpc>
+              <a:spcPct val="90000"/>
+            </a:lnSpc>
+            <a:spcBef>
+              <a:spcPct val="0"/>
+            </a:spcBef>
+            <a:spcAft>
+              <a:spcPct val="35000"/>
+            </a:spcAft>
+            <a:buNone/>
+          </a:pPr>
+          <a:r>
+            <a:rPr lang="en-US" sz="2100" kern="1200"/>
+            <a:t>4</a:t>
+          </a:r>
+        </a:p>
+      </dsp:txBody>
+      <dsp:txXfrm>
+        <a:off x="9277543" y="830298"/>
+        <a:ext cx="754301" cy="754301"/>
+      </dsp:txXfrm>
+    </dsp:sp>
+    <dsp:sp modelId="{9FCA5014-2C84-5C40-8A7A-52CEA4F8B62C}">
+      <dsp:nvSpPr>
+        <dsp:cNvPr id="0" name=""/>
+        <dsp:cNvSpPr/>
+      </dsp:nvSpPr>
+      <dsp:spPr>
+        <a:xfrm>
+          <a:off x="8384760" y="3874237"/>
+          <a:ext cx="2539866" cy="72"/>
+        </a:xfrm>
+        <a:prstGeom prst="rect">
+          <a:avLst/>
+        </a:prstGeom>
+        <a:solidFill>
+          <a:schemeClr val="accent1">
+            <a:hueOff val="0"/>
+            <a:satOff val="0"/>
+            <a:lumOff val="0"/>
+            <a:alphaOff val="0"/>
+          </a:schemeClr>
+        </a:solidFill>
+        <a:ln w="19050" cap="flat" cmpd="sng" algn="ctr">
+          <a:solidFill>
+            <a:schemeClr val="accent1">
+              <a:hueOff val="0"/>
+              <a:satOff val="0"/>
+              <a:lumOff val="0"/>
+              <a:alphaOff val="0"/>
+            </a:schemeClr>
+          </a:solidFill>
+          <a:prstDash val="solid"/>
+          <a:miter lim="800000"/>
+        </a:ln>
+        <a:effectLst/>
+      </dsp:spPr>
+      <dsp:style>
+        <a:lnRef idx="2">
+          <a:scrgbClr r="0" g="0" b="0"/>
+        </a:lnRef>
+        <a:fillRef idx="1">
+          <a:scrgbClr r="0" g="0" b="0"/>
+        </a:fillRef>
+        <a:effectRef idx="0">
+          <a:scrgbClr r="0" g="0" b="0"/>
+        </a:effectRef>
+        <a:fontRef idx="minor">
+          <a:schemeClr val="lt1"/>
+        </a:fontRef>
+      </dsp:style>
+    </dsp:sp>
+  </dsp:spTree>
+</dsp:drawing>
+</file>
+
+<file path=ppt/diagrams/drawing5.xml><?xml version="1.0" encoding="utf-8"?>
+<dsp:drawing xmlns:dgm="http://schemas.openxmlformats.org/drawingml/2006/diagram" xmlns:dsp="http://schemas.microsoft.com/office/drawing/2008/diagram" xmlns:a="http://schemas.openxmlformats.org/drawingml/2006/main">
+  <dsp:spTree>
+    <dsp:nvGrpSpPr>
+      <dsp:cNvPr id="0" name=""/>
+      <dsp:cNvGrpSpPr/>
+    </dsp:nvGrpSpPr>
+    <dsp:grpSpPr/>
+    <dsp:sp modelId="{815FFB00-E717-2847-8741-87448DC76FEA}">
+      <dsp:nvSpPr>
+        <dsp:cNvPr id="0" name=""/>
+        <dsp:cNvSpPr/>
+      </dsp:nvSpPr>
+      <dsp:spPr>
+        <a:xfrm>
+          <a:off x="51" y="551323"/>
+          <a:ext cx="4913783" cy="1931091"/>
+        </a:xfrm>
+        <a:prstGeom prst="rect">
+          <a:avLst/>
+        </a:prstGeom>
+        <a:solidFill>
+          <a:schemeClr val="accent1">
+            <a:hueOff val="0"/>
+            <a:satOff val="0"/>
+            <a:lumOff val="0"/>
+            <a:alphaOff val="0"/>
+          </a:schemeClr>
+        </a:solidFill>
+        <a:ln w="19050" cap="flat" cmpd="sng" algn="ctr">
+          <a:solidFill>
+            <a:schemeClr val="accent1">
+              <a:hueOff val="0"/>
+              <a:satOff val="0"/>
+              <a:lumOff val="0"/>
+              <a:alphaOff val="0"/>
+            </a:schemeClr>
+          </a:solidFill>
+          <a:prstDash val="solid"/>
+          <a:miter lim="800000"/>
+        </a:ln>
+        <a:effectLst/>
+      </dsp:spPr>
+      <dsp:style>
+        <a:lnRef idx="2">
+          <a:scrgbClr r="0" g="0" b="0"/>
+        </a:lnRef>
+        <a:fillRef idx="1">
+          <a:scrgbClr r="0" g="0" b="0"/>
+        </a:fillRef>
+        <a:effectRef idx="0">
+          <a:scrgbClr r="0" g="0" b="0"/>
+        </a:effectRef>
+        <a:fontRef idx="minor">
+          <a:schemeClr val="lt1"/>
+        </a:fontRef>
+      </dsp:style>
+      <dsp:txBody>
+        <a:bodyPr spcFirstLastPara="0" vert="horz" wrap="square" lIns="213360" tIns="121920" rIns="213360" bIns="121920" numCol="1" spcCol="1270" anchor="ctr" anchorCtr="0">
+          <a:noAutofit/>
+        </a:bodyPr>
+        <a:lstStyle/>
+        <a:p>
+          <a:pPr marL="0" lvl="0" indent="0" algn="ctr" defTabSz="1333500">
+            <a:lnSpc>
+              <a:spcPct val="90000"/>
+            </a:lnSpc>
+            <a:spcBef>
+              <a:spcPct val="0"/>
+            </a:spcBef>
+            <a:spcAft>
+              <a:spcPct val="35000"/>
+            </a:spcAft>
+            <a:buNone/>
+          </a:pPr>
+          <a:r>
+            <a:rPr lang="en-US" sz="3000" kern="1200"/>
+            <a:t>Todo el costo de la instalación y adecuación la asume el propietario del inmueble.</a:t>
+          </a:r>
+        </a:p>
+      </dsp:txBody>
+      <dsp:txXfrm>
+        <a:off x="51" y="551323"/>
+        <a:ext cx="4913783" cy="1931091"/>
+      </dsp:txXfrm>
+    </dsp:sp>
+    <dsp:sp modelId="{A87E276B-1424-974B-B9B8-03888DC1CAEC}">
+      <dsp:nvSpPr>
+        <dsp:cNvPr id="0" name=""/>
+        <dsp:cNvSpPr/>
+      </dsp:nvSpPr>
+      <dsp:spPr>
+        <a:xfrm>
+          <a:off x="51" y="2482414"/>
+          <a:ext cx="4913783" cy="1317600"/>
+        </a:xfrm>
+        <a:prstGeom prst="rect">
+          <a:avLst/>
+        </a:prstGeom>
+        <a:solidFill>
+          <a:schemeClr val="accent1">
+            <a:alpha val="90000"/>
+            <a:tint val="40000"/>
+            <a:hueOff val="0"/>
+            <a:satOff val="0"/>
+            <a:lumOff val="0"/>
+            <a:alphaOff val="0"/>
+          </a:schemeClr>
+        </a:solidFill>
+        <a:ln w="19050" cap="flat" cmpd="sng" algn="ctr">
+          <a:solidFill>
+            <a:schemeClr val="accent1">
+              <a:alpha val="90000"/>
+              <a:tint val="40000"/>
+              <a:hueOff val="0"/>
+              <a:satOff val="0"/>
+              <a:lumOff val="0"/>
+              <a:alphaOff val="0"/>
+            </a:schemeClr>
+          </a:solidFill>
+          <a:prstDash val="solid"/>
+          <a:miter lim="800000"/>
+        </a:ln>
+        <a:effectLst/>
+      </dsp:spPr>
+      <dsp:style>
+        <a:lnRef idx="2">
+          <a:scrgbClr r="0" g="0" b="0"/>
+        </a:lnRef>
+        <a:fillRef idx="1">
+          <a:scrgbClr r="0" g="0" b="0"/>
+        </a:fillRef>
+        <a:effectRef idx="0">
+          <a:scrgbClr r="0" g="0" b="0"/>
+        </a:effectRef>
+        <a:fontRef idx="minor"/>
+      </dsp:style>
+      <dsp:txBody>
+        <a:bodyPr spcFirstLastPara="0" vert="horz" wrap="square" lIns="160020" tIns="160020" rIns="213360" bIns="240030" numCol="1" spcCol="1270" anchor="t" anchorCtr="0">
+          <a:noAutofit/>
+        </a:bodyPr>
+        <a:lstStyle/>
+        <a:p>
+          <a:pPr marL="285750" lvl="1" indent="-285750" algn="l" defTabSz="1333500">
+            <a:lnSpc>
+              <a:spcPct val="90000"/>
+            </a:lnSpc>
+            <a:spcBef>
+              <a:spcPct val="0"/>
+            </a:spcBef>
+            <a:spcAft>
+              <a:spcPct val="15000"/>
+            </a:spcAft>
+            <a:buChar char="•"/>
+          </a:pPr>
+          <a:r>
+            <a:rPr lang="en-US" sz="3000" kern="1200"/>
+            <a:t>No la copropiedad.</a:t>
+          </a:r>
+        </a:p>
+      </dsp:txBody>
+      <dsp:txXfrm>
+        <a:off x="51" y="2482414"/>
+        <a:ext cx="4913783" cy="1317600"/>
+      </dsp:txXfrm>
+    </dsp:sp>
+    <dsp:sp modelId="{0278CAAD-1DDD-4B4A-BAB3-C45AAC88F917}">
+      <dsp:nvSpPr>
+        <dsp:cNvPr id="0" name=""/>
+        <dsp:cNvSpPr/>
+      </dsp:nvSpPr>
+      <dsp:spPr>
+        <a:xfrm>
+          <a:off x="5601764" y="551323"/>
+          <a:ext cx="4913783" cy="1931091"/>
+        </a:xfrm>
+        <a:prstGeom prst="rect">
+          <a:avLst/>
+        </a:prstGeom>
+        <a:solidFill>
+          <a:schemeClr val="accent1">
+            <a:hueOff val="0"/>
+            <a:satOff val="0"/>
+            <a:lumOff val="0"/>
+            <a:alphaOff val="0"/>
+          </a:schemeClr>
+        </a:solidFill>
+        <a:ln w="19050" cap="flat" cmpd="sng" algn="ctr">
+          <a:solidFill>
+            <a:schemeClr val="accent1">
+              <a:hueOff val="0"/>
+              <a:satOff val="0"/>
+              <a:lumOff val="0"/>
+              <a:alphaOff val="0"/>
+            </a:schemeClr>
+          </a:solidFill>
+          <a:prstDash val="solid"/>
+          <a:miter lim="800000"/>
+        </a:ln>
+        <a:effectLst/>
+      </dsp:spPr>
+      <dsp:style>
+        <a:lnRef idx="2">
+          <a:scrgbClr r="0" g="0" b="0"/>
+        </a:lnRef>
+        <a:fillRef idx="1">
+          <a:scrgbClr r="0" g="0" b="0"/>
+        </a:fillRef>
+        <a:effectRef idx="0">
+          <a:scrgbClr r="0" g="0" b="0"/>
+        </a:effectRef>
+        <a:fontRef idx="minor">
+          <a:schemeClr val="lt1"/>
+        </a:fontRef>
+      </dsp:style>
+      <dsp:txBody>
+        <a:bodyPr spcFirstLastPara="0" vert="horz" wrap="square" lIns="213360" tIns="121920" rIns="213360" bIns="121920" numCol="1" spcCol="1270" anchor="ctr" anchorCtr="0">
+          <a:noAutofit/>
+        </a:bodyPr>
+        <a:lstStyle/>
+        <a:p>
+          <a:pPr marL="0" lvl="0" indent="0" algn="ctr" defTabSz="1333500">
+            <a:lnSpc>
+              <a:spcPct val="90000"/>
+            </a:lnSpc>
+            <a:spcBef>
+              <a:spcPct val="0"/>
+            </a:spcBef>
+            <a:spcAft>
+              <a:spcPct val="35000"/>
+            </a:spcAft>
+            <a:buNone/>
+          </a:pPr>
+          <a:r>
+            <a:rPr lang="en-US" sz="3000" kern="1200"/>
+            <a:t>Electricidad es un bien común esencial, el cual no puede ser negado en un momento dado.</a:t>
+          </a:r>
+        </a:p>
+      </dsp:txBody>
+      <dsp:txXfrm>
+        <a:off x="5601764" y="551323"/>
+        <a:ext cx="4913783" cy="1931091"/>
+      </dsp:txXfrm>
+    </dsp:sp>
+    <dsp:sp modelId="{BBC7B82E-A4EB-714A-ACA3-EB70B545B1AB}">
+      <dsp:nvSpPr>
+        <dsp:cNvPr id="0" name=""/>
+        <dsp:cNvSpPr/>
+      </dsp:nvSpPr>
+      <dsp:spPr>
+        <a:xfrm>
+          <a:off x="5601764" y="2482414"/>
+          <a:ext cx="4913783" cy="1317600"/>
+        </a:xfrm>
+        <a:prstGeom prst="rect">
+          <a:avLst/>
+        </a:prstGeom>
+        <a:solidFill>
+          <a:schemeClr val="accent1">
+            <a:alpha val="90000"/>
+            <a:tint val="40000"/>
+            <a:hueOff val="0"/>
+            <a:satOff val="0"/>
+            <a:lumOff val="0"/>
+            <a:alphaOff val="0"/>
+          </a:schemeClr>
+        </a:solidFill>
+        <a:ln w="19050" cap="flat" cmpd="sng" algn="ctr">
+          <a:solidFill>
+            <a:schemeClr val="accent1">
+              <a:alpha val="90000"/>
+              <a:tint val="40000"/>
+              <a:hueOff val="0"/>
+              <a:satOff val="0"/>
+              <a:lumOff val="0"/>
+              <a:alphaOff val="0"/>
+            </a:schemeClr>
+          </a:solidFill>
+          <a:prstDash val="solid"/>
+          <a:miter lim="800000"/>
+        </a:ln>
+        <a:effectLst/>
+      </dsp:spPr>
+      <dsp:style>
+        <a:lnRef idx="2">
+          <a:scrgbClr r="0" g="0" b="0"/>
+        </a:lnRef>
+        <a:fillRef idx="1">
+          <a:scrgbClr r="0" g="0" b="0"/>
+        </a:fillRef>
+        <a:effectRef idx="0">
+          <a:scrgbClr r="0" g="0" b="0"/>
+        </a:effectRef>
+        <a:fontRef idx="minor"/>
+      </dsp:style>
+      <dsp:txBody>
+        <a:bodyPr spcFirstLastPara="0" vert="horz" wrap="square" lIns="160020" tIns="160020" rIns="213360" bIns="240030" numCol="1" spcCol="1270" anchor="t" anchorCtr="0">
+          <a:noAutofit/>
+        </a:bodyPr>
+        <a:lstStyle/>
+        <a:p>
+          <a:pPr marL="285750" lvl="1" indent="-285750" algn="l" defTabSz="1333500">
+            <a:lnSpc>
+              <a:spcPct val="90000"/>
+            </a:lnSpc>
+            <a:spcBef>
+              <a:spcPct val="0"/>
+            </a:spcBef>
+            <a:spcAft>
+              <a:spcPct val="15000"/>
+            </a:spcAft>
+            <a:buChar char="•"/>
+          </a:pPr>
+          <a:r>
+            <a:rPr lang="en-US" sz="3000" kern="1200"/>
+            <a:t>Ley de servicios públicos - Ley 142 de 1994.</a:t>
+          </a:r>
+        </a:p>
+      </dsp:txBody>
+      <dsp:txXfrm>
+        <a:off x="5601764" y="2482414"/>
+        <a:ext cx="4913783" cy="1317600"/>
       </dsp:txXfrm>
     </dsp:sp>
   </dsp:spTree>
 </dsp:drawing>
 </file>
 
-<file path=ppt/diagrams/drawing5.xml><?xml version="1.0" encoding="utf-8"?>
+<file path=ppt/diagrams/drawing6.xml><?xml version="1.0" encoding="utf-8"?>
 <dsp:drawing xmlns:dgm="http://schemas.openxmlformats.org/drawingml/2006/diagram" xmlns:dsp="http://schemas.microsoft.com/office/drawing/2008/diagram" xmlns:a="http://schemas.openxmlformats.org/drawingml/2006/main">
   <dsp:spTree>
     <dsp:nvGrpSpPr>
@@ -8565,17 +10819,301 @@
 </file>
 
 <file path=ppt/diagrams/layout4.xml><?xml version="1.0" encoding="utf-8"?>
-<dgm:layoutDef xmlns:dgm="http://schemas.openxmlformats.org/drawingml/2006/diagram" xmlns:a="http://schemas.openxmlformats.org/drawingml/2006/main" uniqueId="urn:microsoft.com/office/officeart/2005/8/layout/hierarchy1">
-  <dgm:title val=""/>
-  <dgm:desc val=""/>
+<dgm:layoutDef xmlns:dgm="http://schemas.openxmlformats.org/drawingml/2006/diagram" xmlns:a="http://schemas.openxmlformats.org/drawingml/2006/main" uniqueId="urn:microsoft.com/office/officeart/2016/7/layout/BasicLinearProcessNumbered">
+  <dgm:title val="Basic Linear Process Numbered"/>
+  <dgm:desc val="Used to show a progression; a timeline; sequential steps in a task, process, or workflow; or to emphasize movement or direction. Automatic numbers have been introduced to show the steps of the process which appears in a circle. Level 1 and Level 2 text appear in a rectangle."/>
   <dgm:catLst>
-    <dgm:cat type="hierarchy" pri="2000"/>
+    <dgm:cat type="process" pri="500"/>
   </dgm:catLst>
   <dgm:sampData>
     <dgm:dataModel>
       <dgm:ptLst>
         <dgm:pt modelId="0" type="doc"/>
         <dgm:pt modelId="1">
+          <dgm:prSet phldr="1"/>
+        </dgm:pt>
+        <dgm:pt modelId="11">
+          <dgm:prSet phldr="1"/>
+        </dgm:pt>
+        <dgm:pt modelId="2">
+          <dgm:prSet phldr="1"/>
+        </dgm:pt>
+        <dgm:pt modelId="21">
+          <dgm:prSet phldr="1"/>
+        </dgm:pt>
+        <dgm:pt modelId="3">
+          <dgm:prSet phldr="1"/>
+        </dgm:pt>
+        <dgm:pt modelId="31">
+          <dgm:prSet phldr="1"/>
+        </dgm:pt>
+        <dgm:pt modelId="101" type="sibTrans" cxnId="4">
+          <dgm:prSet phldrT="1"/>
+          <dgm:t>
+            <a:bodyPr/>
+            <a:lstStyle/>
+            <a:p>
+              <a:r>
+                <a:t>1</a:t>
+              </a:r>
+            </a:p>
+          </dgm:t>
+        </dgm:pt>
+        <dgm:pt modelId="201" type="sibTrans" cxnId="5">
+          <dgm:prSet phldrT="2"/>
+          <dgm:t>
+            <a:bodyPr/>
+            <a:lstStyle/>
+            <a:p>
+              <a:r>
+                <a:t>2</a:t>
+              </a:r>
+            </a:p>
+          </dgm:t>
+        </dgm:pt>
+        <dgm:pt modelId="301" type="sibTrans" cxnId="6">
+          <dgm:prSet phldrT="3"/>
+          <dgm:t>
+            <a:bodyPr/>
+            <a:lstStyle/>
+            <a:p>
+              <a:r>
+                <a:t>3</a:t>
+              </a:r>
+            </a:p>
+          </dgm:t>
+        </dgm:pt>
+      </dgm:ptLst>
+      <dgm:cxnLst>
+        <dgm:cxn modelId="4" srcId="0" destId="1" srcOrd="0" destOrd="0" sibTransId="101"/>
+        <dgm:cxn modelId="5" srcId="0" destId="2" srcOrd="1" destOrd="0" sibTransId="201"/>
+        <dgm:cxn modelId="6" srcId="0" destId="3" srcOrd="2" destOrd="0" sibTransId="301"/>
+        <dgm:cxn modelId="13" srcId="1" destId="11" srcOrd="0" destOrd="0"/>
+        <dgm:cxn modelId="23" srcId="2" destId="21" srcOrd="0" destOrd="0"/>
+        <dgm:cxn modelId="33" srcId="3" destId="31" srcOrd="0" destOrd="0"/>
+      </dgm:cxnLst>
+      <dgm:bg/>
+      <dgm:whole/>
+    </dgm:dataModel>
+  </dgm:sampData>
+  <dgm:styleData>
+    <dgm:dataModel>
+      <dgm:ptLst>
+        <dgm:pt modelId="0" type="doc"/>
+        <dgm:pt modelId="1"/>
+        <dgm:pt modelId="11"/>
+        <dgm:pt modelId="2"/>
+        <dgm:pt modelId="21"/>
+      </dgm:ptLst>
+      <dgm:cxnLst>
+        <dgm:cxn modelId="4" srcId="0" destId="1" srcOrd="0" destOrd="0"/>
+        <dgm:cxn modelId="5" srcId="0" destId="2" srcOrd="1" destOrd="0"/>
+        <dgm:cxn modelId="13" srcId="1" destId="11" srcOrd="0" destOrd="0"/>
+        <dgm:cxn modelId="23" srcId="2" destId="21" srcOrd="0" destOrd="0"/>
+      </dgm:cxnLst>
+      <dgm:bg/>
+      <dgm:whole/>
+    </dgm:dataModel>
+  </dgm:styleData>
+  <dgm:clrData>
+    <dgm:dataModel>
+      <dgm:ptLst>
+        <dgm:pt modelId="0" type="doc"/>
+        <dgm:pt modelId="1"/>
+        <dgm:pt modelId="11"/>
+        <dgm:pt modelId="2"/>
+        <dgm:pt modelId="21"/>
+        <dgm:pt modelId="3"/>
+        <dgm:pt modelId="31"/>
+        <dgm:pt modelId="4"/>
+        <dgm:pt modelId="41"/>
+      </dgm:ptLst>
+      <dgm:cxnLst>
+        <dgm:cxn modelId="5" srcId="0" destId="1" srcOrd="0" destOrd="0"/>
+        <dgm:cxn modelId="6" srcId="0" destId="2" srcOrd="1" destOrd="0"/>
+        <dgm:cxn modelId="7" srcId="0" destId="3" srcOrd="2" destOrd="0"/>
+        <dgm:cxn modelId="8" srcId="0" destId="4" srcOrd="3" destOrd="0"/>
+        <dgm:cxn modelId="13" srcId="1" destId="11" srcOrd="0" destOrd="0"/>
+        <dgm:cxn modelId="23" srcId="2" destId="21" srcOrd="0" destOrd="0"/>
+        <dgm:cxn modelId="33" srcId="3" destId="31" srcOrd="0" destOrd="0"/>
+        <dgm:cxn modelId="43" srcId="4" destId="41" srcOrd="0" destOrd="0"/>
+      </dgm:cxnLst>
+      <dgm:bg/>
+      <dgm:whole/>
+    </dgm:dataModel>
+  </dgm:clrData>
+  <dgm:layoutNode name="Name0">
+    <dgm:varLst>
+      <dgm:animLvl val="lvl"/>
+      <dgm:resizeHandles val="exact"/>
+    </dgm:varLst>
+    <dgm:alg type="lin">
+      <dgm:param type="linDir" val="fromL"/>
+      <dgm:param type="nodeVertAlign" val="t"/>
+    </dgm:alg>
+    <dgm:shape xmlns:r="http://schemas.openxmlformats.org/officeDocument/2006/relationships" r:blip="">
+      <dgm:adjLst/>
+    </dgm:shape>
+    <dgm:presOf/>
+    <dgm:constrLst>
+      <dgm:constr type="h" for="ch" forName="compositeNode" refType="h"/>
+      <dgm:constr type="w" for="ch" forName="compositeNode" refType="w"/>
+      <dgm:constr type="w" for="des" forName="simulatedConn" refType="w" refFor="ch" refForName="compositeNode" fact="0.15"/>
+      <dgm:constr type="h" for="des" forName="simulatedConn" refType="w" refFor="des" refForName="simulatedConn"/>
+      <dgm:constr type="h" for="des" forName="vSp1" refType="w" refFor="ch" refForName="compositeNode" fact="0.8"/>
+      <dgm:constr type="h" for="des" forName="vSp2" refType="w" refFor="ch" refForName="compositeNode" fact="0.07"/>
+      <dgm:constr type="w" for="ch" forName="vProcSp" refType="w" refFor="des" refForName="simulatedConn" op="equ"/>
+      <dgm:constr type="h" for="ch" forName="vProcSp" refType="h" refFor="ch" refForName="compositeNode" op="equ"/>
+      <dgm:constr type="w" for="ch" forName="sibTrans" refType="w" refFor="ch" refForName="compositeNode" fact="0.1"/>
+      <dgm:constr type="primFontSz" for="des" forName="sibTransNodeCircle" op="equ"/>
+      <dgm:constr type="primFontSz" for="des" forName="nodeText" op="equ"/>
+      <dgm:constr type="h" for="des" forName="sibTransNodeCircle" op="equ"/>
+      <dgm:constr type="w" for="des" forName="sibTransNodeCircle" op="equ"/>
+    </dgm:constrLst>
+    <dgm:ruleLst>
+      <dgm:rule type="h" val="NaN" fact="1.2" max="NaN"/>
+    </dgm:ruleLst>
+    <dgm:forEach name="Name4" axis="ch" ptType="node">
+      <dgm:layoutNode name="compositeNode">
+        <dgm:varLst>
+          <dgm:bulletEnabled val="1"/>
+        </dgm:varLst>
+        <dgm:alg type="composite"/>
+        <dgm:constrLst>
+          <dgm:constr type="h" refType="w" op="lte" fact="1.4"/>
+          <dgm:constr type="w" for="ch" forName="bgRect" refType="w"/>
+          <dgm:constr type="h" for="ch" forName="bgRect" refType="h"/>
+          <dgm:constr type="t" for="ch" forName="bgRect"/>
+          <dgm:constr type="l" for="ch" forName="bgRect"/>
+          <dgm:constr type="h" for="ch" forName="sibTransNodeCircle" refType="h" refFor="ch" refForName="bgRect" fact="0.3"/>
+          <dgm:constr type="w" for="ch" forName="sibTransNodeCircle" refType="h" refFor="ch" refForName="sibTransNodeCircle"/>
+          <dgm:constr type="ctrX" for="ch" forName="sibTransNodeCircle" refType="w" fact="0.5"/>
+          <dgm:constr type="ctrY" for="ch" forName="sibTransNodeCircle" refType="h" fact="0.25"/>
+          <dgm:constr type="r" for="ch" forName="nodeText" refType="r" refFor="ch" refForName="bgRect"/>
+          <dgm:constr type="h" for="ch" forName="nodeText" refType="h" refFor="ch" refForName="bgRect" fact="0.6"/>
+          <dgm:constr type="t" for="ch" forName="nodeText" refType="h" refFor="ch" refForName="bgRect" fact="0.38"/>
+          <dgm:constr type="b" for="ch" forName="bottomLine" refType="b" refFor="ch" refForName="bgRect"/>
+          <dgm:constr type="w" for="ch" forName="bottomLine" refType="w" refFor="ch" refForName="bgRect"/>
+          <dgm:constr type="h" for="ch" forName="bottomLine" val="0.002"/>
+        </dgm:constrLst>
+        <dgm:ruleLst/>
+        <dgm:layoutNode name="bgRect" styleLbl="bgAccFollowNode1">
+          <dgm:alg type="sp"/>
+          <dgm:shape xmlns:r="http://schemas.openxmlformats.org/officeDocument/2006/relationships" type="rect" r:blip="">
+            <dgm:adjLst/>
+          </dgm:shape>
+          <dgm:presOf axis="self"/>
+          <dgm:constrLst/>
+          <dgm:ruleLst/>
+        </dgm:layoutNode>
+        <dgm:forEach name="Name19" axis="followSib" ptType="sibTrans" hideLastTrans="0" cnt="1">
+          <dgm:layoutNode name="sibTransNodeCircle" styleLbl="alignNode1">
+            <dgm:varLst>
+              <dgm:chMax val="0"/>
+              <dgm:bulletEnabled/>
+            </dgm:varLst>
+            <dgm:presOf axis="self" ptType="sibTrans"/>
+            <dgm:alg type="tx">
+              <dgm:param type="txAnchorVert" val="mid"/>
+              <dgm:param type="txAnchorHorzCh" val="ctr"/>
+            </dgm:alg>
+            <dgm:shape xmlns:r="http://schemas.openxmlformats.org/officeDocument/2006/relationships" type="ellipse" r:blip="">
+              <dgm:adjLst/>
+            </dgm:shape>
+            <dgm:constrLst>
+              <dgm:constr type="w" refType="h" op="lte"/>
+              <dgm:constr type="primFontSz" val="48"/>
+              <dgm:constr type="tMarg" val="1"/>
+              <dgm:constr type="lMarg" refType="w" fact="0.221"/>
+              <dgm:constr type="rMarg" refType="w" fact="0.221"/>
+              <dgm:constr type="bMarg" val="1"/>
+            </dgm:constrLst>
+            <dgm:ruleLst>
+              <dgm:rule type="primFontSz" val="14" fact="NaN" max="NaN"/>
+            </dgm:ruleLst>
+          </dgm:layoutNode>
+        </dgm:forEach>
+        <dgm:layoutNode name="bottomLine" styleLbl="alignNode1">
+          <dgm:varLst/>
+          <dgm:presOf/>
+          <dgm:alg type="sp"/>
+          <dgm:shape xmlns:r="http://schemas.openxmlformats.org/officeDocument/2006/relationships" type="rect" r:blip="">
+            <dgm:adjLst/>
+          </dgm:shape>
+          <dgm:constrLst/>
+          <dgm:ruleLst/>
+        </dgm:layoutNode>
+        <dgm:layoutNode name="nodeText" styleLbl="bgAccFollowNode1" moveWith="bgRect">
+          <dgm:varLst>
+            <dgm:bulletEnabled val="1"/>
+          </dgm:varLst>
+          <dgm:alg type="tx">
+            <dgm:param type="parTxLTRAlign" val="l"/>
+            <dgm:param type="parTxRTLAlign" val="r"/>
+            <dgm:param type="txAnchorVert" val="t"/>
+          </dgm:alg>
+          <dgm:shape xmlns:r="http://schemas.openxmlformats.org/officeDocument/2006/relationships" type="rect" r:blip="" zOrderOff="-1" hideGeom="1">
+            <dgm:adjLst/>
+          </dgm:shape>
+          <dgm:presOf axis="desOrSelf" ptType="node"/>
+          <dgm:constrLst>
+            <dgm:constr type="primFontSz" val="26"/>
+            <dgm:constr type="tMarg" val="26"/>
+            <dgm:constr type="lMarg" refType="w" fact="0.221"/>
+            <dgm:constr type="rMarg" refType="w" fact="0.221"/>
+            <dgm:constr type="bMarg" val="26"/>
+          </dgm:constrLst>
+          <dgm:ruleLst>
+            <dgm:rule type="primFontSz" val="11" fact="NaN" max="NaN"/>
+          </dgm:ruleLst>
+        </dgm:layoutNode>
+      </dgm:layoutNode>
+      <dgm:forEach name="Name14" axis="followSib" ptType="sibTrans" cnt="1">
+        <dgm:layoutNode name="sibTrans">
+          <dgm:alg type="sp"/>
+          <dgm:shape xmlns:r="http://schemas.openxmlformats.org/officeDocument/2006/relationships" r:blip="">
+            <dgm:adjLst/>
+          </dgm:shape>
+          <dgm:presOf/>
+          <dgm:constrLst/>
+          <dgm:ruleLst/>
+        </dgm:layoutNode>
+      </dgm:forEach>
+    </dgm:forEach>
+  </dgm:layoutNode>
+  <dgm:extLst>
+    <a:ext uri="{4F341089-5ED1-44EC-B178-C955D00A3D55}">
+      <dgm1611:autoBuNodeInfoLst xmlns:dgm1611="http://schemas.microsoft.com/office/drawing/2016/11/diagram">
+        <dgm1611:autoBuNodeInfo lvl="1" ptType="sibTrans">
+          <dgm1611:buPr prefix="" leadZeros="0">
+            <a:buAutoNum type="arabicParenBoth"/>
+          </dgm1611:buPr>
+        </dgm1611:autoBuNodeInfo>
+      </dgm1611:autoBuNodeInfoLst>
+    </a:ext>
+  </dgm:extLst>
+</dgm:layoutDef>
+</file>
+
+<file path=ppt/diagrams/layout5.xml><?xml version="1.0" encoding="utf-8"?>
+<dgm:layoutDef xmlns:dgm="http://schemas.openxmlformats.org/drawingml/2006/diagram" xmlns:a="http://schemas.openxmlformats.org/drawingml/2006/main" uniqueId="urn:microsoft.com/office/officeart/2005/8/layout/hList1">
+  <dgm:title val=""/>
+  <dgm:desc val=""/>
+  <dgm:catLst>
+    <dgm:cat type="list" pri="5000"/>
+    <dgm:cat type="convert" pri="5000"/>
+  </dgm:catLst>
+  <dgm:sampData>
+    <dgm:dataModel>
+      <dgm:ptLst>
+        <dgm:pt modelId="0" type="doc"/>
+        <dgm:pt modelId="1">
+          <dgm:prSet phldr="1"/>
+        </dgm:pt>
+        <dgm:pt modelId="11">
+          <dgm:prSet phldr="1"/>
+        </dgm:pt>
+        <dgm:pt modelId="12">
           <dgm:prSet phldr="1"/>
         </dgm:pt>
         <dgm:pt modelId="2">
@@ -8593,14 +11131,20 @@
         <dgm:pt modelId="31">
           <dgm:prSet phldr="1"/>
         </dgm:pt>
+        <dgm:pt modelId="32">
+          <dgm:prSet phldr="1"/>
+        </dgm:pt>
       </dgm:ptLst>
       <dgm:cxnLst>
         <dgm:cxn modelId="4" srcId="0" destId="1" srcOrd="0" destOrd="0"/>
-        <dgm:cxn modelId="5" srcId="1" destId="2" srcOrd="0" destOrd="0"/>
-        <dgm:cxn modelId="6" srcId="1" destId="3" srcOrd="1" destOrd="0"/>
+        <dgm:cxn modelId="5" srcId="0" destId="2" srcOrd="1" destOrd="0"/>
+        <dgm:cxn modelId="6" srcId="0" destId="3" srcOrd="2" destOrd="0"/>
+        <dgm:cxn modelId="13" srcId="1" destId="11" srcOrd="0" destOrd="0"/>
+        <dgm:cxn modelId="14" srcId="1" destId="12" srcOrd="1" destOrd="0"/>
         <dgm:cxn modelId="23" srcId="2" destId="21" srcOrd="0" destOrd="0"/>
         <dgm:cxn modelId="24" srcId="2" destId="22" srcOrd="1" destOrd="0"/>
         <dgm:cxn modelId="33" srcId="3" destId="31" srcOrd="0" destOrd="0"/>
+        <dgm:cxn modelId="34" srcId="3" destId="32" srcOrd="1" destOrd="0"/>
       </dgm:cxnLst>
       <dgm:bg/>
       <dgm:whole/>
@@ -8610,14 +11154,16 @@
     <dgm:dataModel>
       <dgm:ptLst>
         <dgm:pt modelId="0" type="doc"/>
-        <dgm:pt modelId="1"/>
-        <dgm:pt modelId="11"/>
-        <dgm:pt modelId="12"/>
+        <dgm:pt modelId="1">
+          <dgm:prSet phldr="1"/>
+        </dgm:pt>
+        <dgm:pt modelId="2">
+          <dgm:prSet phldr="1"/>
+        </dgm:pt>
       </dgm:ptLst>
       <dgm:cxnLst>
-        <dgm:cxn modelId="2" srcId="0" destId="1" srcOrd="0" destOrd="0"/>
-        <dgm:cxn modelId="13" srcId="1" destId="11" srcOrd="0" destOrd="0"/>
-        <dgm:cxn modelId="14" srcId="1" destId="12" srcOrd="1" destOrd="0"/>
+        <dgm:cxn modelId="3" srcId="0" destId="1" srcOrd="0" destOrd="0"/>
+        <dgm:cxn modelId="4" srcId="0" destId="2" srcOrd="1" destOrd="0"/>
       </dgm:cxnLst>
       <dgm:bg/>
       <dgm:whole/>
@@ -8627,43 +11173,41 @@
     <dgm:dataModel>
       <dgm:ptLst>
         <dgm:pt modelId="0" type="doc"/>
-        <dgm:pt modelId="1"/>
-        <dgm:pt modelId="2"/>
-        <dgm:pt modelId="21"/>
-        <dgm:pt modelId="211"/>
-        <dgm:pt modelId="3"/>
-        <dgm:pt modelId="31"/>
-        <dgm:pt modelId="311"/>
+        <dgm:pt modelId="1">
+          <dgm:prSet phldr="1"/>
+        </dgm:pt>
+        <dgm:pt modelId="2">
+          <dgm:prSet phldr="1"/>
+        </dgm:pt>
+        <dgm:pt modelId="3">
+          <dgm:prSet phldr="1"/>
+        </dgm:pt>
+        <dgm:pt modelId="4">
+          <dgm:prSet phldr="1"/>
+        </dgm:pt>
       </dgm:ptLst>
       <dgm:cxnLst>
-        <dgm:cxn modelId="4" srcId="0" destId="1" srcOrd="0" destOrd="0"/>
-        <dgm:cxn modelId="5" srcId="1" destId="2" srcOrd="0" destOrd="0"/>
-        <dgm:cxn modelId="6" srcId="1" destId="3" srcOrd="1" destOrd="0"/>
-        <dgm:cxn modelId="23" srcId="2" destId="21" srcOrd="0" destOrd="0"/>
-        <dgm:cxn modelId="24" srcId="21" destId="211" srcOrd="0" destOrd="0"/>
-        <dgm:cxn modelId="33" srcId="3" destId="31" srcOrd="0" destOrd="0"/>
-        <dgm:cxn modelId="34" srcId="31" destId="311" srcOrd="0" destOrd="0"/>
+        <dgm:cxn modelId="5" srcId="0" destId="1" srcOrd="0" destOrd="0"/>
+        <dgm:cxn modelId="6" srcId="0" destId="2" srcOrd="1" destOrd="0"/>
+        <dgm:cxn modelId="7" srcId="0" destId="3" srcOrd="2" destOrd="0"/>
+        <dgm:cxn modelId="8" srcId="0" destId="4" srcOrd="3" destOrd="0"/>
       </dgm:cxnLst>
       <dgm:bg/>
       <dgm:whole/>
     </dgm:dataModel>
   </dgm:clrData>
-  <dgm:layoutNode name="hierChild1">
+  <dgm:layoutNode name="Name0">
     <dgm:varLst>
-      <dgm:chPref val="1"/>
       <dgm:dir/>
-      <dgm:animOne val="branch"/>
       <dgm:animLvl val="lvl"/>
-      <dgm:resizeHandles/>
+      <dgm:resizeHandles val="exact"/>
     </dgm:varLst>
-    <dgm:choose name="Name0">
-      <dgm:if name="Name1" func="var" arg="dir" op="equ" val="norm">
-        <dgm:alg type="hierChild">
-          <dgm:param type="linDir" val="fromL"/>
-        </dgm:alg>
+    <dgm:choose name="Name1">
+      <dgm:if name="Name2" func="var" arg="dir" op="equ" val="norm">
+        <dgm:alg type="lin"/>
       </dgm:if>
-      <dgm:else name="Name2">
-        <dgm:alg type="hierChild">
+      <dgm:else name="Name3">
+        <dgm:alg type="lin">
           <dgm:param type="linDir" val="fromR"/>
         </dgm:alg>
       </dgm:else>
@@ -8673,453 +11217,94 @@
     </dgm:shape>
     <dgm:presOf/>
     <dgm:constrLst>
-      <dgm:constr type="primFontSz" for="des" ptType="node" op="equ" val="65"/>
-      <dgm:constr type="w" for="des" forName="composite" refType="w"/>
-      <dgm:constr type="h" for="des" forName="composite" refType="w" refFor="des" refForName="composite" fact="0.667"/>
-      <dgm:constr type="w" for="des" forName="composite2" refType="w" refFor="des" refForName="composite"/>
-      <dgm:constr type="h" for="des" forName="composite2" refType="h" refFor="des" refForName="composite"/>
-      <dgm:constr type="w" for="des" forName="composite3" refType="w" refFor="des" refForName="composite"/>
-      <dgm:constr type="h" for="des" forName="composite3" refType="h" refFor="des" refForName="composite"/>
-      <dgm:constr type="w" for="des" forName="composite4" refType="w" refFor="des" refForName="composite"/>
-      <dgm:constr type="h" for="des" forName="composite4" refType="h" refFor="des" refForName="composite"/>
-      <dgm:constr type="w" for="des" forName="composite5" refType="w" refFor="des" refForName="composite"/>
-      <dgm:constr type="h" for="des" forName="composite5" refType="h" refFor="des" refForName="composite"/>
-      <dgm:constr type="sibSp" refType="w" refFor="des" refForName="composite" fact="0.1"/>
-      <dgm:constr type="sibSp" for="des" forName="hierChild2" refType="sibSp"/>
-      <dgm:constr type="sibSp" for="des" forName="hierChild3" refType="sibSp"/>
-      <dgm:constr type="sibSp" for="des" forName="hierChild4" refType="sibSp"/>
-      <dgm:constr type="sibSp" for="des" forName="hierChild5" refType="sibSp"/>
-      <dgm:constr type="sibSp" for="des" forName="hierChild6" refType="sibSp"/>
-      <dgm:constr type="sp" for="des" forName="hierRoot1" refType="h" refFor="des" refForName="composite" fact="0.25"/>
-      <dgm:constr type="sp" for="des" forName="hierRoot2" refType="sp" refFor="des" refForName="hierRoot1"/>
-      <dgm:constr type="sp" for="des" forName="hierRoot3" refType="sp" refFor="des" refForName="hierRoot1"/>
-      <dgm:constr type="sp" for="des" forName="hierRoot4" refType="sp" refFor="des" refForName="hierRoot1"/>
-      <dgm:constr type="sp" for="des" forName="hierRoot5" refType="sp" refFor="des" refForName="hierRoot1"/>
+      <dgm:constr type="h" for="ch" forName="composite" refType="h"/>
+      <dgm:constr type="w" for="ch" forName="composite" refType="w"/>
+      <dgm:constr type="w" for="des" forName="parTx"/>
+      <dgm:constr type="h" for="des" forName="parTx" op="equ"/>
+      <dgm:constr type="w" for="des" forName="desTx"/>
+      <dgm:constr type="h" for="des" forName="desTx" op="equ"/>
+      <dgm:constr type="primFontSz" for="des" forName="parTx" val="65"/>
+      <dgm:constr type="secFontSz" for="des" forName="desTx" refType="primFontSz" refFor="des" refForName="parTx" op="equ"/>
+      <dgm:constr type="h" for="des" forName="parTx" refType="primFontSz" refFor="des" refForName="parTx" fact="0.8"/>
+      <dgm:constr type="h" for="des" forName="desTx" refType="primFontSz" refFor="des" refForName="parTx" fact="1.22"/>
+      <dgm:constr type="w" for="ch" forName="space" refType="w" refFor="ch" refForName="composite" op="equ" fact="0.14"/>
     </dgm:constrLst>
-    <dgm:ruleLst/>
-    <dgm:forEach name="Name3" axis="ch">
-      <dgm:forEach name="Name4" axis="self" ptType="node">
-        <dgm:layoutNode name="hierRoot1">
-          <dgm:alg type="hierRoot"/>
+    <dgm:ruleLst>
+      <dgm:rule type="w" for="ch" forName="composite" val="0" fact="NaN" max="NaN"/>
+      <dgm:rule type="primFontSz" for="des" forName="parTx" val="5" fact="NaN" max="NaN"/>
+    </dgm:ruleLst>
+    <dgm:forEach name="Name4" axis="ch" ptType="node">
+      <dgm:layoutNode name="composite">
+        <dgm:alg type="composite"/>
+        <dgm:shape xmlns:r="http://schemas.openxmlformats.org/officeDocument/2006/relationships" r:blip="">
+          <dgm:adjLst/>
+        </dgm:shape>
+        <dgm:presOf/>
+        <dgm:constrLst>
+          <dgm:constr type="l" for="ch" forName="parTx"/>
+          <dgm:constr type="w" for="ch" forName="parTx" refType="w"/>
+          <dgm:constr type="t" for="ch" forName="parTx"/>
+          <dgm:constr type="l" for="ch" forName="desTx"/>
+          <dgm:constr type="w" for="ch" forName="desTx" refType="w" refFor="ch" refForName="parTx"/>
+          <dgm:constr type="t" for="ch" forName="desTx" refType="h" refFor="ch" refForName="parTx"/>
+        </dgm:constrLst>
+        <dgm:ruleLst>
+          <dgm:rule type="h" val="INF" fact="NaN" max="NaN"/>
+        </dgm:ruleLst>
+        <dgm:layoutNode name="parTx" styleLbl="alignNode1">
+          <dgm:varLst>
+            <dgm:chMax val="0"/>
+            <dgm:chPref val="0"/>
+            <dgm:bulletEnabled val="1"/>
+          </dgm:varLst>
+          <dgm:alg type="tx"/>
+          <dgm:shape xmlns:r="http://schemas.openxmlformats.org/officeDocument/2006/relationships" type="rect" r:blip="">
+            <dgm:adjLst/>
+          </dgm:shape>
+          <dgm:presOf axis="self" ptType="node"/>
+          <dgm:constrLst>
+            <dgm:constr type="h" refType="w" op="lte" fact="0.4"/>
+            <dgm:constr type="h"/>
+            <dgm:constr type="tMarg" refType="primFontSz" fact="0.32"/>
+            <dgm:constr type="bMarg" refType="primFontSz" fact="0.32"/>
+          </dgm:constrLst>
+          <dgm:ruleLst>
+            <dgm:rule type="h" val="INF" fact="NaN" max="NaN"/>
+          </dgm:ruleLst>
+        </dgm:layoutNode>
+        <dgm:layoutNode name="desTx" styleLbl="alignAccFollowNode1">
+          <dgm:varLst>
+            <dgm:bulletEnabled val="1"/>
+          </dgm:varLst>
+          <dgm:alg type="tx">
+            <dgm:param type="stBulletLvl" val="1"/>
+          </dgm:alg>
+          <dgm:shape xmlns:r="http://schemas.openxmlformats.org/officeDocument/2006/relationships" type="rect" r:blip="">
+            <dgm:adjLst/>
+          </dgm:shape>
+          <dgm:presOf axis="des" ptType="node"/>
+          <dgm:constrLst>
+            <dgm:constr type="secFontSz" val="65"/>
+            <dgm:constr type="primFontSz" refType="secFontSz"/>
+            <dgm:constr type="h"/>
+            <dgm:constr type="lMarg" refType="primFontSz" fact="0.42"/>
+            <dgm:constr type="tMarg" refType="primFontSz" fact="0.42"/>
+            <dgm:constr type="bMarg" refType="primFontSz" fact="0.63"/>
+          </dgm:constrLst>
+          <dgm:ruleLst>
+            <dgm:rule type="h" val="INF" fact="NaN" max="NaN"/>
+          </dgm:ruleLst>
+        </dgm:layoutNode>
+      </dgm:layoutNode>
+      <dgm:forEach name="Name5" axis="followSib" ptType="sibTrans" cnt="1">
+        <dgm:layoutNode name="space">
+          <dgm:alg type="sp"/>
           <dgm:shape xmlns:r="http://schemas.openxmlformats.org/officeDocument/2006/relationships" r:blip="">
             <dgm:adjLst/>
           </dgm:shape>
           <dgm:presOf/>
-          <dgm:constrLst>
-            <dgm:constr type="bendDist" for="des" ptType="parTrans" refType="sp" fact="0.5"/>
-          </dgm:constrLst>
+          <dgm:constrLst/>
           <dgm:ruleLst/>
-          <dgm:layoutNode name="composite">
-            <dgm:alg type="composite"/>
-            <dgm:shape xmlns:r="http://schemas.openxmlformats.org/officeDocument/2006/relationships" r:blip="">
-              <dgm:adjLst/>
-            </dgm:shape>
-            <dgm:presOf/>
-            <dgm:constrLst>
-              <dgm:constr type="w" for="ch" forName="background" refType="w" fact="0.9"/>
-              <dgm:constr type="h" for="ch" forName="background" refType="w" refFor="ch" refForName="background" fact="0.635"/>
-              <dgm:constr type="t" for="ch" forName="background"/>
-              <dgm:constr type="l" for="ch" forName="background"/>
-              <dgm:constr type="w" for="ch" forName="text" refType="w" fact="0.9"/>
-              <dgm:constr type="h" for="ch" forName="text" refType="w" refFor="ch" refForName="text" fact="0.635"/>
-              <dgm:constr type="t" for="ch" forName="text" refType="w" fact="0.095"/>
-              <dgm:constr type="l" for="ch" forName="text" refType="w" fact="0.1"/>
-            </dgm:constrLst>
-            <dgm:ruleLst/>
-            <dgm:layoutNode name="background" styleLbl="node0" moveWith="text">
-              <dgm:alg type="sp"/>
-              <dgm:shape xmlns:r="http://schemas.openxmlformats.org/officeDocument/2006/relationships" type="roundRect" r:blip="">
-                <dgm:adjLst>
-                  <dgm:adj idx="1" val="0.1"/>
-                </dgm:adjLst>
-              </dgm:shape>
-              <dgm:presOf/>
-              <dgm:constrLst/>
-              <dgm:ruleLst/>
-            </dgm:layoutNode>
-            <dgm:layoutNode name="text" styleLbl="fgAcc0">
-              <dgm:varLst>
-                <dgm:chPref val="3"/>
-              </dgm:varLst>
-              <dgm:alg type="tx"/>
-              <dgm:shape xmlns:r="http://schemas.openxmlformats.org/officeDocument/2006/relationships" type="roundRect" r:blip="">
-                <dgm:adjLst>
-                  <dgm:adj idx="1" val="0.1"/>
-                </dgm:adjLst>
-              </dgm:shape>
-              <dgm:presOf axis="self"/>
-              <dgm:constrLst>
-                <dgm:constr type="tMarg" refType="primFontSz" fact="0.3"/>
-                <dgm:constr type="bMarg" refType="primFontSz" fact="0.3"/>
-                <dgm:constr type="lMarg" refType="primFontSz" fact="0.3"/>
-                <dgm:constr type="rMarg" refType="primFontSz" fact="0.3"/>
-              </dgm:constrLst>
-              <dgm:ruleLst>
-                <dgm:rule type="primFontSz" val="5" fact="NaN" max="NaN"/>
-              </dgm:ruleLst>
-            </dgm:layoutNode>
-          </dgm:layoutNode>
-          <dgm:layoutNode name="hierChild2">
-            <dgm:choose name="Name5">
-              <dgm:if name="Name6" func="var" arg="dir" op="equ" val="norm">
-                <dgm:alg type="hierChild">
-                  <dgm:param type="linDir" val="fromL"/>
-                </dgm:alg>
-              </dgm:if>
-              <dgm:else name="Name7">
-                <dgm:alg type="hierChild">
-                  <dgm:param type="linDir" val="fromR"/>
-                </dgm:alg>
-              </dgm:else>
-            </dgm:choose>
-            <dgm:shape xmlns:r="http://schemas.openxmlformats.org/officeDocument/2006/relationships" r:blip="">
-              <dgm:adjLst/>
-            </dgm:shape>
-            <dgm:presOf/>
-            <dgm:constrLst/>
-            <dgm:ruleLst/>
-            <dgm:forEach name="Name8" axis="ch">
-              <dgm:forEach name="Name9" axis="self" ptType="parTrans" cnt="1">
-                <dgm:layoutNode name="Name10">
-                  <dgm:alg type="conn">
-                    <dgm:param type="dim" val="1D"/>
-                    <dgm:param type="endSty" val="noArr"/>
-                    <dgm:param type="connRout" val="bend"/>
-                    <dgm:param type="bendPt" val="end"/>
-                    <dgm:param type="begPts" val="bCtr"/>
-                    <dgm:param type="endPts" val="tCtr"/>
-                    <dgm:param type="srcNode" val="background"/>
-                    <dgm:param type="dstNode" val="background2"/>
-                  </dgm:alg>
-                  <dgm:shape xmlns:r="http://schemas.openxmlformats.org/officeDocument/2006/relationships" type="conn" r:blip="" zOrderOff="-999">
-                    <dgm:adjLst/>
-                  </dgm:shape>
-                  <dgm:presOf axis="self"/>
-                  <dgm:constrLst>
-                    <dgm:constr type="begPad"/>
-                    <dgm:constr type="endPad"/>
-                  </dgm:constrLst>
-                  <dgm:ruleLst/>
-                </dgm:layoutNode>
-              </dgm:forEach>
-              <dgm:forEach name="Name11" axis="self" ptType="node">
-                <dgm:layoutNode name="hierRoot2">
-                  <dgm:alg type="hierRoot"/>
-                  <dgm:shape xmlns:r="http://schemas.openxmlformats.org/officeDocument/2006/relationships" r:blip="">
-                    <dgm:adjLst/>
-                  </dgm:shape>
-                  <dgm:presOf/>
-                  <dgm:constrLst>
-                    <dgm:constr type="bendDist" for="des" ptType="parTrans" refType="sp" fact="0.5"/>
-                  </dgm:constrLst>
-                  <dgm:ruleLst/>
-                  <dgm:layoutNode name="composite2">
-                    <dgm:alg type="composite"/>
-                    <dgm:shape xmlns:r="http://schemas.openxmlformats.org/officeDocument/2006/relationships" r:blip="">
-                      <dgm:adjLst/>
-                    </dgm:shape>
-                    <dgm:presOf/>
-                    <dgm:constrLst>
-                      <dgm:constr type="w" for="ch" forName="background2" refType="w" fact="0.9"/>
-                      <dgm:constr type="h" for="ch" forName="background2" refType="w" refFor="ch" refForName="background2" fact="0.635"/>
-                      <dgm:constr type="t" for="ch" forName="background2"/>
-                      <dgm:constr type="l" for="ch" forName="background2"/>
-                      <dgm:constr type="w" for="ch" forName="text2" refType="w" fact="0.9"/>
-                      <dgm:constr type="h" for="ch" forName="text2" refType="w" refFor="ch" refForName="text2" fact="0.635"/>
-                      <dgm:constr type="t" for="ch" forName="text2" refType="w" fact="0.095"/>
-                      <dgm:constr type="l" for="ch" forName="text2" refType="w" fact="0.1"/>
-                    </dgm:constrLst>
-                    <dgm:ruleLst/>
-                    <dgm:layoutNode name="background2" moveWith="text2">
-                      <dgm:alg type="sp"/>
-                      <dgm:shape xmlns:r="http://schemas.openxmlformats.org/officeDocument/2006/relationships" type="roundRect" r:blip="">
-                        <dgm:adjLst>
-                          <dgm:adj idx="1" val="0.1"/>
-                        </dgm:adjLst>
-                      </dgm:shape>
-                      <dgm:presOf/>
-                      <dgm:constrLst/>
-                      <dgm:ruleLst/>
-                    </dgm:layoutNode>
-                    <dgm:layoutNode name="text2" styleLbl="fgAcc2">
-                      <dgm:varLst>
-                        <dgm:chPref val="3"/>
-                      </dgm:varLst>
-                      <dgm:alg type="tx"/>
-                      <dgm:shape xmlns:r="http://schemas.openxmlformats.org/officeDocument/2006/relationships" type="roundRect" r:blip="">
-                        <dgm:adjLst>
-                          <dgm:adj idx="1" val="0.1"/>
-                        </dgm:adjLst>
-                      </dgm:shape>
-                      <dgm:presOf axis="self"/>
-                      <dgm:constrLst>
-                        <dgm:constr type="tMarg" refType="primFontSz" fact="0.3"/>
-                        <dgm:constr type="bMarg" refType="primFontSz" fact="0.3"/>
-                        <dgm:constr type="lMarg" refType="primFontSz" fact="0.3"/>
-                        <dgm:constr type="rMarg" refType="primFontSz" fact="0.3"/>
-                      </dgm:constrLst>
-                      <dgm:ruleLst>
-                        <dgm:rule type="primFontSz" val="5" fact="NaN" max="NaN"/>
-                      </dgm:ruleLst>
-                    </dgm:layoutNode>
-                  </dgm:layoutNode>
-                  <dgm:layoutNode name="hierChild3">
-                    <dgm:choose name="Name12">
-                      <dgm:if name="Name13" func="var" arg="dir" op="equ" val="norm">
-                        <dgm:alg type="hierChild">
-                          <dgm:param type="linDir" val="fromL"/>
-                        </dgm:alg>
-                      </dgm:if>
-                      <dgm:else name="Name14">
-                        <dgm:alg type="hierChild">
-                          <dgm:param type="linDir" val="fromR"/>
-                        </dgm:alg>
-                      </dgm:else>
-                    </dgm:choose>
-                    <dgm:shape xmlns:r="http://schemas.openxmlformats.org/officeDocument/2006/relationships" r:blip="">
-                      <dgm:adjLst/>
-                    </dgm:shape>
-                    <dgm:presOf/>
-                    <dgm:constrLst/>
-                    <dgm:ruleLst/>
-                    <dgm:forEach name="Name15" axis="ch">
-                      <dgm:forEach name="Name16" axis="self" ptType="parTrans" cnt="1">
-                        <dgm:layoutNode name="Name17">
-                          <dgm:alg type="conn">
-                            <dgm:param type="dim" val="1D"/>
-                            <dgm:param type="endSty" val="noArr"/>
-                            <dgm:param type="connRout" val="bend"/>
-                            <dgm:param type="bendPt" val="end"/>
-                            <dgm:param type="begPts" val="bCtr"/>
-                            <dgm:param type="endPts" val="tCtr"/>
-                            <dgm:param type="srcNode" val="background2"/>
-                            <dgm:param type="dstNode" val="background3"/>
-                          </dgm:alg>
-                          <dgm:shape xmlns:r="http://schemas.openxmlformats.org/officeDocument/2006/relationships" type="conn" r:blip="" zOrderOff="-999">
-                            <dgm:adjLst/>
-                          </dgm:shape>
-                          <dgm:presOf axis="self"/>
-                          <dgm:constrLst>
-                            <dgm:constr type="begPad"/>
-                            <dgm:constr type="endPad"/>
-                          </dgm:constrLst>
-                          <dgm:ruleLst/>
-                        </dgm:layoutNode>
-                      </dgm:forEach>
-                      <dgm:forEach name="Name18" axis="self" ptType="node">
-                        <dgm:layoutNode name="hierRoot3">
-                          <dgm:alg type="hierRoot"/>
-                          <dgm:shape xmlns:r="http://schemas.openxmlformats.org/officeDocument/2006/relationships" r:blip="">
-                            <dgm:adjLst/>
-                          </dgm:shape>
-                          <dgm:presOf/>
-                          <dgm:constrLst>
-                            <dgm:constr type="bendDist" for="des" ptType="parTrans" refType="sp" fact="0.5"/>
-                          </dgm:constrLst>
-                          <dgm:ruleLst/>
-                          <dgm:layoutNode name="composite3">
-                            <dgm:alg type="composite"/>
-                            <dgm:shape xmlns:r="http://schemas.openxmlformats.org/officeDocument/2006/relationships" r:blip="">
-                              <dgm:adjLst/>
-                            </dgm:shape>
-                            <dgm:presOf/>
-                            <dgm:constrLst>
-                              <dgm:constr type="w" for="ch" forName="background3" refType="w" fact="0.9"/>
-                              <dgm:constr type="h" for="ch" forName="background3" refType="w" refFor="ch" refForName="background3" fact="0.635"/>
-                              <dgm:constr type="t" for="ch" forName="background3"/>
-                              <dgm:constr type="l" for="ch" forName="background3"/>
-                              <dgm:constr type="w" for="ch" forName="text3" refType="w" fact="0.9"/>
-                              <dgm:constr type="h" for="ch" forName="text3" refType="w" refFor="ch" refForName="text3" fact="0.635"/>
-                              <dgm:constr type="t" for="ch" forName="text3" refType="w" fact="0.095"/>
-                              <dgm:constr type="l" for="ch" forName="text3" refType="w" fact="0.1"/>
-                            </dgm:constrLst>
-                            <dgm:ruleLst/>
-                            <dgm:layoutNode name="background3" moveWith="text3">
-                              <dgm:alg type="sp"/>
-                              <dgm:shape xmlns:r="http://schemas.openxmlformats.org/officeDocument/2006/relationships" type="roundRect" r:blip="">
-                                <dgm:adjLst>
-                                  <dgm:adj idx="1" val="0.1"/>
-                                </dgm:adjLst>
-                              </dgm:shape>
-                              <dgm:presOf/>
-                              <dgm:constrLst/>
-                              <dgm:ruleLst/>
-                            </dgm:layoutNode>
-                            <dgm:layoutNode name="text3" styleLbl="fgAcc3">
-                              <dgm:varLst>
-                                <dgm:chPref val="3"/>
-                              </dgm:varLst>
-                              <dgm:alg type="tx"/>
-                              <dgm:shape xmlns:r="http://schemas.openxmlformats.org/officeDocument/2006/relationships" type="roundRect" r:blip="">
-                                <dgm:adjLst>
-                                  <dgm:adj idx="1" val="0.1"/>
-                                </dgm:adjLst>
-                              </dgm:shape>
-                              <dgm:presOf axis="self"/>
-                              <dgm:constrLst>
-                                <dgm:constr type="tMarg" refType="primFontSz" fact="0.3"/>
-                                <dgm:constr type="bMarg" refType="primFontSz" fact="0.3"/>
-                                <dgm:constr type="lMarg" refType="primFontSz" fact="0.3"/>
-                                <dgm:constr type="rMarg" refType="primFontSz" fact="0.3"/>
-                              </dgm:constrLst>
-                              <dgm:ruleLst>
-                                <dgm:rule type="primFontSz" val="5" fact="NaN" max="NaN"/>
-                              </dgm:ruleLst>
-                            </dgm:layoutNode>
-                          </dgm:layoutNode>
-                          <dgm:layoutNode name="hierChild4">
-                            <dgm:choose name="Name19">
-                              <dgm:if name="Name20" func="var" arg="dir" op="equ" val="norm">
-                                <dgm:alg type="hierChild">
-                                  <dgm:param type="linDir" val="fromL"/>
-                                </dgm:alg>
-                              </dgm:if>
-                              <dgm:else name="Name21">
-                                <dgm:alg type="hierChild">
-                                  <dgm:param type="linDir" val="fromR"/>
-                                </dgm:alg>
-                              </dgm:else>
-                            </dgm:choose>
-                            <dgm:shape xmlns:r="http://schemas.openxmlformats.org/officeDocument/2006/relationships" r:blip="">
-                              <dgm:adjLst/>
-                            </dgm:shape>
-                            <dgm:presOf/>
-                            <dgm:constrLst/>
-                            <dgm:ruleLst/>
-                            <dgm:forEach name="repeat" axis="ch">
-                              <dgm:forEach name="Name22" axis="self" ptType="parTrans" cnt="1">
-                                <dgm:layoutNode name="Name23">
-                                  <dgm:choose name="Name24">
-                                    <dgm:if name="Name25" axis="self" func="depth" op="lte" val="4">
-                                      <dgm:alg type="conn">
-                                        <dgm:param type="dim" val="1D"/>
-                                        <dgm:param type="endSty" val="noArr"/>
-                                        <dgm:param type="connRout" val="bend"/>
-                                        <dgm:param type="bendPt" val="end"/>
-                                        <dgm:param type="begPts" val="bCtr"/>
-                                        <dgm:param type="endPts" val="tCtr"/>
-                                        <dgm:param type="srcNode" val="background3"/>
-                                        <dgm:param type="dstNode" val="background4"/>
-                                      </dgm:alg>
-                                    </dgm:if>
-                                    <dgm:else name="Name26">
-                                      <dgm:alg type="conn">
-                                        <dgm:param type="dim" val="1D"/>
-                                        <dgm:param type="endSty" val="noArr"/>
-                                        <dgm:param type="connRout" val="bend"/>
-                                        <dgm:param type="bendPt" val="end"/>
-                                        <dgm:param type="begPts" val="bCtr"/>
-                                        <dgm:param type="endPts" val="tCtr"/>
-                                        <dgm:param type="srcNode" val="background4"/>
-                                        <dgm:param type="dstNode" val="background4"/>
-                                      </dgm:alg>
-                                    </dgm:else>
-                                  </dgm:choose>
-                                  <dgm:shape xmlns:r="http://schemas.openxmlformats.org/officeDocument/2006/relationships" type="conn" r:blip="" zOrderOff="-999">
-                                    <dgm:adjLst/>
-                                  </dgm:shape>
-                                  <dgm:presOf axis="self"/>
-                                  <dgm:constrLst>
-                                    <dgm:constr type="begPad"/>
-                                    <dgm:constr type="endPad"/>
-                                  </dgm:constrLst>
-                                  <dgm:ruleLst/>
-                                </dgm:layoutNode>
-                              </dgm:forEach>
-                              <dgm:forEach name="Name27" axis="self" ptType="node">
-                                <dgm:layoutNode name="hierRoot4">
-                                  <dgm:alg type="hierRoot"/>
-                                  <dgm:shape xmlns:r="http://schemas.openxmlformats.org/officeDocument/2006/relationships" r:blip="">
-                                    <dgm:adjLst/>
-                                  </dgm:shape>
-                                  <dgm:presOf/>
-                                  <dgm:constrLst>
-                                    <dgm:constr type="bendDist" for="des" ptType="parTrans" refType="sp" fact="0.5"/>
-                                  </dgm:constrLst>
-                                  <dgm:ruleLst/>
-                                  <dgm:layoutNode name="composite4">
-                                    <dgm:alg type="composite"/>
-                                    <dgm:shape xmlns:r="http://schemas.openxmlformats.org/officeDocument/2006/relationships" r:blip="">
-                                      <dgm:adjLst/>
-                                    </dgm:shape>
-                                    <dgm:presOf/>
-                                    <dgm:constrLst>
-                                      <dgm:constr type="w" for="ch" forName="background4" refType="w" fact="0.9"/>
-                                      <dgm:constr type="h" for="ch" forName="background4" refType="w" refFor="ch" refForName="background4" fact="0.635"/>
-                                      <dgm:constr type="t" for="ch" forName="background4"/>
-                                      <dgm:constr type="l" for="ch" forName="background4"/>
-                                      <dgm:constr type="w" for="ch" forName="text4" refType="w" fact="0.9"/>
-                                      <dgm:constr type="h" for="ch" forName="text4" refType="w" refFor="ch" refForName="text4" fact="0.635"/>
-                                      <dgm:constr type="t" for="ch" forName="text4" refType="w" fact="0.095"/>
-                                      <dgm:constr type="l" for="ch" forName="text4" refType="w" fact="0.1"/>
-                                    </dgm:constrLst>
-                                    <dgm:ruleLst/>
-                                    <dgm:layoutNode name="background4" moveWith="text4">
-                                      <dgm:alg type="sp"/>
-                                      <dgm:shape xmlns:r="http://schemas.openxmlformats.org/officeDocument/2006/relationships" type="roundRect" r:blip="">
-                                        <dgm:adjLst>
-                                          <dgm:adj idx="1" val="0.1"/>
-                                        </dgm:adjLst>
-                                      </dgm:shape>
-                                      <dgm:presOf/>
-                                      <dgm:constrLst/>
-                                      <dgm:ruleLst/>
-                                    </dgm:layoutNode>
-                                    <dgm:layoutNode name="text4" styleLbl="fgAcc4">
-                                      <dgm:varLst>
-                                        <dgm:chPref val="3"/>
-                                      </dgm:varLst>
-                                      <dgm:alg type="tx"/>
-                                      <dgm:shape xmlns:r="http://schemas.openxmlformats.org/officeDocument/2006/relationships" type="roundRect" r:blip="">
-                                        <dgm:adjLst>
-                                          <dgm:adj idx="1" val="0.1"/>
-                                        </dgm:adjLst>
-                                      </dgm:shape>
-                                      <dgm:presOf axis="self"/>
-                                      <dgm:constrLst>
-                                        <dgm:constr type="tMarg" refType="primFontSz" fact="0.3"/>
-                                        <dgm:constr type="bMarg" refType="primFontSz" fact="0.3"/>
-                                        <dgm:constr type="lMarg" refType="primFontSz" fact="0.3"/>
-                                        <dgm:constr type="rMarg" refType="primFontSz" fact="0.3"/>
-                                      </dgm:constrLst>
-                                      <dgm:ruleLst>
-                                        <dgm:rule type="primFontSz" val="5" fact="NaN" max="NaN"/>
-                                      </dgm:ruleLst>
-                                    </dgm:layoutNode>
-                                  </dgm:layoutNode>
-                                  <dgm:layoutNode name="hierChild5">
-                                    <dgm:choose name="Name28">
-                                      <dgm:if name="Name29" func="var" arg="dir" op="equ" val="norm">
-                                        <dgm:alg type="hierChild">
-                                          <dgm:param type="linDir" val="fromL"/>
-                                        </dgm:alg>
-                                      </dgm:if>
-                                      <dgm:else name="Name30">
-                                        <dgm:alg type="hierChild">
-                                          <dgm:param type="linDir" val="fromR"/>
-                                        </dgm:alg>
-                                      </dgm:else>
-                                    </dgm:choose>
-                                    <dgm:shape xmlns:r="http://schemas.openxmlformats.org/officeDocument/2006/relationships" r:blip="">
-                                      <dgm:adjLst/>
-                                    </dgm:shape>
-                                    <dgm:presOf/>
-                                    <dgm:constrLst/>
-                                    <dgm:ruleLst/>
-                                    <dgm:forEach name="Name31" ref="repeat"/>
-                                  </dgm:layoutNode>
-                                </dgm:layoutNode>
-                              </dgm:forEach>
-                            </dgm:forEach>
-                          </dgm:layoutNode>
-                        </dgm:layoutNode>
-                      </dgm:forEach>
-                    </dgm:forEach>
-                  </dgm:layoutNode>
-                </dgm:layoutNode>
-              </dgm:forEach>
-            </dgm:forEach>
-          </dgm:layoutNode>
         </dgm:layoutNode>
       </dgm:forEach>
     </dgm:forEach>
@@ -9127,7 +11312,7 @@
 </dgm:layoutDef>
 </file>
 
-<file path=ppt/diagrams/layout5.xml><?xml version="1.0" encoding="utf-8"?>
+<file path=ppt/diagrams/layout6.xml><?xml version="1.0" encoding="utf-8"?>
 <dgm:layoutDef xmlns:dgm="http://schemas.openxmlformats.org/drawingml/2006/diagram" xmlns:a="http://schemas.openxmlformats.org/drawingml/2006/main" uniqueId="urn:microsoft.com/office/officeart/2005/8/layout/vList2">
   <dgm:title val=""/>
   <dgm:desc val=""/>
@@ -14464,6 +16649,1040 @@
 </dgm:styleDef>
 </file>
 
+<file path=ppt/diagrams/quickStyle6.xml><?xml version="1.0" encoding="utf-8"?>
+<dgm:styleDef xmlns:dgm="http://schemas.openxmlformats.org/drawingml/2006/diagram" xmlns:a="http://schemas.openxmlformats.org/drawingml/2006/main" uniqueId="urn:microsoft.com/office/officeart/2005/8/quickstyle/simple1">
+  <dgm:title val=""/>
+  <dgm:desc val=""/>
+  <dgm:catLst>
+    <dgm:cat type="simple" pri="10100"/>
+  </dgm:catLst>
+  <dgm:scene3d>
+    <a:camera prst="orthographicFront"/>
+    <a:lightRig rig="threePt" dir="t"/>
+  </dgm:scene3d>
+  <dgm:styleLbl name="node0">
+    <dgm:scene3d>
+      <a:camera prst="orthographicFront"/>
+      <a:lightRig rig="threePt" dir="t"/>
+    </dgm:scene3d>
+    <dgm:sp3d/>
+    <dgm:txPr/>
+    <dgm:style>
+      <a:lnRef idx="2">
+        <a:scrgbClr r="0" g="0" b="0"/>
+      </a:lnRef>
+      <a:fillRef idx="1">
+        <a:scrgbClr r="0" g="0" b="0"/>
+      </a:fillRef>
+      <a:effectRef idx="0">
+        <a:scrgbClr r="0" g="0" b="0"/>
+      </a:effectRef>
+      <a:fontRef idx="minor">
+        <a:schemeClr val="lt1"/>
+      </a:fontRef>
+    </dgm:style>
+  </dgm:styleLbl>
+  <dgm:styleLbl name="lnNode1">
+    <dgm:scene3d>
+      <a:camera prst="orthographicFront"/>
+      <a:lightRig rig="threePt" dir="t"/>
+    </dgm:scene3d>
+    <dgm:sp3d/>
+    <dgm:txPr/>
+    <dgm:style>
+      <a:lnRef idx="2">
+        <a:scrgbClr r="0" g="0" b="0"/>
+      </a:lnRef>
+      <a:fillRef idx="1">
+        <a:scrgbClr r="0" g="0" b="0"/>
+      </a:fillRef>
+      <a:effectRef idx="0">
+        <a:scrgbClr r="0" g="0" b="0"/>
+      </a:effectRef>
+      <a:fontRef idx="minor">
+        <a:schemeClr val="lt1"/>
+      </a:fontRef>
+    </dgm:style>
+  </dgm:styleLbl>
+  <dgm:styleLbl name="vennNode1">
+    <dgm:scene3d>
+      <a:camera prst="orthographicFront"/>
+      <a:lightRig rig="threePt" dir="t"/>
+    </dgm:scene3d>
+    <dgm:sp3d/>
+    <dgm:txPr/>
+    <dgm:style>
+      <a:lnRef idx="2">
+        <a:scrgbClr r="0" g="0" b="0"/>
+      </a:lnRef>
+      <a:fillRef idx="1">
+        <a:scrgbClr r="0" g="0" b="0"/>
+      </a:fillRef>
+      <a:effectRef idx="0">
+        <a:scrgbClr r="0" g="0" b="0"/>
+      </a:effectRef>
+      <a:fontRef idx="minor">
+        <a:schemeClr val="tx1"/>
+      </a:fontRef>
+    </dgm:style>
+  </dgm:styleLbl>
+  <dgm:styleLbl name="alignNode1">
+    <dgm:scene3d>
+      <a:camera prst="orthographicFront"/>
+      <a:lightRig rig="threePt" dir="t"/>
+    </dgm:scene3d>
+    <dgm:sp3d/>
+    <dgm:txPr/>
+    <dgm:style>
+      <a:lnRef idx="2">
+        <a:scrgbClr r="0" g="0" b="0"/>
+      </a:lnRef>
+      <a:fillRef idx="1">
+        <a:scrgbClr r="0" g="0" b="0"/>
+      </a:fillRef>
+      <a:effectRef idx="0">
+        <a:scrgbClr r="0" g="0" b="0"/>
+      </a:effectRef>
+      <a:fontRef idx="minor">
+        <a:schemeClr val="lt1"/>
+      </a:fontRef>
+    </dgm:style>
+  </dgm:styleLbl>
+  <dgm:styleLbl name="node1">
+    <dgm:scene3d>
+      <a:camera prst="orthographicFront"/>
+      <a:lightRig rig="threePt" dir="t"/>
+    </dgm:scene3d>
+    <dgm:sp3d/>
+    <dgm:txPr/>
+    <dgm:style>
+      <a:lnRef idx="2">
+        <a:scrgbClr r="0" g="0" b="0"/>
+      </a:lnRef>
+      <a:fillRef idx="1">
+        <a:scrgbClr r="0" g="0" b="0"/>
+      </a:fillRef>
+      <a:effectRef idx="0">
+        <a:scrgbClr r="0" g="0" b="0"/>
+      </a:effectRef>
+      <a:fontRef idx="minor">
+        <a:schemeClr val="lt1"/>
+      </a:fontRef>
+    </dgm:style>
+  </dgm:styleLbl>
+  <dgm:styleLbl name="node2">
+    <dgm:scene3d>
+      <a:camera prst="orthographicFront"/>
+      <a:lightRig rig="threePt" dir="t"/>
+    </dgm:scene3d>
+    <dgm:sp3d/>
+    <dgm:txPr/>
+    <dgm:style>
+      <a:lnRef idx="2">
+        <a:scrgbClr r="0" g="0" b="0"/>
+      </a:lnRef>
+      <a:fillRef idx="1">
+        <a:scrgbClr r="0" g="0" b="0"/>
+      </a:fillRef>
+      <a:effectRef idx="0">
+        <a:scrgbClr r="0" g="0" b="0"/>
+      </a:effectRef>
+      <a:fontRef idx="minor">
+        <a:schemeClr val="lt1"/>
+      </a:fontRef>
+    </dgm:style>
+  </dgm:styleLbl>
+  <dgm:styleLbl name="node3">
+    <dgm:scene3d>
+      <a:camera prst="orthographicFront"/>
+      <a:lightRig rig="threePt" dir="t"/>
+    </dgm:scene3d>
+    <dgm:sp3d/>
+    <dgm:txPr/>
+    <dgm:style>
+      <a:lnRef idx="2">
+        <a:scrgbClr r="0" g="0" b="0"/>
+      </a:lnRef>
+      <a:fillRef idx="1">
+        <a:scrgbClr r="0" g="0" b="0"/>
+      </a:fillRef>
+      <a:effectRef idx="0">
+        <a:scrgbClr r="0" g="0" b="0"/>
+      </a:effectRef>
+      <a:fontRef idx="minor">
+        <a:schemeClr val="lt1"/>
+      </a:fontRef>
+    </dgm:style>
+  </dgm:styleLbl>
+  <dgm:styleLbl name="node4">
+    <dgm:scene3d>
+      <a:camera prst="orthographicFront"/>
+      <a:lightRig rig="threePt" dir="t"/>
+    </dgm:scene3d>
+    <dgm:sp3d/>
+    <dgm:txPr/>
+    <dgm:style>
+      <a:lnRef idx="2">
+        <a:scrgbClr r="0" g="0" b="0"/>
+      </a:lnRef>
+      <a:fillRef idx="1">
+        <a:scrgbClr r="0" g="0" b="0"/>
+      </a:fillRef>
+      <a:effectRef idx="0">
+        <a:scrgbClr r="0" g="0" b="0"/>
+      </a:effectRef>
+      <a:fontRef idx="minor">
+        <a:schemeClr val="lt1"/>
+      </a:fontRef>
+    </dgm:style>
+  </dgm:styleLbl>
+  <dgm:styleLbl name="fgImgPlace1">
+    <dgm:scene3d>
+      <a:camera prst="orthographicFront"/>
+      <a:lightRig rig="threePt" dir="t"/>
+    </dgm:scene3d>
+    <dgm:sp3d/>
+    <dgm:txPr/>
+    <dgm:style>
+      <a:lnRef idx="2">
+        <a:scrgbClr r="0" g="0" b="0"/>
+      </a:lnRef>
+      <a:fillRef idx="1">
+        <a:scrgbClr r="0" g="0" b="0"/>
+      </a:fillRef>
+      <a:effectRef idx="0">
+        <a:scrgbClr r="0" g="0" b="0"/>
+      </a:effectRef>
+      <a:fontRef idx="minor"/>
+    </dgm:style>
+  </dgm:styleLbl>
+  <dgm:styleLbl name="alignImgPlace1">
+    <dgm:scene3d>
+      <a:camera prst="orthographicFront"/>
+      <a:lightRig rig="threePt" dir="t"/>
+    </dgm:scene3d>
+    <dgm:sp3d/>
+    <dgm:txPr/>
+    <dgm:style>
+      <a:lnRef idx="2">
+        <a:scrgbClr r="0" g="0" b="0"/>
+      </a:lnRef>
+      <a:fillRef idx="1">
+        <a:scrgbClr r="0" g="0" b="0"/>
+      </a:fillRef>
+      <a:effectRef idx="0">
+        <a:scrgbClr r="0" g="0" b="0"/>
+      </a:effectRef>
+      <a:fontRef idx="minor"/>
+    </dgm:style>
+  </dgm:styleLbl>
+  <dgm:styleLbl name="bgImgPlace1">
+    <dgm:scene3d>
+      <a:camera prst="orthographicFront"/>
+      <a:lightRig rig="threePt" dir="t"/>
+    </dgm:scene3d>
+    <dgm:sp3d/>
+    <dgm:txPr/>
+    <dgm:style>
+      <a:lnRef idx="2">
+        <a:scrgbClr r="0" g="0" b="0"/>
+      </a:lnRef>
+      <a:fillRef idx="1">
+        <a:scrgbClr r="0" g="0" b="0"/>
+      </a:fillRef>
+      <a:effectRef idx="0">
+        <a:scrgbClr r="0" g="0" b="0"/>
+      </a:effectRef>
+      <a:fontRef idx="minor"/>
+    </dgm:style>
+  </dgm:styleLbl>
+  <dgm:styleLbl name="sibTrans2D1">
+    <dgm:scene3d>
+      <a:camera prst="orthographicFront"/>
+      <a:lightRig rig="threePt" dir="t"/>
+    </dgm:scene3d>
+    <dgm:sp3d/>
+    <dgm:txPr/>
+    <dgm:style>
+      <a:lnRef idx="0">
+        <a:scrgbClr r="0" g="0" b="0"/>
+      </a:lnRef>
+      <a:fillRef idx="1">
+        <a:scrgbClr r="0" g="0" b="0"/>
+      </a:fillRef>
+      <a:effectRef idx="0">
+        <a:scrgbClr r="0" g="0" b="0"/>
+      </a:effectRef>
+      <a:fontRef idx="minor">
+        <a:schemeClr val="lt1"/>
+      </a:fontRef>
+    </dgm:style>
+  </dgm:styleLbl>
+  <dgm:styleLbl name="fgSibTrans2D1">
+    <dgm:scene3d>
+      <a:camera prst="orthographicFront"/>
+      <a:lightRig rig="threePt" dir="t"/>
+    </dgm:scene3d>
+    <dgm:sp3d/>
+    <dgm:txPr/>
+    <dgm:style>
+      <a:lnRef idx="0">
+        <a:scrgbClr r="0" g="0" b="0"/>
+      </a:lnRef>
+      <a:fillRef idx="1">
+        <a:scrgbClr r="0" g="0" b="0"/>
+      </a:fillRef>
+      <a:effectRef idx="0">
+        <a:scrgbClr r="0" g="0" b="0"/>
+      </a:effectRef>
+      <a:fontRef idx="minor">
+        <a:schemeClr val="lt1"/>
+      </a:fontRef>
+    </dgm:style>
+  </dgm:styleLbl>
+  <dgm:styleLbl name="bgSibTrans2D1">
+    <dgm:scene3d>
+      <a:camera prst="orthographicFront"/>
+      <a:lightRig rig="threePt" dir="t"/>
+    </dgm:scene3d>
+    <dgm:sp3d/>
+    <dgm:txPr/>
+    <dgm:style>
+      <a:lnRef idx="0">
+        <a:scrgbClr r="0" g="0" b="0"/>
+      </a:lnRef>
+      <a:fillRef idx="1">
+        <a:scrgbClr r="0" g="0" b="0"/>
+      </a:fillRef>
+      <a:effectRef idx="0">
+        <a:scrgbClr r="0" g="0" b="0"/>
+      </a:effectRef>
+      <a:fontRef idx="minor">
+        <a:schemeClr val="lt1"/>
+      </a:fontRef>
+    </dgm:style>
+  </dgm:styleLbl>
+  <dgm:styleLbl name="sibTrans1D1">
+    <dgm:scene3d>
+      <a:camera prst="orthographicFront"/>
+      <a:lightRig rig="threePt" dir="t"/>
+    </dgm:scene3d>
+    <dgm:sp3d/>
+    <dgm:txPr/>
+    <dgm:style>
+      <a:lnRef idx="1">
+        <a:scrgbClr r="0" g="0" b="0"/>
+      </a:lnRef>
+      <a:fillRef idx="0">
+        <a:scrgbClr r="0" g="0" b="0"/>
+      </a:fillRef>
+      <a:effectRef idx="0">
+        <a:scrgbClr r="0" g="0" b="0"/>
+      </a:effectRef>
+      <a:fontRef idx="minor"/>
+    </dgm:style>
+  </dgm:styleLbl>
+  <dgm:styleLbl name="callout">
+    <dgm:scene3d>
+      <a:camera prst="orthographicFront"/>
+      <a:lightRig rig="threePt" dir="t"/>
+    </dgm:scene3d>
+    <dgm:sp3d/>
+    <dgm:txPr/>
+    <dgm:style>
+      <a:lnRef idx="2">
+        <a:scrgbClr r="0" g="0" b="0"/>
+      </a:lnRef>
+      <a:fillRef idx="1">
+        <a:scrgbClr r="0" g="0" b="0"/>
+      </a:fillRef>
+      <a:effectRef idx="0">
+        <a:scrgbClr r="0" g="0" b="0"/>
+      </a:effectRef>
+      <a:fontRef idx="minor"/>
+    </dgm:style>
+  </dgm:styleLbl>
+  <dgm:styleLbl name="asst0">
+    <dgm:scene3d>
+      <a:camera prst="orthographicFront"/>
+      <a:lightRig rig="threePt" dir="t"/>
+    </dgm:scene3d>
+    <dgm:sp3d/>
+    <dgm:txPr/>
+    <dgm:style>
+      <a:lnRef idx="2">
+        <a:scrgbClr r="0" g="0" b="0"/>
+      </a:lnRef>
+      <a:fillRef idx="1">
+        <a:scrgbClr r="0" g="0" b="0"/>
+      </a:fillRef>
+      <a:effectRef idx="0">
+        <a:scrgbClr r="0" g="0" b="0"/>
+      </a:effectRef>
+      <a:fontRef idx="minor">
+        <a:schemeClr val="lt1"/>
+      </a:fontRef>
+    </dgm:style>
+  </dgm:styleLbl>
+  <dgm:styleLbl name="asst1">
+    <dgm:scene3d>
+      <a:camera prst="orthographicFront"/>
+      <a:lightRig rig="threePt" dir="t"/>
+    </dgm:scene3d>
+    <dgm:sp3d/>
+    <dgm:txPr/>
+    <dgm:style>
+      <a:lnRef idx="2">
+        <a:scrgbClr r="0" g="0" b="0"/>
+      </a:lnRef>
+      <a:fillRef idx="1">
+        <a:scrgbClr r="0" g="0" b="0"/>
+      </a:fillRef>
+      <a:effectRef idx="0">
+        <a:scrgbClr r="0" g="0" b="0"/>
+      </a:effectRef>
+      <a:fontRef idx="minor">
+        <a:schemeClr val="lt1"/>
+      </a:fontRef>
+    </dgm:style>
+  </dgm:styleLbl>
+  <dgm:styleLbl name="asst2">
+    <dgm:scene3d>
+      <a:camera prst="orthographicFront"/>
+      <a:lightRig rig="threePt" dir="t"/>
+    </dgm:scene3d>
+    <dgm:sp3d/>
+    <dgm:txPr/>
+    <dgm:style>
+      <a:lnRef idx="2">
+        <a:scrgbClr r="0" g="0" b="0"/>
+      </a:lnRef>
+      <a:fillRef idx="1">
+        <a:scrgbClr r="0" g="0" b="0"/>
+      </a:fillRef>
+      <a:effectRef idx="0">
+        <a:scrgbClr r="0" g="0" b="0"/>
+      </a:effectRef>
+      <a:fontRef idx="minor">
+        <a:schemeClr val="lt1"/>
+      </a:fontRef>
+    </dgm:style>
+  </dgm:styleLbl>
+  <dgm:styleLbl name="asst3">
+    <dgm:scene3d>
+      <a:camera prst="orthographicFront"/>
+      <a:lightRig rig="threePt" dir="t"/>
+    </dgm:scene3d>
+    <dgm:sp3d/>
+    <dgm:txPr/>
+    <dgm:style>
+      <a:lnRef idx="2">
+        <a:scrgbClr r="0" g="0" b="0"/>
+      </a:lnRef>
+      <a:fillRef idx="1">
+        <a:scrgbClr r="0" g="0" b="0"/>
+      </a:fillRef>
+      <a:effectRef idx="0">
+        <a:scrgbClr r="0" g="0" b="0"/>
+      </a:effectRef>
+      <a:fontRef idx="minor">
+        <a:schemeClr val="lt1"/>
+      </a:fontRef>
+    </dgm:style>
+  </dgm:styleLbl>
+  <dgm:styleLbl name="asst4">
+    <dgm:scene3d>
+      <a:camera prst="orthographicFront"/>
+      <a:lightRig rig="threePt" dir="t"/>
+    </dgm:scene3d>
+    <dgm:sp3d/>
+    <dgm:txPr/>
+    <dgm:style>
+      <a:lnRef idx="2">
+        <a:scrgbClr r="0" g="0" b="0"/>
+      </a:lnRef>
+      <a:fillRef idx="1">
+        <a:scrgbClr r="0" g="0" b="0"/>
+      </a:fillRef>
+      <a:effectRef idx="0">
+        <a:scrgbClr r="0" g="0" b="0"/>
+      </a:effectRef>
+      <a:fontRef idx="minor">
+        <a:schemeClr val="lt1"/>
+      </a:fontRef>
+    </dgm:style>
+  </dgm:styleLbl>
+  <dgm:styleLbl name="parChTrans2D1">
+    <dgm:scene3d>
+      <a:camera prst="orthographicFront"/>
+      <a:lightRig rig="threePt" dir="t"/>
+    </dgm:scene3d>
+    <dgm:sp3d/>
+    <dgm:txPr/>
+    <dgm:style>
+      <a:lnRef idx="2">
+        <a:scrgbClr r="0" g="0" b="0"/>
+      </a:lnRef>
+      <a:fillRef idx="1">
+        <a:scrgbClr r="0" g="0" b="0"/>
+      </a:fillRef>
+      <a:effectRef idx="0">
+        <a:scrgbClr r="0" g="0" b="0"/>
+      </a:effectRef>
+      <a:fontRef idx="minor">
+        <a:schemeClr val="lt1"/>
+      </a:fontRef>
+    </dgm:style>
+  </dgm:styleLbl>
+  <dgm:styleLbl name="parChTrans2D2">
+    <dgm:scene3d>
+      <a:camera prst="orthographicFront"/>
+      <a:lightRig rig="threePt" dir="t"/>
+    </dgm:scene3d>
+    <dgm:sp3d/>
+    <dgm:txPr/>
+    <dgm:style>
+      <a:lnRef idx="2">
+        <a:scrgbClr r="0" g="0" b="0"/>
+      </a:lnRef>
+      <a:fillRef idx="1">
+        <a:scrgbClr r="0" g="0" b="0"/>
+      </a:fillRef>
+      <a:effectRef idx="0">
+        <a:scrgbClr r="0" g="0" b="0"/>
+      </a:effectRef>
+      <a:fontRef idx="minor">
+        <a:schemeClr val="lt1"/>
+      </a:fontRef>
+    </dgm:style>
+  </dgm:styleLbl>
+  <dgm:styleLbl name="parChTrans2D3">
+    <dgm:scene3d>
+      <a:camera prst="orthographicFront"/>
+      <a:lightRig rig="threePt" dir="t"/>
+    </dgm:scene3d>
+    <dgm:sp3d/>
+    <dgm:txPr/>
+    <dgm:style>
+      <a:lnRef idx="2">
+        <a:scrgbClr r="0" g="0" b="0"/>
+      </a:lnRef>
+      <a:fillRef idx="1">
+        <a:scrgbClr r="0" g="0" b="0"/>
+      </a:fillRef>
+      <a:effectRef idx="0">
+        <a:scrgbClr r="0" g="0" b="0"/>
+      </a:effectRef>
+      <a:fontRef idx="minor">
+        <a:schemeClr val="lt1"/>
+      </a:fontRef>
+    </dgm:style>
+  </dgm:styleLbl>
+  <dgm:styleLbl name="parChTrans2D4">
+    <dgm:scene3d>
+      <a:camera prst="orthographicFront"/>
+      <a:lightRig rig="threePt" dir="t"/>
+    </dgm:scene3d>
+    <dgm:sp3d/>
+    <dgm:txPr/>
+    <dgm:style>
+      <a:lnRef idx="2">
+        <a:scrgbClr r="0" g="0" b="0"/>
+      </a:lnRef>
+      <a:fillRef idx="1">
+        <a:scrgbClr r="0" g="0" b="0"/>
+      </a:fillRef>
+      <a:effectRef idx="0">
+        <a:scrgbClr r="0" g="0" b="0"/>
+      </a:effectRef>
+      <a:fontRef idx="minor">
+        <a:schemeClr val="lt1"/>
+      </a:fontRef>
+    </dgm:style>
+  </dgm:styleLbl>
+  <dgm:styleLbl name="parChTrans1D1">
+    <dgm:scene3d>
+      <a:camera prst="orthographicFront"/>
+      <a:lightRig rig="threePt" dir="t"/>
+    </dgm:scene3d>
+    <dgm:sp3d/>
+    <dgm:txPr/>
+    <dgm:style>
+      <a:lnRef idx="2">
+        <a:scrgbClr r="0" g="0" b="0"/>
+      </a:lnRef>
+      <a:fillRef idx="0">
+        <a:scrgbClr r="0" g="0" b="0"/>
+      </a:fillRef>
+      <a:effectRef idx="0">
+        <a:scrgbClr r="0" g="0" b="0"/>
+      </a:effectRef>
+      <a:fontRef idx="minor"/>
+    </dgm:style>
+  </dgm:styleLbl>
+  <dgm:styleLbl name="parChTrans1D2">
+    <dgm:scene3d>
+      <a:camera prst="orthographicFront"/>
+      <a:lightRig rig="threePt" dir="t"/>
+    </dgm:scene3d>
+    <dgm:sp3d/>
+    <dgm:txPr/>
+    <dgm:style>
+      <a:lnRef idx="2">
+        <a:scrgbClr r="0" g="0" b="0"/>
+      </a:lnRef>
+      <a:fillRef idx="0">
+        <a:scrgbClr r="0" g="0" b="0"/>
+      </a:fillRef>
+      <a:effectRef idx="0">
+        <a:scrgbClr r="0" g="0" b="0"/>
+      </a:effectRef>
+      <a:fontRef idx="minor"/>
+    </dgm:style>
+  </dgm:styleLbl>
+  <dgm:styleLbl name="parChTrans1D3">
+    <dgm:scene3d>
+      <a:camera prst="orthographicFront"/>
+      <a:lightRig rig="threePt" dir="t"/>
+    </dgm:scene3d>
+    <dgm:sp3d/>
+    <dgm:txPr/>
+    <dgm:style>
+      <a:lnRef idx="2">
+        <a:scrgbClr r="0" g="0" b="0"/>
+      </a:lnRef>
+      <a:fillRef idx="0">
+        <a:scrgbClr r="0" g="0" b="0"/>
+      </a:fillRef>
+      <a:effectRef idx="0">
+        <a:scrgbClr r="0" g="0" b="0"/>
+      </a:effectRef>
+      <a:fontRef idx="minor"/>
+    </dgm:style>
+  </dgm:styleLbl>
+  <dgm:styleLbl name="parChTrans1D4">
+    <dgm:scene3d>
+      <a:camera prst="orthographicFront"/>
+      <a:lightRig rig="threePt" dir="t"/>
+    </dgm:scene3d>
+    <dgm:sp3d/>
+    <dgm:txPr/>
+    <dgm:style>
+      <a:lnRef idx="2">
+        <a:scrgbClr r="0" g="0" b="0"/>
+      </a:lnRef>
+      <a:fillRef idx="0">
+        <a:scrgbClr r="0" g="0" b="0"/>
+      </a:fillRef>
+      <a:effectRef idx="0">
+        <a:scrgbClr r="0" g="0" b="0"/>
+      </a:effectRef>
+      <a:fontRef idx="minor"/>
+    </dgm:style>
+  </dgm:styleLbl>
+  <dgm:styleLbl name="fgAcc1">
+    <dgm:scene3d>
+      <a:camera prst="orthographicFront"/>
+      <a:lightRig rig="threePt" dir="t"/>
+    </dgm:scene3d>
+    <dgm:sp3d/>
+    <dgm:txPr/>
+    <dgm:style>
+      <a:lnRef idx="2">
+        <a:scrgbClr r="0" g="0" b="0"/>
+      </a:lnRef>
+      <a:fillRef idx="1">
+        <a:scrgbClr r="0" g="0" b="0"/>
+      </a:fillRef>
+      <a:effectRef idx="0">
+        <a:scrgbClr r="0" g="0" b="0"/>
+      </a:effectRef>
+      <a:fontRef idx="minor"/>
+    </dgm:style>
+  </dgm:styleLbl>
+  <dgm:styleLbl name="conFgAcc1">
+    <dgm:scene3d>
+      <a:camera prst="orthographicFront"/>
+      <a:lightRig rig="threePt" dir="t"/>
+    </dgm:scene3d>
+    <dgm:sp3d/>
+    <dgm:txPr/>
+    <dgm:style>
+      <a:lnRef idx="2">
+        <a:scrgbClr r="0" g="0" b="0"/>
+      </a:lnRef>
+      <a:fillRef idx="1">
+        <a:scrgbClr r="0" g="0" b="0"/>
+      </a:fillRef>
+      <a:effectRef idx="0">
+        <a:scrgbClr r="0" g="0" b="0"/>
+      </a:effectRef>
+      <a:fontRef idx="minor"/>
+    </dgm:style>
+  </dgm:styleLbl>
+  <dgm:styleLbl name="alignAcc1">
+    <dgm:scene3d>
+      <a:camera prst="orthographicFront"/>
+      <a:lightRig rig="threePt" dir="t"/>
+    </dgm:scene3d>
+    <dgm:sp3d/>
+    <dgm:txPr/>
+    <dgm:style>
+      <a:lnRef idx="2">
+        <a:scrgbClr r="0" g="0" b="0"/>
+      </a:lnRef>
+      <a:fillRef idx="1">
+        <a:scrgbClr r="0" g="0" b="0"/>
+      </a:fillRef>
+      <a:effectRef idx="0">
+        <a:scrgbClr r="0" g="0" b="0"/>
+      </a:effectRef>
+      <a:fontRef idx="minor"/>
+    </dgm:style>
+  </dgm:styleLbl>
+  <dgm:styleLbl name="trAlignAcc1">
+    <dgm:scene3d>
+      <a:camera prst="orthographicFront"/>
+      <a:lightRig rig="threePt" dir="t"/>
+    </dgm:scene3d>
+    <dgm:sp3d/>
+    <dgm:txPr/>
+    <dgm:style>
+      <a:lnRef idx="1">
+        <a:scrgbClr r="0" g="0" b="0"/>
+      </a:lnRef>
+      <a:fillRef idx="1">
+        <a:scrgbClr r="0" g="0" b="0"/>
+      </a:fillRef>
+      <a:effectRef idx="0">
+        <a:scrgbClr r="0" g="0" b="0"/>
+      </a:effectRef>
+      <a:fontRef idx="minor"/>
+    </dgm:style>
+  </dgm:styleLbl>
+  <dgm:styleLbl name="bgAcc1">
+    <dgm:scene3d>
+      <a:camera prst="orthographicFront"/>
+      <a:lightRig rig="threePt" dir="t"/>
+    </dgm:scene3d>
+    <dgm:sp3d/>
+    <dgm:txPr/>
+    <dgm:style>
+      <a:lnRef idx="2">
+        <a:scrgbClr r="0" g="0" b="0"/>
+      </a:lnRef>
+      <a:fillRef idx="1">
+        <a:scrgbClr r="0" g="0" b="0"/>
+      </a:fillRef>
+      <a:effectRef idx="0">
+        <a:scrgbClr r="0" g="0" b="0"/>
+      </a:effectRef>
+      <a:fontRef idx="minor"/>
+    </dgm:style>
+  </dgm:styleLbl>
+  <dgm:styleLbl name="solidFgAcc1">
+    <dgm:scene3d>
+      <a:camera prst="orthographicFront"/>
+      <a:lightRig rig="threePt" dir="t"/>
+    </dgm:scene3d>
+    <dgm:sp3d/>
+    <dgm:txPr/>
+    <dgm:style>
+      <a:lnRef idx="2">
+        <a:scrgbClr r="0" g="0" b="0"/>
+      </a:lnRef>
+      <a:fillRef idx="1">
+        <a:scrgbClr r="0" g="0" b="0"/>
+      </a:fillRef>
+      <a:effectRef idx="0">
+        <a:scrgbClr r="0" g="0" b="0"/>
+      </a:effectRef>
+      <a:fontRef idx="minor"/>
+    </dgm:style>
+  </dgm:styleLbl>
+  <dgm:styleLbl name="solidAlignAcc1">
+    <dgm:scene3d>
+      <a:camera prst="orthographicFront"/>
+      <a:lightRig rig="threePt" dir="t"/>
+    </dgm:scene3d>
+    <dgm:sp3d/>
+    <dgm:txPr/>
+    <dgm:style>
+      <a:lnRef idx="2">
+        <a:scrgbClr r="0" g="0" b="0"/>
+      </a:lnRef>
+      <a:fillRef idx="1">
+        <a:scrgbClr r="0" g="0" b="0"/>
+      </a:fillRef>
+      <a:effectRef idx="0">
+        <a:scrgbClr r="0" g="0" b="0"/>
+      </a:effectRef>
+      <a:fontRef idx="minor"/>
+    </dgm:style>
+  </dgm:styleLbl>
+  <dgm:styleLbl name="solidBgAcc1">
+    <dgm:scene3d>
+      <a:camera prst="orthographicFront"/>
+      <a:lightRig rig="threePt" dir="t"/>
+    </dgm:scene3d>
+    <dgm:sp3d/>
+    <dgm:txPr/>
+    <dgm:style>
+      <a:lnRef idx="2">
+        <a:scrgbClr r="0" g="0" b="0"/>
+      </a:lnRef>
+      <a:fillRef idx="1">
+        <a:scrgbClr r="0" g="0" b="0"/>
+      </a:fillRef>
+      <a:effectRef idx="0">
+        <a:scrgbClr r="0" g="0" b="0"/>
+      </a:effectRef>
+      <a:fontRef idx="minor"/>
+    </dgm:style>
+  </dgm:styleLbl>
+  <dgm:styleLbl name="fgAccFollowNode1">
+    <dgm:scene3d>
+      <a:camera prst="orthographicFront"/>
+      <a:lightRig rig="threePt" dir="t"/>
+    </dgm:scene3d>
+    <dgm:sp3d/>
+    <dgm:txPr/>
+    <dgm:style>
+      <a:lnRef idx="2">
+        <a:scrgbClr r="0" g="0" b="0"/>
+      </a:lnRef>
+      <a:fillRef idx="1">
+        <a:scrgbClr r="0" g="0" b="0"/>
+      </a:fillRef>
+      <a:effectRef idx="0">
+        <a:scrgbClr r="0" g="0" b="0"/>
+      </a:effectRef>
+      <a:fontRef idx="minor"/>
+    </dgm:style>
+  </dgm:styleLbl>
+  <dgm:styleLbl name="alignAccFollowNode1">
+    <dgm:scene3d>
+      <a:camera prst="orthographicFront"/>
+      <a:lightRig rig="threePt" dir="t"/>
+    </dgm:scene3d>
+    <dgm:sp3d/>
+    <dgm:txPr/>
+    <dgm:style>
+      <a:lnRef idx="2">
+        <a:scrgbClr r="0" g="0" b="0"/>
+      </a:lnRef>
+      <a:fillRef idx="1">
+        <a:scrgbClr r="0" g="0" b="0"/>
+      </a:fillRef>
+      <a:effectRef idx="0">
+        <a:scrgbClr r="0" g="0" b="0"/>
+      </a:effectRef>
+      <a:fontRef idx="minor"/>
+    </dgm:style>
+  </dgm:styleLbl>
+  <dgm:styleLbl name="bgAccFollowNode1">
+    <dgm:scene3d>
+      <a:camera prst="orthographicFront"/>
+      <a:lightRig rig="threePt" dir="t"/>
+    </dgm:scene3d>
+    <dgm:sp3d/>
+    <dgm:txPr/>
+    <dgm:style>
+      <a:lnRef idx="2">
+        <a:scrgbClr r="0" g="0" b="0"/>
+      </a:lnRef>
+      <a:fillRef idx="1">
+        <a:scrgbClr r="0" g="0" b="0"/>
+      </a:fillRef>
+      <a:effectRef idx="0">
+        <a:scrgbClr r="0" g="0" b="0"/>
+      </a:effectRef>
+      <a:fontRef idx="minor"/>
+    </dgm:style>
+  </dgm:styleLbl>
+  <dgm:styleLbl name="fgAcc0">
+    <dgm:scene3d>
+      <a:camera prst="orthographicFront"/>
+      <a:lightRig rig="threePt" dir="t"/>
+    </dgm:scene3d>
+    <dgm:sp3d/>
+    <dgm:txPr/>
+    <dgm:style>
+      <a:lnRef idx="2">
+        <a:scrgbClr r="0" g="0" b="0"/>
+      </a:lnRef>
+      <a:fillRef idx="1">
+        <a:scrgbClr r="0" g="0" b="0"/>
+      </a:fillRef>
+      <a:effectRef idx="0">
+        <a:scrgbClr r="0" g="0" b="0"/>
+      </a:effectRef>
+      <a:fontRef idx="minor"/>
+    </dgm:style>
+  </dgm:styleLbl>
+  <dgm:styleLbl name="fgAcc2">
+    <dgm:scene3d>
+      <a:camera prst="orthographicFront"/>
+      <a:lightRig rig="threePt" dir="t"/>
+    </dgm:scene3d>
+    <dgm:sp3d/>
+    <dgm:txPr/>
+    <dgm:style>
+      <a:lnRef idx="2">
+        <a:scrgbClr r="0" g="0" b="0"/>
+      </a:lnRef>
+      <a:fillRef idx="1">
+        <a:scrgbClr r="0" g="0" b="0"/>
+      </a:fillRef>
+      <a:effectRef idx="0">
+        <a:scrgbClr r="0" g="0" b="0"/>
+      </a:effectRef>
+      <a:fontRef idx="minor"/>
+    </dgm:style>
+  </dgm:styleLbl>
+  <dgm:styleLbl name="fgAcc3">
+    <dgm:scene3d>
+      <a:camera prst="orthographicFront"/>
+      <a:lightRig rig="threePt" dir="t"/>
+    </dgm:scene3d>
+    <dgm:sp3d/>
+    <dgm:txPr/>
+    <dgm:style>
+      <a:lnRef idx="2">
+        <a:scrgbClr r="0" g="0" b="0"/>
+      </a:lnRef>
+      <a:fillRef idx="1">
+        <a:scrgbClr r="0" g="0" b="0"/>
+      </a:fillRef>
+      <a:effectRef idx="0">
+        <a:scrgbClr r="0" g="0" b="0"/>
+      </a:effectRef>
+      <a:fontRef idx="minor"/>
+    </dgm:style>
+  </dgm:styleLbl>
+  <dgm:styleLbl name="fgAcc4">
+    <dgm:scene3d>
+      <a:camera prst="orthographicFront"/>
+      <a:lightRig rig="threePt" dir="t"/>
+    </dgm:scene3d>
+    <dgm:sp3d/>
+    <dgm:txPr/>
+    <dgm:style>
+      <a:lnRef idx="2">
+        <a:scrgbClr r="0" g="0" b="0"/>
+      </a:lnRef>
+      <a:fillRef idx="1">
+        <a:scrgbClr r="0" g="0" b="0"/>
+      </a:fillRef>
+      <a:effectRef idx="0">
+        <a:scrgbClr r="0" g="0" b="0"/>
+      </a:effectRef>
+      <a:fontRef idx="minor"/>
+    </dgm:style>
+  </dgm:styleLbl>
+  <dgm:styleLbl name="bgShp">
+    <dgm:scene3d>
+      <a:camera prst="orthographicFront"/>
+      <a:lightRig rig="threePt" dir="t"/>
+    </dgm:scene3d>
+    <dgm:sp3d/>
+    <dgm:txPr/>
+    <dgm:style>
+      <a:lnRef idx="0">
+        <a:scrgbClr r="0" g="0" b="0"/>
+      </a:lnRef>
+      <a:fillRef idx="1">
+        <a:scrgbClr r="0" g="0" b="0"/>
+      </a:fillRef>
+      <a:effectRef idx="0">
+        <a:scrgbClr r="0" g="0" b="0"/>
+      </a:effectRef>
+      <a:fontRef idx="minor"/>
+    </dgm:style>
+  </dgm:styleLbl>
+  <dgm:styleLbl name="dkBgShp">
+    <dgm:scene3d>
+      <a:camera prst="orthographicFront"/>
+      <a:lightRig rig="threePt" dir="t"/>
+    </dgm:scene3d>
+    <dgm:sp3d/>
+    <dgm:txPr/>
+    <dgm:style>
+      <a:lnRef idx="0">
+        <a:scrgbClr r="0" g="0" b="0"/>
+      </a:lnRef>
+      <a:fillRef idx="1">
+        <a:scrgbClr r="0" g="0" b="0"/>
+      </a:fillRef>
+      <a:effectRef idx="0">
+        <a:scrgbClr r="0" g="0" b="0"/>
+      </a:effectRef>
+      <a:fontRef idx="minor"/>
+    </dgm:style>
+  </dgm:styleLbl>
+  <dgm:styleLbl name="trBgShp">
+    <dgm:scene3d>
+      <a:camera prst="orthographicFront"/>
+      <a:lightRig rig="threePt" dir="t"/>
+    </dgm:scene3d>
+    <dgm:sp3d/>
+    <dgm:txPr/>
+    <dgm:style>
+      <a:lnRef idx="0">
+        <a:scrgbClr r="0" g="0" b="0"/>
+      </a:lnRef>
+      <a:fillRef idx="1">
+        <a:scrgbClr r="0" g="0" b="0"/>
+      </a:fillRef>
+      <a:effectRef idx="0">
+        <a:scrgbClr r="0" g="0" b="0"/>
+      </a:effectRef>
+      <a:fontRef idx="minor"/>
+    </dgm:style>
+  </dgm:styleLbl>
+  <dgm:styleLbl name="fgShp">
+    <dgm:scene3d>
+      <a:camera prst="orthographicFront"/>
+      <a:lightRig rig="threePt" dir="t"/>
+    </dgm:scene3d>
+    <dgm:sp3d/>
+    <dgm:txPr/>
+    <dgm:style>
+      <a:lnRef idx="2">
+        <a:scrgbClr r="0" g="0" b="0"/>
+      </a:lnRef>
+      <a:fillRef idx="1">
+        <a:scrgbClr r="0" g="0" b="0"/>
+      </a:fillRef>
+      <a:effectRef idx="0">
+        <a:scrgbClr r="0" g="0" b="0"/>
+      </a:effectRef>
+      <a:fontRef idx="minor"/>
+    </dgm:style>
+  </dgm:styleLbl>
+  <dgm:styleLbl name="revTx">
+    <dgm:scene3d>
+      <a:camera prst="orthographicFront"/>
+      <a:lightRig rig="threePt" dir="t"/>
+    </dgm:scene3d>
+    <dgm:sp3d/>
+    <dgm:txPr/>
+    <dgm:style>
+      <a:lnRef idx="0">
+        <a:scrgbClr r="0" g="0" b="0"/>
+      </a:lnRef>
+      <a:fillRef idx="0">
+        <a:scrgbClr r="0" g="0" b="0"/>
+      </a:fillRef>
+      <a:effectRef idx="0">
+        <a:scrgbClr r="0" g="0" b="0"/>
+      </a:effectRef>
+      <a:fontRef idx="minor"/>
+    </dgm:style>
+  </dgm:styleLbl>
+</dgm:styleDef>
+</file>
+
 <file path=ppt/slideLayouts/slideLayout1.xml><?xml version="1.0" encoding="utf-8"?>
 <p:sldLayout xmlns:a="http://schemas.openxmlformats.org/drawingml/2006/main" xmlns:r="http://schemas.openxmlformats.org/officeDocument/2006/relationships" xmlns:p="http://schemas.openxmlformats.org/presentationml/2006/main" type="title" preserve="1">
   <p:cSld name="Title Slide">
@@ -14613,7 +17832,7 @@
           <a:p>
             <a:fld id="{72AD6378-0180-E34C-9CC5-ADDEDD4FB9A4}" type="datetimeFigureOut">
               <a:rPr lang="en-CO" smtClean="0"/>
-              <a:t>1/04/25</a:t>
+              <a:t>4/04/25</a:t>
             </a:fld>
             <a:endParaRPr lang="en-CO"/>
           </a:p>
@@ -14813,7 +18032,7 @@
           <a:p>
             <a:fld id="{72AD6378-0180-E34C-9CC5-ADDEDD4FB9A4}" type="datetimeFigureOut">
               <a:rPr lang="en-CO" smtClean="0"/>
-              <a:t>1/04/25</a:t>
+              <a:t>4/04/25</a:t>
             </a:fld>
             <a:endParaRPr lang="en-CO"/>
           </a:p>
@@ -15023,7 +18242,7 @@
           <a:p>
             <a:fld id="{72AD6378-0180-E34C-9CC5-ADDEDD4FB9A4}" type="datetimeFigureOut">
               <a:rPr lang="en-CO" smtClean="0"/>
-              <a:t>1/04/25</a:t>
+              <a:t>4/04/25</a:t>
             </a:fld>
             <a:endParaRPr lang="en-CO"/>
           </a:p>
@@ -15223,7 +18442,7 @@
           <a:p>
             <a:fld id="{72AD6378-0180-E34C-9CC5-ADDEDD4FB9A4}" type="datetimeFigureOut">
               <a:rPr lang="en-CO" smtClean="0"/>
-              <a:t>1/04/25</a:t>
+              <a:t>4/04/25</a:t>
             </a:fld>
             <a:endParaRPr lang="en-CO"/>
           </a:p>
@@ -15499,7 +18718,7 @@
           <a:p>
             <a:fld id="{72AD6378-0180-E34C-9CC5-ADDEDD4FB9A4}" type="datetimeFigureOut">
               <a:rPr lang="en-CO" smtClean="0"/>
-              <a:t>1/04/25</a:t>
+              <a:t>4/04/25</a:t>
             </a:fld>
             <a:endParaRPr lang="en-CO"/>
           </a:p>
@@ -15767,7 +18986,7 @@
           <a:p>
             <a:fld id="{72AD6378-0180-E34C-9CC5-ADDEDD4FB9A4}" type="datetimeFigureOut">
               <a:rPr lang="en-CO" smtClean="0"/>
-              <a:t>1/04/25</a:t>
+              <a:t>4/04/25</a:t>
             </a:fld>
             <a:endParaRPr lang="en-CO"/>
           </a:p>
@@ -16182,7 +19401,7 @@
           <a:p>
             <a:fld id="{72AD6378-0180-E34C-9CC5-ADDEDD4FB9A4}" type="datetimeFigureOut">
               <a:rPr lang="en-CO" smtClean="0"/>
-              <a:t>1/04/25</a:t>
+              <a:t>4/04/25</a:t>
             </a:fld>
             <a:endParaRPr lang="en-CO"/>
           </a:p>
@@ -16324,7 +19543,7 @@
           <a:p>
             <a:fld id="{72AD6378-0180-E34C-9CC5-ADDEDD4FB9A4}" type="datetimeFigureOut">
               <a:rPr lang="en-CO" smtClean="0"/>
-              <a:t>1/04/25</a:t>
+              <a:t>4/04/25</a:t>
             </a:fld>
             <a:endParaRPr lang="en-CO"/>
           </a:p>
@@ -16437,7 +19656,7 @@
           <a:p>
             <a:fld id="{72AD6378-0180-E34C-9CC5-ADDEDD4FB9A4}" type="datetimeFigureOut">
               <a:rPr lang="en-CO" smtClean="0"/>
-              <a:t>1/04/25</a:t>
+              <a:t>4/04/25</a:t>
             </a:fld>
             <a:endParaRPr lang="en-CO"/>
           </a:p>
@@ -16750,7 +19969,7 @@
           <a:p>
             <a:fld id="{72AD6378-0180-E34C-9CC5-ADDEDD4FB9A4}" type="datetimeFigureOut">
               <a:rPr lang="en-CO" smtClean="0"/>
-              <a:t>1/04/25</a:t>
+              <a:t>4/04/25</a:t>
             </a:fld>
             <a:endParaRPr lang="en-CO"/>
           </a:p>
@@ -17039,7 +20258,7 @@
           <a:p>
             <a:fld id="{72AD6378-0180-E34C-9CC5-ADDEDD4FB9A4}" type="datetimeFigureOut">
               <a:rPr lang="en-CO" smtClean="0"/>
-              <a:t>1/04/25</a:t>
+              <a:t>4/04/25</a:t>
             </a:fld>
             <a:endParaRPr lang="en-CO"/>
           </a:p>
@@ -17282,7 +20501,7 @@
           <a:p>
             <a:fld id="{72AD6378-0180-E34C-9CC5-ADDEDD4FB9A4}" type="datetimeFigureOut">
               <a:rPr lang="en-CO" smtClean="0"/>
-              <a:t>1/04/25</a:t>
+              <a:t>4/04/25</a:t>
             </a:fld>
             <a:endParaRPr lang="en-CO"/>
           </a:p>
@@ -20868,10 +24087,10 @@
       </p:grpSpPr>
       <p:sp useBgFill="1">
         <p:nvSpPr>
-          <p:cNvPr id="9" name="Rectangle 8">
+          <p:cNvPr id="23" name="Rectangle 22">
             <a:extLst>
               <a:ext uri="{FF2B5EF4-FFF2-40B4-BE49-F238E27FC236}">
-                <a16:creationId xmlns:a16="http://schemas.microsoft.com/office/drawing/2014/main" id="{56E9B3E6-E277-4D68-BA48-9CB43FFBD6E2}"/>
+                <a16:creationId xmlns:a16="http://schemas.microsoft.com/office/drawing/2014/main" id="{BACC6370-2D7E-4714-9D71-7542949D7D5D}"/>
               </a:ext>
               <a:ext uri="{C183D7F6-B498-43B3-948B-1728B52AA6E4}">
                 <adec:decorative xmlns:adec="http://schemas.microsoft.com/office/drawing/2017/decorative" val="1"/>
@@ -20892,11 +24111,102 @@
         <p:spPr>
           <a:xfrm>
             <a:off x="0" y="0"/>
-            <a:ext cx="12191999" cy="6857365"/>
+            <a:ext cx="12192000" cy="6858000"/>
           </a:xfrm>
           <a:prstGeom prst="rect">
             <a:avLst/>
           </a:prstGeom>
+          <a:ln w="12700" cap="flat" cmpd="sng" algn="ctr">
+            <a:noFill/>
+            <a:prstDash val="solid"/>
+            <a:miter lim="800000"/>
+          </a:ln>
+          <a:effectLst/>
+          <a:extLst>
+            <a:ext uri="{91240B29-F687-4F45-9708-019B960494DF}">
+              <a14:hiddenLine xmlns:a14="http://schemas.microsoft.com/office/drawing/2010/main" w="12700" cap="flat" cmpd="sng" algn="ctr">
+                <a:solidFill>
+                  <a:schemeClr val="accent1">
+                    <a:shade val="50000"/>
+                  </a:schemeClr>
+                </a:solidFill>
+                <a:prstDash val="solid"/>
+                <a:miter lim="800000"/>
+              </a14:hiddenLine>
+            </a:ext>
+          </a:extLst>
+        </p:spPr>
+        <p:style>
+          <a:lnRef idx="2">
+            <a:schemeClr val="accent1">
+              <a:shade val="50000"/>
+            </a:schemeClr>
+          </a:lnRef>
+          <a:fillRef idx="1">
+            <a:schemeClr val="accent1"/>
+          </a:fillRef>
+          <a:effectRef idx="0">
+            <a:schemeClr val="accent1"/>
+          </a:effectRef>
+          <a:fontRef idx="minor">
+            <a:schemeClr val="lt1"/>
+          </a:fontRef>
+        </p:style>
+        <p:txBody>
+          <a:bodyPr rtlCol="0" anchor="ctr"/>
+          <a:lstStyle/>
+          <a:p>
+            <a:pPr algn="ctr"/>
+            <a:endParaRPr lang="en-US"/>
+          </a:p>
+        </p:txBody>
+      </p:sp>
+      <p:sp>
+        <p:nvSpPr>
+          <p:cNvPr id="25" name="Rectangle 24">
+            <a:extLst>
+              <a:ext uri="{FF2B5EF4-FFF2-40B4-BE49-F238E27FC236}">
+                <a16:creationId xmlns:a16="http://schemas.microsoft.com/office/drawing/2014/main" id="{F68B3F68-107C-434F-AA38-110D5EA91B85}"/>
+              </a:ext>
+              <a:ext uri="{C183D7F6-B498-43B3-948B-1728B52AA6E4}">
+                <adec:decorative xmlns:adec="http://schemas.microsoft.com/office/drawing/2017/decorative" val="1"/>
+              </a:ext>
+            </a:extLst>
+          </p:cNvPr>
+          <p:cNvSpPr>
+            <a:spLocks noGrp="1" noRot="1" noChangeAspect="1" noMove="1" noResize="1" noEditPoints="1" noAdjustHandles="1" noChangeArrowheads="1" noChangeShapeType="1" noTextEdit="1"/>
+          </p:cNvSpPr>
+          <p:nvPr>
+            <p:extLst>
+              <p:ext uri="{386F3935-93C4-4BCD-93E2-E3B085C9AB24}">
+                <p16:designElem xmlns:p16="http://schemas.microsoft.com/office/powerpoint/2015/main" val="1"/>
+              </p:ext>
+            </p:extLst>
+          </p:nvPr>
+        </p:nvSpPr>
+        <p:spPr>
+          <a:xfrm flipH="1">
+            <a:off x="2" y="0"/>
+            <a:ext cx="12191998" cy="1575955"/>
+          </a:xfrm>
+          <a:prstGeom prst="rect">
+            <a:avLst/>
+          </a:prstGeom>
+          <a:gradFill>
+            <a:gsLst>
+              <a:gs pos="0">
+                <a:srgbClr val="000000">
+                  <a:alpha val="96000"/>
+                </a:srgbClr>
+              </a:gs>
+              <a:gs pos="100000">
+                <a:schemeClr val="accent1">
+                  <a:lumMod val="75000"/>
+                </a:schemeClr>
+              </a:gs>
+            </a:gsLst>
+            <a:lin ang="8400000" scaled="0"/>
+          </a:gradFill>
           <a:ln>
             <a:noFill/>
           </a:ln>
@@ -20926,224 +24236,12 @@
           </a:p>
         </p:txBody>
       </p:sp>
-      <p:grpSp>
-        <p:nvGrpSpPr>
-          <p:cNvPr id="11" name="Group 10">
+      <p:sp>
+        <p:nvSpPr>
+          <p:cNvPr id="27" name="Rectangle 26">
             <a:extLst>
               <a:ext uri="{FF2B5EF4-FFF2-40B4-BE49-F238E27FC236}">
-                <a16:creationId xmlns:a16="http://schemas.microsoft.com/office/drawing/2014/main" id="{AE1C45F0-260A-458C-96ED-C1F6D2151219}"/>
-              </a:ext>
-              <a:ext uri="{C183D7F6-B498-43B3-948B-1728B52AA6E4}">
-                <adec:decorative xmlns:adec="http://schemas.microsoft.com/office/drawing/2017/decorative" val="1"/>
-              </a:ext>
-            </a:extLst>
-          </p:cNvPr>
-          <p:cNvGrpSpPr>
-            <a:grpSpLocks noGrp="1" noUngrp="1" noRot="1" noChangeAspect="1" noMove="1" noResize="1"/>
-          </p:cNvGrpSpPr>
-          <p:nvPr>
-            <p:extLst>
-              <p:ext uri="{386F3935-93C4-4BCD-93E2-E3B085C9AB24}">
-                <p16:designElem xmlns:p16="http://schemas.microsoft.com/office/powerpoint/2015/main" val="1"/>
-              </p:ext>
-            </p:extLst>
-          </p:nvPr>
-        </p:nvGrpSpPr>
-        <p:grpSpPr>
-          <a:xfrm>
-            <a:off x="4" y="1216597"/>
-            <a:ext cx="731521" cy="673460"/>
-            <a:chOff x="3940602" y="308034"/>
-            <a:chExt cx="2116791" cy="3428999"/>
-          </a:xfrm>
-          <a:solidFill>
-            <a:schemeClr val="accent4"/>
-          </a:solidFill>
-        </p:grpSpPr>
-        <p:sp>
-          <p:nvSpPr>
-            <p:cNvPr id="12" name="Rectangle 11">
-              <a:extLst>
-                <a:ext uri="{FF2B5EF4-FFF2-40B4-BE49-F238E27FC236}">
-                  <a16:creationId xmlns:a16="http://schemas.microsoft.com/office/drawing/2014/main" id="{A6604B49-AD5C-4590-B051-06C8222ECD99}"/>
-                </a:ext>
-                <a:ext uri="{C183D7F6-B498-43B3-948B-1728B52AA6E4}">
-                  <adec:decorative xmlns:adec="http://schemas.microsoft.com/office/drawing/2017/decorative" val="1"/>
-                </a:ext>
-              </a:extLst>
-            </p:cNvPr>
-            <p:cNvSpPr/>
-            <p:nvPr>
-              <p:extLst>
-                <p:ext uri="{386F3935-93C4-4BCD-93E2-E3B085C9AB24}">
-                  <p16:designElem xmlns:p16="http://schemas.microsoft.com/office/powerpoint/2015/main" val="1"/>
-                </p:ext>
-              </p:extLst>
-            </p:nvPr>
-          </p:nvSpPr>
-          <p:spPr>
-            <a:xfrm>
-              <a:off x="3940602" y="308034"/>
-              <a:ext cx="566743" cy="3428999"/>
-            </a:xfrm>
-            <a:prstGeom prst="rect">
-              <a:avLst/>
-            </a:prstGeom>
-            <a:grpFill/>
-            <a:ln>
-              <a:noFill/>
-            </a:ln>
-          </p:spPr>
-          <p:style>
-            <a:lnRef idx="2">
-              <a:schemeClr val="accent1">
-                <a:shade val="50000"/>
-              </a:schemeClr>
-            </a:lnRef>
-            <a:fillRef idx="1">
-              <a:schemeClr val="accent1"/>
-            </a:fillRef>
-            <a:effectRef idx="0">
-              <a:schemeClr val="accent1"/>
-            </a:effectRef>
-            <a:fontRef idx="minor">
-              <a:schemeClr val="lt1"/>
-            </a:fontRef>
-          </p:style>
-          <p:txBody>
-            <a:bodyPr rtlCol="0" anchor="ctr"/>
-            <a:lstStyle/>
-            <a:p>
-              <a:pPr algn="ctr"/>
-              <a:endParaRPr lang="en-US"/>
-            </a:p>
-          </p:txBody>
-        </p:sp>
-        <p:sp>
-          <p:nvSpPr>
-            <p:cNvPr id="13" name="Rectangle 12">
-              <a:extLst>
-                <a:ext uri="{FF2B5EF4-FFF2-40B4-BE49-F238E27FC236}">
-                  <a16:creationId xmlns:a16="http://schemas.microsoft.com/office/drawing/2014/main" id="{743ECCAF-29C5-4537-947C-7EA1292463DB}"/>
-                </a:ext>
-                <a:ext uri="{C183D7F6-B498-43B3-948B-1728B52AA6E4}">
-                  <adec:decorative xmlns:adec="http://schemas.microsoft.com/office/drawing/2017/decorative" val="1"/>
-                </a:ext>
-              </a:extLst>
-            </p:cNvPr>
-            <p:cNvSpPr/>
-            <p:nvPr>
-              <p:extLst>
-                <p:ext uri="{386F3935-93C4-4BCD-93E2-E3B085C9AB24}">
-                  <p16:designElem xmlns:p16="http://schemas.microsoft.com/office/powerpoint/2015/main" val="1"/>
-                </p:ext>
-              </p:extLst>
-            </p:nvPr>
-          </p:nvSpPr>
-          <p:spPr>
-            <a:xfrm>
-              <a:off x="4715626" y="308034"/>
-              <a:ext cx="566743" cy="3428999"/>
-            </a:xfrm>
-            <a:prstGeom prst="rect">
-              <a:avLst/>
-            </a:prstGeom>
-            <a:grpFill/>
-            <a:ln>
-              <a:noFill/>
-            </a:ln>
-          </p:spPr>
-          <p:style>
-            <a:lnRef idx="2">
-              <a:schemeClr val="accent1">
-                <a:shade val="50000"/>
-              </a:schemeClr>
-            </a:lnRef>
-            <a:fillRef idx="1">
-              <a:schemeClr val="accent1"/>
-            </a:fillRef>
-            <a:effectRef idx="0">
-              <a:schemeClr val="accent1"/>
-            </a:effectRef>
-            <a:fontRef idx="minor">
-              <a:schemeClr val="lt1"/>
-            </a:fontRef>
-          </p:style>
-          <p:txBody>
-            <a:bodyPr rtlCol="0" anchor="ctr"/>
-            <a:lstStyle/>
-            <a:p>
-              <a:pPr algn="ctr"/>
-              <a:endParaRPr lang="en-US"/>
-            </a:p>
-          </p:txBody>
-        </p:sp>
-        <p:sp>
-          <p:nvSpPr>
-            <p:cNvPr id="14" name="Rectangle 13">
-              <a:extLst>
-                <a:ext uri="{FF2B5EF4-FFF2-40B4-BE49-F238E27FC236}">
-                  <a16:creationId xmlns:a16="http://schemas.microsoft.com/office/drawing/2014/main" id="{ED49787B-8DE6-4467-AD0A-8DECC6E0C2D6}"/>
-                </a:ext>
-                <a:ext uri="{C183D7F6-B498-43B3-948B-1728B52AA6E4}">
-                  <adec:decorative xmlns:adec="http://schemas.microsoft.com/office/drawing/2017/decorative" val="1"/>
-                </a:ext>
-              </a:extLst>
-            </p:cNvPr>
-            <p:cNvSpPr/>
-            <p:nvPr>
-              <p:extLst>
-                <p:ext uri="{386F3935-93C4-4BCD-93E2-E3B085C9AB24}">
-                  <p16:designElem xmlns:p16="http://schemas.microsoft.com/office/powerpoint/2015/main" val="1"/>
-                </p:ext>
-              </p:extLst>
-            </p:nvPr>
-          </p:nvSpPr>
-          <p:spPr>
-            <a:xfrm>
-              <a:off x="5490650" y="308034"/>
-              <a:ext cx="566743" cy="3428999"/>
-            </a:xfrm>
-            <a:prstGeom prst="rect">
-              <a:avLst/>
-            </a:prstGeom>
-            <a:grpFill/>
-            <a:ln>
-              <a:noFill/>
-            </a:ln>
-          </p:spPr>
-          <p:style>
-            <a:lnRef idx="2">
-              <a:schemeClr val="accent1">
-                <a:shade val="50000"/>
-              </a:schemeClr>
-            </a:lnRef>
-            <a:fillRef idx="1">
-              <a:schemeClr val="accent1"/>
-            </a:fillRef>
-            <a:effectRef idx="0">
-              <a:schemeClr val="accent1"/>
-            </a:effectRef>
-            <a:fontRef idx="minor">
-              <a:schemeClr val="lt1"/>
-            </a:fontRef>
-          </p:style>
-          <p:txBody>
-            <a:bodyPr rtlCol="0" anchor="ctr"/>
-            <a:lstStyle/>
-            <a:p>
-              <a:pPr algn="ctr"/>
-              <a:endParaRPr lang="en-US"/>
-            </a:p>
-          </p:txBody>
-        </p:sp>
-      </p:grpSp>
-      <p:sp>
-        <p:nvSpPr>
-          <p:cNvPr id="16" name="Rectangle 15">
-            <a:extLst>
-              <a:ext uri="{FF2B5EF4-FFF2-40B4-BE49-F238E27FC236}">
-                <a16:creationId xmlns:a16="http://schemas.microsoft.com/office/drawing/2014/main" id="{D5B0017B-2ECA-49AF-B397-DC140825DF8D}"/>
+                <a16:creationId xmlns:a16="http://schemas.microsoft.com/office/drawing/2014/main" id="{AAD0DBB9-1A4B-4391-81D4-CB19F9AB918A}"/>
               </a:ext>
               <a:ext uri="{C183D7F6-B498-43B3-948B-1728B52AA6E4}">
                 <adec:decorative xmlns:adec="http://schemas.microsoft.com/office/drawing/2017/decorative" val="1"/>
@@ -21162,26 +24260,32 @@
           </p:nvPr>
         </p:nvSpPr>
         <p:spPr>
-          <a:xfrm>
-            <a:off x="640079" y="613954"/>
-            <a:ext cx="10907487" cy="1894116"/>
+          <a:xfrm rot="10800000" flipH="1">
+            <a:off x="8128857" y="0"/>
+            <a:ext cx="4063143" cy="1576412"/>
           </a:xfrm>
           <a:prstGeom prst="rect">
             <a:avLst/>
           </a:prstGeom>
-          <a:solidFill>
-            <a:schemeClr val="bg1"/>
-          </a:solidFill>
+          <a:gradFill>
+            <a:gsLst>
+              <a:gs pos="19000">
+                <a:schemeClr val="accent1">
+                  <a:lumMod val="50000"/>
+                  <a:alpha val="68000"/>
+                </a:schemeClr>
+              </a:gs>
+              <a:gs pos="100000">
+                <a:schemeClr val="accent1">
+                  <a:alpha val="79000"/>
+                </a:schemeClr>
+              </a:gs>
+            </a:gsLst>
+            <a:lin ang="19200000" scaled="0"/>
+          </a:gradFill>
           <a:ln>
             <a:noFill/>
           </a:ln>
-          <a:effectLst>
-            <a:outerShdw blurRad="139700" dist="127000" dir="5400000" algn="t" rotWithShape="0">
-              <a:prstClr val="black">
-                <a:alpha val="15000"/>
-              </a:prstClr>
-            </a:outerShdw>
-          </a:effectLst>
         </p:spPr>
         <p:style>
           <a:lnRef idx="2">
@@ -21210,6 +24314,81 @@
       </p:sp>
       <p:sp>
         <p:nvSpPr>
+          <p:cNvPr id="29" name="Rectangle 28">
+            <a:extLst>
+              <a:ext uri="{FF2B5EF4-FFF2-40B4-BE49-F238E27FC236}">
+                <a16:creationId xmlns:a16="http://schemas.microsoft.com/office/drawing/2014/main" id="{063BBA22-50EA-4C4D-BE05-F1CE4E63AA56}"/>
+              </a:ext>
+              <a:ext uri="{C183D7F6-B498-43B3-948B-1728B52AA6E4}">
+                <adec:decorative xmlns:adec="http://schemas.microsoft.com/office/drawing/2017/decorative" val="1"/>
+              </a:ext>
+            </a:extLst>
+          </p:cNvPr>
+          <p:cNvSpPr>
+            <a:spLocks noGrp="1" noRot="1" noChangeAspect="1" noMove="1" noResize="1" noEditPoints="1" noAdjustHandles="1" noChangeArrowheads="1" noChangeShapeType="1" noTextEdit="1"/>
+          </p:cNvSpPr>
+          <p:nvPr>
+            <p:extLst>
+              <p:ext uri="{386F3935-93C4-4BCD-93E2-E3B085C9AB24}">
+                <p16:designElem xmlns:p16="http://schemas.microsoft.com/office/powerpoint/2015/main" val="1"/>
+              </p:ext>
+            </p:extLst>
+          </p:nvPr>
+        </p:nvSpPr>
+        <p:spPr>
+          <a:xfrm rot="5400000">
+            <a:off x="5307777" y="-5307778"/>
+            <a:ext cx="1576446" cy="12192002"/>
+          </a:xfrm>
+          <a:prstGeom prst="rect">
+            <a:avLst/>
+          </a:prstGeom>
+          <a:gradFill>
+            <a:gsLst>
+              <a:gs pos="23000">
+                <a:schemeClr val="accent1">
+                  <a:alpha val="0"/>
+                </a:schemeClr>
+              </a:gs>
+              <a:gs pos="99000">
+                <a:srgbClr val="000000">
+                  <a:alpha val="74000"/>
+                </a:srgbClr>
+              </a:gs>
+            </a:gsLst>
+            <a:lin ang="20400000" scaled="0"/>
+          </a:gradFill>
+          <a:ln>
+            <a:noFill/>
+          </a:ln>
+        </p:spPr>
+        <p:style>
+          <a:lnRef idx="2">
+            <a:schemeClr val="accent1">
+              <a:shade val="50000"/>
+            </a:schemeClr>
+          </a:lnRef>
+          <a:fillRef idx="1">
+            <a:schemeClr val="accent1"/>
+          </a:fillRef>
+          <a:effectRef idx="0">
+            <a:schemeClr val="accent1"/>
+          </a:effectRef>
+          <a:fontRef idx="minor">
+            <a:schemeClr val="lt1"/>
+          </a:fontRef>
+        </p:style>
+        <p:txBody>
+          <a:bodyPr rtlCol="0" anchor="ctr"/>
+          <a:lstStyle/>
+          <a:p>
+            <a:pPr algn="ctr"/>
+            <a:endParaRPr lang="en-US" dirty="0"/>
+          </a:p>
+        </p:txBody>
+      </p:sp>
+      <p:sp>
+        <p:nvSpPr>
           <p:cNvPr id="2" name="Title 1">
             <a:extLst>
               <a:ext uri="{FF2B5EF4-FFF2-40B4-BE49-F238E27FC236}">
@@ -21226,8 +24405,8 @@
         </p:nvSpPr>
         <p:spPr>
           <a:xfrm>
-            <a:off x="1043631" y="809898"/>
-            <a:ext cx="10173010" cy="1554480"/>
+            <a:off x="1371597" y="348865"/>
+            <a:ext cx="10044023" cy="877729"/>
           </a:xfrm>
         </p:spPr>
         <p:txBody>
@@ -21237,64 +24416,16 @@
           <a:lstStyle/>
           <a:p>
             <a:r>
-              <a:rPr lang="en-CO" sz="4800"/>
+              <a:rPr lang="en-CO" sz="4000">
+                <a:solidFill>
+                  <a:srgbClr val="FFFFFF"/>
+                </a:solidFill>
+              </a:rPr>
               <a:t>Beneficios</a:t>
             </a:r>
           </a:p>
         </p:txBody>
       </p:sp>
-      <p:cxnSp>
-        <p:nvCxnSpPr>
-          <p:cNvPr id="18" name="Straight Connector 17">
-            <a:extLst>
-              <a:ext uri="{FF2B5EF4-FFF2-40B4-BE49-F238E27FC236}">
-                <a16:creationId xmlns:a16="http://schemas.microsoft.com/office/drawing/2014/main" id="{6CF1BAF6-AD41-4082-B212-8A1F9A2E8779}"/>
-              </a:ext>
-              <a:ext uri="{C183D7F6-B498-43B3-948B-1728B52AA6E4}">
-                <adec:decorative xmlns:adec="http://schemas.microsoft.com/office/drawing/2017/decorative" val="1"/>
-              </a:ext>
-            </a:extLst>
-          </p:cNvPr>
-          <p:cNvCxnSpPr>
-            <a:cxnSpLocks noGrp="1" noRot="1" noChangeAspect="1" noMove="1" noResize="1" noEditPoints="1" noAdjustHandles="1" noChangeArrowheads="1" noChangeShapeType="1"/>
-          </p:cNvCxnSpPr>
-          <p:nvPr>
-            <p:extLst>
-              <p:ext uri="{386F3935-93C4-4BCD-93E2-E3B085C9AB24}">
-                <p16:designElem xmlns:p16="http://schemas.microsoft.com/office/powerpoint/2015/main" val="1"/>
-              </p:ext>
-            </p:extLst>
-          </p:nvPr>
-        </p:nvCxnSpPr>
-        <p:spPr>
-          <a:xfrm flipH="1">
-            <a:off x="838200" y="6485313"/>
-            <a:ext cx="10515600" cy="0"/>
-          </a:xfrm>
-          <a:prstGeom prst="line">
-            <a:avLst/>
-          </a:prstGeom>
-          <a:ln w="57150">
-            <a:solidFill>
-              <a:schemeClr val="accent4"/>
-            </a:solidFill>
-          </a:ln>
-        </p:spPr>
-        <p:style>
-          <a:lnRef idx="1">
-            <a:schemeClr val="accent1"/>
-          </a:lnRef>
-          <a:fillRef idx="0">
-            <a:schemeClr val="accent1"/>
-          </a:fillRef>
-          <a:effectRef idx="0">
-            <a:schemeClr val="accent1"/>
-          </a:effectRef>
-          <a:fontRef idx="minor">
-            <a:schemeClr val="tx1"/>
-          </a:fontRef>
-        </p:style>
-      </p:cxnSp>
       <p:graphicFrame>
         <p:nvGraphicFramePr>
           <p:cNvPr id="5" name="Content Placeholder 2">
@@ -21311,14 +24442,14 @@
             <p:ph idx="1"/>
             <p:extLst>
               <p:ext uri="{D42A27DB-BD31-4B8C-83A1-F6EECF244321}">
-                <p14:modId xmlns:p14="http://schemas.microsoft.com/office/powerpoint/2010/main" val="1792655124"/>
+                <p14:modId xmlns:p14="http://schemas.microsoft.com/office/powerpoint/2010/main" val="1625198053"/>
               </p:ext>
             </p:extLst>
           </p:nvPr>
         </p:nvGraphicFramePr>
         <p:xfrm>
-          <a:off x="904602" y="3017519"/>
-          <a:ext cx="10378440" cy="3209902"/>
+          <a:off x="644056" y="2112579"/>
+          <a:ext cx="10927829" cy="4192805"/>
         </p:xfrm>
         <a:graphic>
           <a:graphicData uri="http://schemas.openxmlformats.org/drawingml/2006/diagram">
@@ -21364,12 +24495,49 @@
           <a:chExt cx="0" cy="0"/>
         </a:xfrm>
       </p:grpSpPr>
-      <p:sp useBgFill="1">
-        <p:nvSpPr>
-          <p:cNvPr id="8" name="Rectangle 7">
+      <p:pic>
+        <p:nvPicPr>
+          <p:cNvPr id="15" name="Picture 14">
             <a:extLst>
               <a:ext uri="{FF2B5EF4-FFF2-40B4-BE49-F238E27FC236}">
-                <a16:creationId xmlns:a16="http://schemas.microsoft.com/office/drawing/2014/main" id="{1BB867FF-FC45-48F7-8104-F89BE54909F1}"/>
+                <a16:creationId xmlns:a16="http://schemas.microsoft.com/office/drawing/2014/main" id="{3F45F6D7-7F26-DA61-E60C-E26220FC45F3}"/>
+              </a:ext>
+            </a:extLst>
+          </p:cNvPr>
+          <p:cNvPicPr>
+            <a:picLocks noChangeAspect="1"/>
+          </p:cNvPicPr>
+          <p:nvPr/>
+        </p:nvPicPr>
+        <p:blipFill>
+          <a:blip r:embed="rId2">
+            <a:duotone>
+              <a:schemeClr val="bg2">
+                <a:shade val="45000"/>
+                <a:satMod val="135000"/>
+              </a:schemeClr>
+              <a:prstClr val="white"/>
+            </a:duotone>
+          </a:blip>
+          <a:srcRect t="15730"/>
+          <a:stretch/>
+        </p:blipFill>
+        <p:spPr>
+          <a:xfrm>
+            <a:off x="20" y="10"/>
+            <a:ext cx="12191980" cy="6857990"/>
+          </a:xfrm>
+          <a:prstGeom prst="rect">
+            <a:avLst/>
+          </a:prstGeom>
+        </p:spPr>
+      </p:pic>
+      <p:sp>
+        <p:nvSpPr>
+          <p:cNvPr id="19" name="Rectangle 18">
+            <a:extLst>
+              <a:ext uri="{FF2B5EF4-FFF2-40B4-BE49-F238E27FC236}">
+                <a16:creationId xmlns:a16="http://schemas.microsoft.com/office/drawing/2014/main" id="{B50AB553-2A96-4A92-96F2-93548E096954}"/>
               </a:ext>
               <a:ext uri="{C183D7F6-B498-43B3-948B-1728B52AA6E4}">
                 <adec:decorative xmlns:adec="http://schemas.microsoft.com/office/drawing/2017/decorative" val="1"/>
@@ -21389,12 +24557,29 @@
         </p:nvSpPr>
         <p:spPr>
           <a:xfrm>
-            <a:off x="3048" y="0"/>
-            <a:ext cx="12188952" cy="6858000"/>
+            <a:off x="0" y="0"/>
+            <a:ext cx="12192000" cy="6858000"/>
           </a:xfrm>
           <a:prstGeom prst="rect">
             <a:avLst/>
           </a:prstGeom>
+          <a:gradFill>
+            <a:gsLst>
+              <a:gs pos="10000">
+                <a:schemeClr val="bg2">
+                  <a:alpha val="68000"/>
+                </a:schemeClr>
+              </a:gs>
+              <a:gs pos="85000">
+                <a:schemeClr val="bg2">
+                  <a:alpha val="97000"/>
+                </a:schemeClr>
+              </a:gs>
+            </a:gsLst>
+            <a:path path="circle">
+              <a:fillToRect l="50000" t="50000" r="50000" b="50000"/>
+            </a:path>
+          </a:gradFill>
           <a:ln>
             <a:noFill/>
           </a:ln>
@@ -21417,126 +24602,6 @@
         </p:style>
         <p:txBody>
           <a:bodyPr rtlCol="0" anchor="ctr"/>
-          <a:lstStyle/>
-          <a:p>
-            <a:pPr algn="ctr"/>
-            <a:endParaRPr lang="en-US"/>
-          </a:p>
-        </p:txBody>
-      </p:sp>
-      <p:sp>
-        <p:nvSpPr>
-          <p:cNvPr id="10" name="Freeform: Shape 9">
-            <a:extLst>
-              <a:ext uri="{FF2B5EF4-FFF2-40B4-BE49-F238E27FC236}">
-                <a16:creationId xmlns:a16="http://schemas.microsoft.com/office/drawing/2014/main" id="{8BB56887-D0D5-4F0C-9E19-7247EB83C8B7}"/>
-              </a:ext>
-              <a:ext uri="{C183D7F6-B498-43B3-948B-1728B52AA6E4}">
-                <adec:decorative xmlns:adec="http://schemas.microsoft.com/office/drawing/2017/decorative" val="1"/>
-              </a:ext>
-            </a:extLst>
-          </p:cNvPr>
-          <p:cNvSpPr>
-            <a:spLocks noGrp="1" noRot="1" noChangeAspect="1" noMove="1" noResize="1" noEditPoints="1" noAdjustHandles="1" noChangeArrowheads="1" noChangeShapeType="1" noTextEdit="1"/>
-          </p:cNvSpPr>
-          <p:nvPr>
-            <p:extLst>
-              <p:ext uri="{386F3935-93C4-4BCD-93E2-E3B085C9AB24}">
-                <p16:designElem xmlns:p16="http://schemas.microsoft.com/office/powerpoint/2015/main" val="1"/>
-              </p:ext>
-            </p:extLst>
-          </p:nvPr>
-        </p:nvSpPr>
-        <p:spPr>
-          <a:xfrm>
-            <a:off x="10208695" y="1"/>
-            <a:ext cx="1135066" cy="477997"/>
-          </a:xfrm>
-          <a:custGeom>
-            <a:avLst/>
-            <a:gdLst>
-              <a:gd name="connsiteX0" fmla="*/ 0 w 1135066"/>
-              <a:gd name="connsiteY0" fmla="*/ 0 h 477997"/>
-              <a:gd name="connsiteX1" fmla="*/ 1135066 w 1135066"/>
-              <a:gd name="connsiteY1" fmla="*/ 0 h 477997"/>
-              <a:gd name="connsiteX2" fmla="*/ 1133370 w 1135066"/>
-              <a:gd name="connsiteY2" fmla="*/ 16827 h 477997"/>
-              <a:gd name="connsiteX3" fmla="*/ 567533 w 1135066"/>
-              <a:gd name="connsiteY3" fmla="*/ 477997 h 477997"/>
-              <a:gd name="connsiteX4" fmla="*/ 1696 w 1135066"/>
-              <a:gd name="connsiteY4" fmla="*/ 16827 h 477997"/>
-            </a:gdLst>
-            <a:ahLst/>
-            <a:cxnLst>
-              <a:cxn ang="0">
-                <a:pos x="connsiteX0" y="connsiteY0"/>
-              </a:cxn>
-              <a:cxn ang="0">
-                <a:pos x="connsiteX1" y="connsiteY1"/>
-              </a:cxn>
-              <a:cxn ang="0">
-                <a:pos x="connsiteX2" y="connsiteY2"/>
-              </a:cxn>
-              <a:cxn ang="0">
-                <a:pos x="connsiteX3" y="connsiteY3"/>
-              </a:cxn>
-              <a:cxn ang="0">
-                <a:pos x="connsiteX4" y="connsiteY4"/>
-              </a:cxn>
-            </a:cxnLst>
-            <a:rect l="l" t="t" r="r" b="b"/>
-            <a:pathLst>
-              <a:path w="1135066" h="477997">
-                <a:moveTo>
-                  <a:pt x="0" y="0"/>
-                </a:moveTo>
-                <a:lnTo>
-                  <a:pt x="1135066" y="0"/>
-                </a:lnTo>
-                <a:lnTo>
-                  <a:pt x="1133370" y="16827"/>
-                </a:lnTo>
-                <a:cubicBezTo>
-                  <a:pt x="1079514" y="280016"/>
-                  <a:pt x="846644" y="477997"/>
-                  <a:pt x="567533" y="477997"/>
-                </a:cubicBezTo>
-                <a:cubicBezTo>
-                  <a:pt x="288422" y="477997"/>
-                  <a:pt x="55552" y="280016"/>
-                  <a:pt x="1696" y="16827"/>
-                </a:cubicBezTo>
-                <a:close/>
-              </a:path>
-            </a:pathLst>
-          </a:custGeom>
-          <a:solidFill>
-            <a:schemeClr val="accent4"/>
-          </a:solidFill>
-          <a:ln>
-            <a:noFill/>
-          </a:ln>
-        </p:spPr>
-        <p:style>
-          <a:lnRef idx="2">
-            <a:schemeClr val="accent1">
-              <a:shade val="50000"/>
-            </a:schemeClr>
-          </a:lnRef>
-          <a:fillRef idx="1">
-            <a:schemeClr val="accent1"/>
-          </a:fillRef>
-          <a:effectRef idx="0">
-            <a:schemeClr val="accent1"/>
-          </a:effectRef>
-          <a:fontRef idx="minor">
-            <a:schemeClr val="lt1"/>
-          </a:fontRef>
-        </p:style>
-        <p:txBody>
-          <a:bodyPr wrap="square" rtlCol="0" anchor="ctr">
-            <a:noAutofit/>
-          </a:bodyPr>
           <a:lstStyle/>
           <a:p>
             <a:pPr algn="ctr"/>
@@ -21579,218 +24644,37 @@
           </a:p>
         </p:txBody>
       </p:sp>
-      <p:sp>
-        <p:nvSpPr>
-          <p:cNvPr id="12" name="Arc 11">
+      <p:graphicFrame>
+        <p:nvGraphicFramePr>
+          <p:cNvPr id="14" name="Content Placeholder 2">
             <a:extLst>
               <a:ext uri="{FF2B5EF4-FFF2-40B4-BE49-F238E27FC236}">
-                <a16:creationId xmlns:a16="http://schemas.microsoft.com/office/drawing/2014/main" id="{081E4A58-353D-44AE-B2FC-2A74E2E400F7}"/>
-              </a:ext>
-              <a:ext uri="{C183D7F6-B498-43B3-948B-1728B52AA6E4}">
-                <adec:decorative xmlns:adec="http://schemas.microsoft.com/office/drawing/2017/decorative" val="1"/>
+                <a16:creationId xmlns:a16="http://schemas.microsoft.com/office/drawing/2014/main" id="{119F2DF3-1FC5-B155-0358-BD217DA2FC0B}"/>
               </a:ext>
             </a:extLst>
           </p:cNvPr>
-          <p:cNvSpPr>
-            <a:spLocks noGrp="1" noRot="1" noChangeAspect="1" noMove="1" noResize="1" noEditPoints="1" noAdjustHandles="1" noChangeArrowheads="1" noChangeShapeType="1" noTextEdit="1"/>
-          </p:cNvSpPr>
+          <p:cNvGraphicFramePr>
+            <a:graphicFrameLocks noGrp="1"/>
+          </p:cNvGraphicFramePr>
           <p:nvPr>
+            <p:ph idx="1"/>
             <p:extLst>
-              <p:ext uri="{386F3935-93C4-4BCD-93E2-E3B085C9AB24}">
-                <p16:designElem xmlns:p16="http://schemas.microsoft.com/office/powerpoint/2015/main" val="1"/>
+              <p:ext uri="{D42A27DB-BD31-4B8C-83A1-F6EECF244321}">
+                <p14:modId xmlns:p14="http://schemas.microsoft.com/office/powerpoint/2010/main" val="2846964576"/>
               </p:ext>
             </p:extLst>
           </p:nvPr>
-        </p:nvSpPr>
-        <p:spPr>
-          <a:xfrm rot="5400000" flipV="1">
-            <a:off x="555710" y="2183223"/>
-            <a:ext cx="4083433" cy="4083433"/>
-          </a:xfrm>
-          <a:prstGeom prst="arc">
-            <a:avLst/>
-          </a:prstGeom>
-          <a:ln w="127000" cap="rnd">
-            <a:solidFill>
-              <a:schemeClr val="accent4"/>
-            </a:solidFill>
-            <a:prstDash val="dash"/>
-          </a:ln>
-        </p:spPr>
-        <p:style>
-          <a:lnRef idx="1">
-            <a:schemeClr val="accent1"/>
-          </a:lnRef>
-          <a:fillRef idx="0">
-            <a:schemeClr val="accent1"/>
-          </a:fillRef>
-          <a:effectRef idx="0">
-            <a:schemeClr val="accent1"/>
-          </a:effectRef>
-          <a:fontRef idx="minor">
-            <a:schemeClr val="tx1"/>
-          </a:fontRef>
-        </p:style>
-        <p:txBody>
-          <a:bodyPr rtlCol="0" anchor="ctr"/>
-          <a:lstStyle/>
-          <a:p>
-            <a:pPr algn="ctr"/>
-            <a:endParaRPr lang="en-US" dirty="0"/>
-          </a:p>
-        </p:txBody>
-      </p:sp>
-      <p:sp>
-        <p:nvSpPr>
-          <p:cNvPr id="3" name="Content Placeholder 2">
-            <a:extLst>
-              <a:ext uri="{FF2B5EF4-FFF2-40B4-BE49-F238E27FC236}">
-                <a16:creationId xmlns:a16="http://schemas.microsoft.com/office/drawing/2014/main" id="{BD29D2A2-0406-D7C0-8EEC-2EE2963CF196}"/>
-              </a:ext>
-            </a:extLst>
-          </p:cNvPr>
-          <p:cNvSpPr>
-            <a:spLocks noGrp="1"/>
-          </p:cNvSpPr>
-          <p:nvPr>
-            <p:ph idx="1"/>
-          </p:nvPr>
-        </p:nvSpPr>
-        <p:spPr>
-          <a:xfrm>
-            <a:off x="838200" y="1825625"/>
-            <a:ext cx="10515600" cy="4351338"/>
-          </a:xfrm>
-        </p:spPr>
-        <p:txBody>
-          <a:bodyPr>
-            <a:normAutofit/>
-          </a:bodyPr>
-          <a:lstStyle/>
-          <a:p>
-            <a:r>
-              <a:rPr lang="en-CO" dirty="0"/>
-              <a:t>Todo el costo de la instalación y adecuación la asume el interesado, el propietario del inmueble.</a:t>
-            </a:r>
-          </a:p>
-          <a:p>
-            <a:pPr lvl="1"/>
-            <a:r>
-              <a:rPr lang="en-CO" dirty="0"/>
-              <a:t>No la copropiedad.</a:t>
-            </a:r>
-          </a:p>
-          <a:p>
-            <a:r>
-              <a:rPr lang="en-US" dirty="0"/>
-              <a:t>Ley de </a:t>
-            </a:r>
-            <a:r>
-              <a:rPr lang="en-US" dirty="0" err="1"/>
-              <a:t>servicios</a:t>
-            </a:r>
-            <a:r>
-              <a:rPr lang="en-US" dirty="0"/>
-              <a:t> </a:t>
-            </a:r>
-            <a:r>
-              <a:rPr lang="en-US" dirty="0" err="1"/>
-              <a:t>públicos</a:t>
-            </a:r>
-            <a:r>
-              <a:rPr lang="en-US" dirty="0"/>
-              <a:t> </a:t>
-            </a:r>
-            <a:r>
-              <a:rPr lang="en-US" dirty="0" err="1"/>
-              <a:t>señala</a:t>
-            </a:r>
-            <a:r>
-              <a:rPr lang="en-US" dirty="0"/>
-              <a:t> que la </a:t>
-            </a:r>
-            <a:r>
-              <a:rPr lang="en-US" dirty="0" err="1"/>
-              <a:t>electricidad</a:t>
-            </a:r>
-            <a:r>
-              <a:rPr lang="en-US" dirty="0"/>
-              <a:t> es un bien </a:t>
-            </a:r>
-            <a:r>
-              <a:rPr lang="en-US" dirty="0" err="1"/>
-              <a:t>común</a:t>
-            </a:r>
-            <a:r>
-              <a:rPr lang="en-US" dirty="0"/>
-              <a:t> </a:t>
-            </a:r>
-            <a:r>
-              <a:rPr lang="en-US" dirty="0" err="1"/>
-              <a:t>esencial</a:t>
-            </a:r>
-            <a:r>
-              <a:rPr lang="en-US" dirty="0"/>
-              <a:t>, </a:t>
-            </a:r>
-            <a:r>
-              <a:rPr lang="en-US" dirty="0" err="1"/>
-              <a:t>el</a:t>
-            </a:r>
-            <a:r>
-              <a:rPr lang="en-US" dirty="0"/>
-              <a:t> </a:t>
-            </a:r>
-            <a:r>
-              <a:rPr lang="en-US" dirty="0" err="1"/>
-              <a:t>cual</a:t>
-            </a:r>
-            <a:r>
-              <a:rPr lang="en-US" dirty="0"/>
-              <a:t> no </a:t>
-            </a:r>
-            <a:r>
-              <a:rPr lang="en-US" dirty="0" err="1"/>
-              <a:t>puede</a:t>
-            </a:r>
-            <a:r>
-              <a:rPr lang="en-US" dirty="0"/>
-              <a:t> ser </a:t>
-            </a:r>
-            <a:r>
-              <a:rPr lang="en-US" dirty="0" err="1"/>
-              <a:t>negado</a:t>
-            </a:r>
-            <a:r>
-              <a:rPr lang="en-US" dirty="0"/>
-              <a:t> </a:t>
-            </a:r>
-            <a:r>
-              <a:rPr lang="en-US" dirty="0" err="1"/>
-              <a:t>en</a:t>
-            </a:r>
-            <a:r>
-              <a:rPr lang="en-US" dirty="0"/>
-              <a:t> un </a:t>
-            </a:r>
-            <a:r>
-              <a:rPr lang="en-US" dirty="0" err="1"/>
-              <a:t>momento</a:t>
-            </a:r>
-            <a:r>
-              <a:rPr lang="en-US" dirty="0"/>
-              <a:t> dado – Ley 142 de 1994.</a:t>
-            </a:r>
-            <a:endParaRPr lang="en-CO" dirty="0"/>
-          </a:p>
-          <a:p>
-            <a:endParaRPr lang="en-CO" dirty="0"/>
-          </a:p>
-          <a:p>
-            <a:endParaRPr lang="en-CO" dirty="0"/>
-          </a:p>
-        </p:txBody>
-      </p:sp>
+        </p:nvGraphicFramePr>
+        <p:xfrm>
+          <a:off x="838200" y="1825625"/>
+          <a:ext cx="10515600" cy="4351338"/>
+        </p:xfrm>
+        <a:graphic>
+          <a:graphicData uri="http://schemas.openxmlformats.org/drawingml/2006/diagram">
+            <dgm:relIds xmlns:dgm="http://schemas.openxmlformats.org/drawingml/2006/diagram" xmlns:r="http://schemas.openxmlformats.org/officeDocument/2006/relationships" r:dm="rId3" r:lo="rId4" r:qs="rId5" r:cs="rId6"/>
+          </a:graphicData>
+        </a:graphic>
+      </p:graphicFrame>
     </p:spTree>
     <p:extLst>
       <p:ext uri="{BB962C8B-B14F-4D97-AF65-F5344CB8AC3E}">
